--- a/proj5_v2/proj5_template.pptx
+++ b/proj5_v2/proj5_template.pptx
@@ -1,28 +1,28 @@
 
 <file path=ppt/presentation.xml><?xml version="1.0" encoding="utf-8"?>
-<p:presentation xmlns:a="http://schemas.openxmlformats.org/drawingml/2006/main" xmlns:r="http://schemas.openxmlformats.org/officeDocument/2006/relationships" xmlns:mc="http://schemas.openxmlformats.org/markup-compatibility/2006" xmlns:mv="urn:schemas-microsoft-com:mac:vml" xmlns:p="http://schemas.openxmlformats.org/presentationml/2006/main" xmlns:c="http://schemas.openxmlformats.org/drawingml/2006/chart" xmlns:dgm="http://schemas.openxmlformats.org/drawingml/2006/diagram" xmlns:o="urn:schemas-microsoft-com:office:office" xmlns:v="urn:schemas-microsoft-com:vml" xmlns:pvml="urn:schemas-microsoft-com:office:powerpoint" xmlns:com="http://schemas.openxmlformats.org/drawingml/2006/compatibility" xmlns:p14="http://schemas.microsoft.com/office/powerpoint/2010/main" xmlns:p15="http://schemas.microsoft.com/office/powerpoint/2012/main" autoCompressPictures="0" strictFirstAndLastChars="0" saveSubsetFonts="1">
+<p:presentation xmlns:a="http://schemas.openxmlformats.org/drawingml/2006/main" xmlns:r="http://schemas.openxmlformats.org/officeDocument/2006/relationships" xmlns:p="http://schemas.openxmlformats.org/presentationml/2006/main" strictFirstAndLastChars="0" saveSubsetFonts="1" autoCompressPictures="0">
   <p:sldMasterIdLst>
-    <p:sldMasterId id="2147483659" r:id="rId4"/>
+    <p:sldMasterId id="2147483659" r:id="rId1"/>
   </p:sldMasterIdLst>
   <p:notesMasterIdLst>
-    <p:notesMasterId r:id="rId5"/>
+    <p:notesMasterId r:id="rId12"/>
   </p:notesMasterIdLst>
   <p:sldIdLst>
-    <p:sldId id="256" r:id="rId6"/>
-    <p:sldId id="257" r:id="rId7"/>
-    <p:sldId id="258" r:id="rId8"/>
-    <p:sldId id="259" r:id="rId9"/>
-    <p:sldId id="260" r:id="rId10"/>
-    <p:sldId id="261" r:id="rId11"/>
-    <p:sldId id="262" r:id="rId12"/>
-    <p:sldId id="263" r:id="rId13"/>
-    <p:sldId id="264" r:id="rId14"/>
-    <p:sldId id="265" r:id="rId15"/>
+    <p:sldId id="256" r:id="rId2"/>
+    <p:sldId id="257" r:id="rId3"/>
+    <p:sldId id="258" r:id="rId4"/>
+    <p:sldId id="259" r:id="rId5"/>
+    <p:sldId id="260" r:id="rId6"/>
+    <p:sldId id="261" r:id="rId7"/>
+    <p:sldId id="262" r:id="rId8"/>
+    <p:sldId id="263" r:id="rId9"/>
+    <p:sldId id="264" r:id="rId10"/>
+    <p:sldId id="265" r:id="rId11"/>
   </p:sldIdLst>
-  <p:sldSz cy="5143500" cx="9144000"/>
+  <p:sldSz cx="9144000" cy="5143500" type="screen16x9"/>
   <p:notesSz cx="6858000" cy="9144000"/>
   <p:defaultTextStyle>
-    <a:defPPr lvl="0" marR="0" rtl="0" algn="l">
+    <a:defPPr marR="0" lvl="0" algn="l" rtl="0">
       <a:lnSpc>
         <a:spcPct val="100000"/>
       </a:lnSpc>
@@ -33,7 +33,7 @@
         <a:spcPts val="0"/>
       </a:spcAft>
     </a:defPPr>
-    <a:lvl1pPr lvl="0" marR="0" rtl="0" algn="l">
+    <a:lvl1pPr marR="0" lvl="0" algn="l" rtl="0">
       <a:lnSpc>
         <a:spcPct val="100000"/>
       </a:lnSpc>
@@ -47,7 +47,7 @@
         <a:srgbClr val="000000"/>
       </a:buClr>
       <a:buFont typeface="Arial"/>
-      <a:defRPr b="0" i="0" sz="1400" u="none" cap="none" strike="noStrike">
+      <a:defRPr sz="1400" b="0" i="0" u="none" strike="noStrike" cap="none">
         <a:solidFill>
           <a:srgbClr val="000000"/>
         </a:solidFill>
@@ -57,7 +57,7 @@
         <a:sym typeface="Arial"/>
       </a:defRPr>
     </a:lvl1pPr>
-    <a:lvl2pPr lvl="1" marR="0" rtl="0" algn="l">
+    <a:lvl2pPr marR="0" lvl="1" algn="l" rtl="0">
       <a:lnSpc>
         <a:spcPct val="100000"/>
       </a:lnSpc>
@@ -71,7 +71,7 @@
         <a:srgbClr val="000000"/>
       </a:buClr>
       <a:buFont typeface="Arial"/>
-      <a:defRPr b="0" i="0" sz="1400" u="none" cap="none" strike="noStrike">
+      <a:defRPr sz="1400" b="0" i="0" u="none" strike="noStrike" cap="none">
         <a:solidFill>
           <a:srgbClr val="000000"/>
         </a:solidFill>
@@ -81,7 +81,7 @@
         <a:sym typeface="Arial"/>
       </a:defRPr>
     </a:lvl2pPr>
-    <a:lvl3pPr lvl="2" marR="0" rtl="0" algn="l">
+    <a:lvl3pPr marR="0" lvl="2" algn="l" rtl="0">
       <a:lnSpc>
         <a:spcPct val="100000"/>
       </a:lnSpc>
@@ -95,7 +95,7 @@
         <a:srgbClr val="000000"/>
       </a:buClr>
       <a:buFont typeface="Arial"/>
-      <a:defRPr b="0" i="0" sz="1400" u="none" cap="none" strike="noStrike">
+      <a:defRPr sz="1400" b="0" i="0" u="none" strike="noStrike" cap="none">
         <a:solidFill>
           <a:srgbClr val="000000"/>
         </a:solidFill>
@@ -105,7 +105,7 @@
         <a:sym typeface="Arial"/>
       </a:defRPr>
     </a:lvl3pPr>
-    <a:lvl4pPr lvl="3" marR="0" rtl="0" algn="l">
+    <a:lvl4pPr marR="0" lvl="3" algn="l" rtl="0">
       <a:lnSpc>
         <a:spcPct val="100000"/>
       </a:lnSpc>
@@ -119,7 +119,7 @@
         <a:srgbClr val="000000"/>
       </a:buClr>
       <a:buFont typeface="Arial"/>
-      <a:defRPr b="0" i="0" sz="1400" u="none" cap="none" strike="noStrike">
+      <a:defRPr sz="1400" b="0" i="0" u="none" strike="noStrike" cap="none">
         <a:solidFill>
           <a:srgbClr val="000000"/>
         </a:solidFill>
@@ -129,7 +129,7 @@
         <a:sym typeface="Arial"/>
       </a:defRPr>
     </a:lvl4pPr>
-    <a:lvl5pPr lvl="4" marR="0" rtl="0" algn="l">
+    <a:lvl5pPr marR="0" lvl="4" algn="l" rtl="0">
       <a:lnSpc>
         <a:spcPct val="100000"/>
       </a:lnSpc>
@@ -143,7 +143,7 @@
         <a:srgbClr val="000000"/>
       </a:buClr>
       <a:buFont typeface="Arial"/>
-      <a:defRPr b="0" i="0" sz="1400" u="none" cap="none" strike="noStrike">
+      <a:defRPr sz="1400" b="0" i="0" u="none" strike="noStrike" cap="none">
         <a:solidFill>
           <a:srgbClr val="000000"/>
         </a:solidFill>
@@ -153,7 +153,7 @@
         <a:sym typeface="Arial"/>
       </a:defRPr>
     </a:lvl5pPr>
-    <a:lvl6pPr lvl="5" marR="0" rtl="0" algn="l">
+    <a:lvl6pPr marR="0" lvl="5" algn="l" rtl="0">
       <a:lnSpc>
         <a:spcPct val="100000"/>
       </a:lnSpc>
@@ -167,7 +167,7 @@
         <a:srgbClr val="000000"/>
       </a:buClr>
       <a:buFont typeface="Arial"/>
-      <a:defRPr b="0" i="0" sz="1400" u="none" cap="none" strike="noStrike">
+      <a:defRPr sz="1400" b="0" i="0" u="none" strike="noStrike" cap="none">
         <a:solidFill>
           <a:srgbClr val="000000"/>
         </a:solidFill>
@@ -177,7 +177,7 @@
         <a:sym typeface="Arial"/>
       </a:defRPr>
     </a:lvl6pPr>
-    <a:lvl7pPr lvl="6" marR="0" rtl="0" algn="l">
+    <a:lvl7pPr marR="0" lvl="6" algn="l" rtl="0">
       <a:lnSpc>
         <a:spcPct val="100000"/>
       </a:lnSpc>
@@ -191,7 +191,7 @@
         <a:srgbClr val="000000"/>
       </a:buClr>
       <a:buFont typeface="Arial"/>
-      <a:defRPr b="0" i="0" sz="1400" u="none" cap="none" strike="noStrike">
+      <a:defRPr sz="1400" b="0" i="0" u="none" strike="noStrike" cap="none">
         <a:solidFill>
           <a:srgbClr val="000000"/>
         </a:solidFill>
@@ -201,7 +201,7 @@
         <a:sym typeface="Arial"/>
       </a:defRPr>
     </a:lvl7pPr>
-    <a:lvl8pPr lvl="7" marR="0" rtl="0" algn="l">
+    <a:lvl8pPr marR="0" lvl="7" algn="l" rtl="0">
       <a:lnSpc>
         <a:spcPct val="100000"/>
       </a:lnSpc>
@@ -215,7 +215,7 @@
         <a:srgbClr val="000000"/>
       </a:buClr>
       <a:buFont typeface="Arial"/>
-      <a:defRPr b="0" i="0" sz="1400" u="none" cap="none" strike="noStrike">
+      <a:defRPr sz="1400" b="0" i="0" u="none" strike="noStrike" cap="none">
         <a:solidFill>
           <a:srgbClr val="000000"/>
         </a:solidFill>
@@ -225,7 +225,7 @@
         <a:sym typeface="Arial"/>
       </a:defRPr>
     </a:lvl8pPr>
-    <a:lvl9pPr lvl="8" marR="0" rtl="0" algn="l">
+    <a:lvl9pPr marR="0" lvl="8" algn="l" rtl="0">
       <a:lnSpc>
         <a:spcPct val="100000"/>
       </a:lnSpc>
@@ -239,7 +239,7 @@
         <a:srgbClr val="000000"/>
       </a:buClr>
       <a:buFont typeface="Arial"/>
-      <a:defRPr b="0" i="0" sz="1400" u="none" cap="none" strike="noStrike">
+      <a:defRPr sz="1400" b="0" i="0" u="none" strike="noStrike" cap="none">
         <a:solidFill>
           <a:srgbClr val="000000"/>
         </a:solidFill>
@@ -252,7 +252,7 @@
   </p:defaultTextStyle>
   <p:extLst>
     <p:ext uri="{EFAFB233-063F-42B5-8137-9DF3F51BA10A}">
-      <p15:sldGuideLst>
+      <p15:sldGuideLst xmlns:p15="http://schemas.microsoft.com/office/powerpoint/2012/main">
         <p15:guide id="1" orient="horz" pos="1620">
           <p15:clr>
             <a:srgbClr val="A4A3A4"/>
@@ -269,12 +269,191 @@
 </p:presentation>
 </file>
 
+<file path=ppt/revisionInfo.xml><?xml version="1.0" encoding="utf-8"?>
+<p1510:revInfo xmlns:a="http://schemas.openxmlformats.org/drawingml/2006/main" xmlns:r="http://schemas.openxmlformats.org/officeDocument/2006/relationships" xmlns:p1510="http://schemas.microsoft.com/office/powerpoint/2015/10/main">
+  <p1510:revLst>
+    <p1510:client id="{0E6526D0-C141-415B-93D4-E967707FFDB3}" v="7" dt="2019-11-15T03:35:06.963"/>
+  </p1510:revLst>
+</p1510:revInfo>
+</file>
+
+<file path=ppt/changesInfos/changesInfo1.xml><?xml version="1.0" encoding="utf-8"?>
+<pc:chgInfo xmlns:a="http://schemas.openxmlformats.org/drawingml/2006/main" xmlns:r="http://schemas.openxmlformats.org/officeDocument/2006/relationships" xmlns:ac="http://schemas.microsoft.com/office/drawing/2013/main/command" xmlns:pc="http://schemas.microsoft.com/office/powerpoint/2013/main/command">
+  <pc:docChgLst>
+    <pc:chgData name="Kok Jian Yu" userId="23ef2401-9e29-44b5-8c21-bdfb83dfb997" providerId="ADAL" clId="{0E6526D0-C141-415B-93D4-E967707FFDB3}"/>
+    <pc:docChg chg="undo custSel modSld">
+      <pc:chgData name="Kok Jian Yu" userId="23ef2401-9e29-44b5-8c21-bdfb83dfb997" providerId="ADAL" clId="{0E6526D0-C141-415B-93D4-E967707FFDB3}" dt="2019-11-15T03:35:46.017" v="3281" actId="20577"/>
+      <pc:docMkLst>
+        <pc:docMk/>
+      </pc:docMkLst>
+      <pc:sldChg chg="modSp">
+        <pc:chgData name="Kok Jian Yu" userId="23ef2401-9e29-44b5-8c21-bdfb83dfb997" providerId="ADAL" clId="{0E6526D0-C141-415B-93D4-E967707FFDB3}" dt="2019-11-14T02:10:08.807" v="29"/>
+        <pc:sldMkLst>
+          <pc:docMk/>
+          <pc:sldMk cId="0" sldId="256"/>
+        </pc:sldMkLst>
+        <pc:spChg chg="mod">
+          <ac:chgData name="Kok Jian Yu" userId="23ef2401-9e29-44b5-8c21-bdfb83dfb997" providerId="ADAL" clId="{0E6526D0-C141-415B-93D4-E967707FFDB3}" dt="2019-11-14T02:10:08.807" v="29"/>
+          <ac:spMkLst>
+            <pc:docMk/>
+            <pc:sldMk cId="0" sldId="256"/>
+            <ac:spMk id="55" creationId="{00000000-0000-0000-0000-000000000000}"/>
+          </ac:spMkLst>
+        </pc:spChg>
+      </pc:sldChg>
+      <pc:sldChg chg="addSp modSp">
+        <pc:chgData name="Kok Jian Yu" userId="23ef2401-9e29-44b5-8c21-bdfb83dfb997" providerId="ADAL" clId="{0E6526D0-C141-415B-93D4-E967707FFDB3}" dt="2019-11-14T02:11:27.844" v="31" actId="1076"/>
+        <pc:sldMkLst>
+          <pc:docMk/>
+          <pc:sldMk cId="0" sldId="257"/>
+        </pc:sldMkLst>
+        <pc:picChg chg="add mod">
+          <ac:chgData name="Kok Jian Yu" userId="23ef2401-9e29-44b5-8c21-bdfb83dfb997" providerId="ADAL" clId="{0E6526D0-C141-415B-93D4-E967707FFDB3}" dt="2019-11-14T02:11:27.844" v="31" actId="1076"/>
+          <ac:picMkLst>
+            <pc:docMk/>
+            <pc:sldMk cId="0" sldId="257"/>
+            <ac:picMk id="2" creationId="{7A8C30AA-E0D0-4667-B7EF-B25B329F6F36}"/>
+          </ac:picMkLst>
+        </pc:picChg>
+      </pc:sldChg>
+      <pc:sldChg chg="modSp">
+        <pc:chgData name="Kok Jian Yu" userId="23ef2401-9e29-44b5-8c21-bdfb83dfb997" providerId="ADAL" clId="{0E6526D0-C141-415B-93D4-E967707FFDB3}" dt="2019-11-14T02:14:11.362" v="95" actId="20577"/>
+        <pc:sldMkLst>
+          <pc:docMk/>
+          <pc:sldMk cId="0" sldId="258"/>
+        </pc:sldMkLst>
+        <pc:spChg chg="mod">
+          <ac:chgData name="Kok Jian Yu" userId="23ef2401-9e29-44b5-8c21-bdfb83dfb997" providerId="ADAL" clId="{0E6526D0-C141-415B-93D4-E967707FFDB3}" dt="2019-11-14T02:14:11.362" v="95" actId="20577"/>
+          <ac:spMkLst>
+            <pc:docMk/>
+            <pc:sldMk cId="0" sldId="258"/>
+            <ac:spMk id="66" creationId="{00000000-0000-0000-0000-000000000000}"/>
+          </ac:spMkLst>
+        </pc:spChg>
+        <pc:spChg chg="mod">
+          <ac:chgData name="Kok Jian Yu" userId="23ef2401-9e29-44b5-8c21-bdfb83dfb997" providerId="ADAL" clId="{0E6526D0-C141-415B-93D4-E967707FFDB3}" dt="2019-11-14T02:13:01.800" v="72" actId="20577"/>
+          <ac:spMkLst>
+            <pc:docMk/>
+            <pc:sldMk cId="0" sldId="258"/>
+            <ac:spMk id="67" creationId="{00000000-0000-0000-0000-000000000000}"/>
+          </ac:spMkLst>
+        </pc:spChg>
+      </pc:sldChg>
+      <pc:sldChg chg="modSp">
+        <pc:chgData name="Kok Jian Yu" userId="23ef2401-9e29-44b5-8c21-bdfb83dfb997" providerId="ADAL" clId="{0E6526D0-C141-415B-93D4-E967707FFDB3}" dt="2019-11-15T03:35:46.017" v="3281" actId="20577"/>
+        <pc:sldMkLst>
+          <pc:docMk/>
+          <pc:sldMk cId="0" sldId="259"/>
+        </pc:sldMkLst>
+        <pc:spChg chg="mod">
+          <ac:chgData name="Kok Jian Yu" userId="23ef2401-9e29-44b5-8c21-bdfb83dfb997" providerId="ADAL" clId="{0E6526D0-C141-415B-93D4-E967707FFDB3}" dt="2019-11-15T03:35:46.017" v="3281" actId="20577"/>
+          <ac:spMkLst>
+            <pc:docMk/>
+            <pc:sldMk cId="0" sldId="259"/>
+            <ac:spMk id="72" creationId="{00000000-0000-0000-0000-000000000000}"/>
+          </ac:spMkLst>
+        </pc:spChg>
+      </pc:sldChg>
+      <pc:sldChg chg="addSp delSp modSp">
+        <pc:chgData name="Kok Jian Yu" userId="23ef2401-9e29-44b5-8c21-bdfb83dfb997" providerId="ADAL" clId="{0E6526D0-C141-415B-93D4-E967707FFDB3}" dt="2019-11-14T03:33:23.118" v="2124" actId="20577"/>
+        <pc:sldMkLst>
+          <pc:docMk/>
+          <pc:sldMk cId="0" sldId="260"/>
+        </pc:sldMkLst>
+        <pc:spChg chg="mod">
+          <ac:chgData name="Kok Jian Yu" userId="23ef2401-9e29-44b5-8c21-bdfb83dfb997" providerId="ADAL" clId="{0E6526D0-C141-415B-93D4-E967707FFDB3}" dt="2019-11-14T03:33:23.118" v="2124" actId="20577"/>
+          <ac:spMkLst>
+            <pc:docMk/>
+            <pc:sldMk cId="0" sldId="260"/>
+            <ac:spMk id="78" creationId="{00000000-0000-0000-0000-000000000000}"/>
+          </ac:spMkLst>
+        </pc:spChg>
+        <pc:picChg chg="add del mod">
+          <ac:chgData name="Kok Jian Yu" userId="23ef2401-9e29-44b5-8c21-bdfb83dfb997" providerId="ADAL" clId="{0E6526D0-C141-415B-93D4-E967707FFDB3}" dt="2019-11-14T03:33:12.449" v="2117" actId="478"/>
+          <ac:picMkLst>
+            <pc:docMk/>
+            <pc:sldMk cId="0" sldId="260"/>
+            <ac:picMk id="2" creationId="{D8DBA19B-612A-4C11-A052-CA7E71C512B9}"/>
+          </ac:picMkLst>
+        </pc:picChg>
+        <pc:picChg chg="add del mod">
+          <ac:chgData name="Kok Jian Yu" userId="23ef2401-9e29-44b5-8c21-bdfb83dfb997" providerId="ADAL" clId="{0E6526D0-C141-415B-93D4-E967707FFDB3}" dt="2019-11-14T03:33:19.949" v="2120" actId="478"/>
+          <ac:picMkLst>
+            <pc:docMk/>
+            <pc:sldMk cId="0" sldId="260"/>
+            <ac:picMk id="3" creationId="{B5CD9DCF-05A1-4421-96E0-77474DE1B44B}"/>
+          </ac:picMkLst>
+        </pc:picChg>
+        <pc:picChg chg="add mod">
+          <ac:chgData name="Kok Jian Yu" userId="23ef2401-9e29-44b5-8c21-bdfb83dfb997" providerId="ADAL" clId="{0E6526D0-C141-415B-93D4-E967707FFDB3}" dt="2019-11-14T03:33:21.785" v="2122" actId="1076"/>
+          <ac:picMkLst>
+            <pc:docMk/>
+            <pc:sldMk cId="0" sldId="260"/>
+            <ac:picMk id="4" creationId="{B4DFB655-9AAC-4541-97A7-E95B0AE11DC4}"/>
+          </ac:picMkLst>
+        </pc:picChg>
+      </pc:sldChg>
+      <pc:sldChg chg="modSp">
+        <pc:chgData name="Kok Jian Yu" userId="23ef2401-9e29-44b5-8c21-bdfb83dfb997" providerId="ADAL" clId="{0E6526D0-C141-415B-93D4-E967707FFDB3}" dt="2019-11-14T03:38:41.031" v="2794" actId="20577"/>
+        <pc:sldMkLst>
+          <pc:docMk/>
+          <pc:sldMk cId="0" sldId="261"/>
+        </pc:sldMkLst>
+        <pc:spChg chg="mod">
+          <ac:chgData name="Kok Jian Yu" userId="23ef2401-9e29-44b5-8c21-bdfb83dfb997" providerId="ADAL" clId="{0E6526D0-C141-415B-93D4-E967707FFDB3}" dt="2019-11-14T03:38:41.031" v="2794" actId="20577"/>
+          <ac:spMkLst>
+            <pc:docMk/>
+            <pc:sldMk cId="0" sldId="261"/>
+            <ac:spMk id="83" creationId="{00000000-0000-0000-0000-000000000000}"/>
+          </ac:spMkLst>
+        </pc:spChg>
+      </pc:sldChg>
+      <pc:sldChg chg="modSp">
+        <pc:chgData name="Kok Jian Yu" userId="23ef2401-9e29-44b5-8c21-bdfb83dfb997" providerId="ADAL" clId="{0E6526D0-C141-415B-93D4-E967707FFDB3}" dt="2019-11-14T02:26:48.602" v="1596" actId="20577"/>
+        <pc:sldMkLst>
+          <pc:docMk/>
+          <pc:sldMk cId="0" sldId="262"/>
+        </pc:sldMkLst>
+        <pc:spChg chg="mod">
+          <ac:chgData name="Kok Jian Yu" userId="23ef2401-9e29-44b5-8c21-bdfb83dfb997" providerId="ADAL" clId="{0E6526D0-C141-415B-93D4-E967707FFDB3}" dt="2019-11-14T02:26:48.602" v="1596" actId="20577"/>
+          <ac:spMkLst>
+            <pc:docMk/>
+            <pc:sldMk cId="0" sldId="262"/>
+            <ac:spMk id="89" creationId="{00000000-0000-0000-0000-000000000000}"/>
+          </ac:spMkLst>
+        </pc:spChg>
+      </pc:sldChg>
+      <pc:sldChg chg="modSp">
+        <pc:chgData name="Kok Jian Yu" userId="23ef2401-9e29-44b5-8c21-bdfb83dfb997" providerId="ADAL" clId="{0E6526D0-C141-415B-93D4-E967707FFDB3}" dt="2019-11-14T02:36:03.713" v="2116" actId="20577"/>
+        <pc:sldMkLst>
+          <pc:docMk/>
+          <pc:sldMk cId="0" sldId="263"/>
+        </pc:sldMkLst>
+        <pc:spChg chg="mod">
+          <ac:chgData name="Kok Jian Yu" userId="23ef2401-9e29-44b5-8c21-bdfb83dfb997" providerId="ADAL" clId="{0E6526D0-C141-415B-93D4-E967707FFDB3}" dt="2019-11-14T02:36:03.713" v="2116" actId="20577"/>
+          <ac:spMkLst>
+            <pc:docMk/>
+            <pc:sldMk cId="0" sldId="263"/>
+            <ac:spMk id="95" creationId="{00000000-0000-0000-0000-000000000000}"/>
+          </ac:spMkLst>
+        </pc:spChg>
+      </pc:sldChg>
+    </pc:docChg>
+  </pc:docChgLst>
+</pc:chgInfo>
+</file>
+
 <file path=ppt/notesMasters/notesMaster1.xml><?xml version="1.0" encoding="utf-8"?>
-<p:notesMaster xmlns:a="http://schemas.openxmlformats.org/drawingml/2006/main" xmlns:r="http://schemas.openxmlformats.org/officeDocument/2006/relationships" xmlns:mc="http://schemas.openxmlformats.org/markup-compatibility/2006" xmlns:mv="urn:schemas-microsoft-com:mac:vml" xmlns:p="http://schemas.openxmlformats.org/presentationml/2006/main" xmlns:c="http://schemas.openxmlformats.org/drawingml/2006/chart" xmlns:dgm="http://schemas.openxmlformats.org/drawingml/2006/diagram" xmlns:o="urn:schemas-microsoft-com:office:office" xmlns:v="urn:schemas-microsoft-com:vml" xmlns:pvml="urn:schemas-microsoft-com:office:powerpoint" xmlns:com="http://schemas.openxmlformats.org/drawingml/2006/compatibility" xmlns:p14="http://schemas.microsoft.com/office/powerpoint/2010/main" xmlns:p15="http://schemas.microsoft.com/office/powerpoint/2012/main">
+<p:notesMaster xmlns:a="http://schemas.openxmlformats.org/drawingml/2006/main" xmlns:r="http://schemas.openxmlformats.org/officeDocument/2006/relationships" xmlns:p="http://schemas.openxmlformats.org/presentationml/2006/main">
   <p:cSld>
+    <p:bg>
+      <p:bgRef idx="1001">
+        <a:schemeClr val="bg1"/>
+      </p:bgRef>
+    </p:bg>
     <p:spTree>
       <p:nvGrpSpPr>
-        <p:cNvPr id="2" name="Shape 2"/>
+        <p:cNvPr id="1" name="Shape 2"/>
         <p:cNvGrpSpPr/>
         <p:nvPr/>
       </p:nvGrpSpPr>
@@ -289,9 +468,11 @@
       <p:sp>
         <p:nvSpPr>
           <p:cNvPr id="3" name="Google Shape;3;n"/>
-          <p:cNvSpPr/>
+          <p:cNvSpPr>
+            <a:spLocks noGrp="1" noRot="1" noChangeAspect="1"/>
+          </p:cNvSpPr>
           <p:nvPr>
-            <p:ph idx="2" type="sldImg"/>
+            <p:ph type="sldImg" idx="2"/>
           </p:nvPr>
         </p:nvSpPr>
         <p:spPr>
@@ -300,9 +481,13 @@
             <a:ext cx="6096075" cy="3429000"/>
           </a:xfrm>
           <a:custGeom>
-            <a:rect b="b" l="l" r="r" t="t"/>
+            <a:avLst/>
+            <a:gdLst/>
+            <a:ahLst/>
+            <a:cxnLst/>
+            <a:rect l="l" t="t" r="r" b="b"/>
             <a:pathLst>
-              <a:path extrusionOk="0" h="120000" w="120000">
+              <a:path w="120000" h="120000" extrusionOk="0">
                 <a:moveTo>
                   <a:pt x="0" y="0"/>
                 </a:moveTo>
@@ -320,23 +505,25 @@
             </a:pathLst>
           </a:custGeom>
           <a:noFill/>
-          <a:ln cap="flat" cmpd="sng" w="9525">
+          <a:ln w="9525" cap="flat" cmpd="sng">
             <a:solidFill>
               <a:srgbClr val="000000"/>
             </a:solidFill>
             <a:prstDash val="solid"/>
             <a:round/>
-            <a:headEnd len="sm" w="sm" type="none"/>
-            <a:tailEnd len="sm" w="sm" type="none"/>
+            <a:headEnd type="none" w="sm" len="sm"/>
+            <a:tailEnd type="none" w="sm" len="sm"/>
           </a:ln>
         </p:spPr>
       </p:sp>
       <p:sp>
         <p:nvSpPr>
           <p:cNvPr id="4" name="Google Shape;4;n"/>
-          <p:cNvSpPr txBox="1"/>
+          <p:cNvSpPr txBox="1">
+            <a:spLocks noGrp="1"/>
+          </p:cNvSpPr>
           <p:nvPr>
-            <p:ph idx="1" type="body"/>
+            <p:ph type="body" idx="1"/>
           </p:nvPr>
         </p:nvSpPr>
         <p:spPr>
@@ -353,11 +540,11 @@
           </a:ln>
         </p:spPr>
         <p:txBody>
-          <a:bodyPr anchorCtr="0" anchor="t" bIns="91425" lIns="91425" spcFirstLastPara="1" rIns="91425" wrap="square" tIns="91425">
+          <a:bodyPr spcFirstLastPara="1" wrap="square" lIns="91425" tIns="91425" rIns="91425" bIns="91425" anchor="t" anchorCtr="0">
             <a:noAutofit/>
           </a:bodyPr>
           <a:lstStyle>
-            <a:lvl1pPr indent="-298450" lvl="0" marL="457200">
+            <a:lvl1pPr marL="457200" lvl="0" indent="-298450">
               <a:spcBef>
                 <a:spcPts val="0"/>
               </a:spcBef>
@@ -368,7 +555,7 @@
               <a:buChar char="●"/>
               <a:defRPr sz="1100"/>
             </a:lvl1pPr>
-            <a:lvl2pPr indent="-298450" lvl="1" marL="914400">
+            <a:lvl2pPr marL="914400" lvl="1" indent="-298450">
               <a:spcBef>
                 <a:spcPts val="0"/>
               </a:spcBef>
@@ -379,7 +566,7 @@
               <a:buChar char="○"/>
               <a:defRPr sz="1100"/>
             </a:lvl2pPr>
-            <a:lvl3pPr indent="-298450" lvl="2" marL="1371600">
+            <a:lvl3pPr marL="1371600" lvl="2" indent="-298450">
               <a:spcBef>
                 <a:spcPts val="0"/>
               </a:spcBef>
@@ -390,7 +577,7 @@
               <a:buChar char="■"/>
               <a:defRPr sz="1100"/>
             </a:lvl3pPr>
-            <a:lvl4pPr indent="-298450" lvl="3" marL="1828800">
+            <a:lvl4pPr marL="1828800" lvl="3" indent="-298450">
               <a:spcBef>
                 <a:spcPts val="0"/>
               </a:spcBef>
@@ -401,7 +588,7 @@
               <a:buChar char="●"/>
               <a:defRPr sz="1100"/>
             </a:lvl4pPr>
-            <a:lvl5pPr indent="-298450" lvl="4" marL="2286000">
+            <a:lvl5pPr marL="2286000" lvl="4" indent="-298450">
               <a:spcBef>
                 <a:spcPts val="0"/>
               </a:spcBef>
@@ -412,7 +599,7 @@
               <a:buChar char="○"/>
               <a:defRPr sz="1100"/>
             </a:lvl5pPr>
-            <a:lvl6pPr indent="-298450" lvl="5" marL="2743200">
+            <a:lvl6pPr marL="2743200" lvl="5" indent="-298450">
               <a:spcBef>
                 <a:spcPts val="0"/>
               </a:spcBef>
@@ -423,7 +610,7 @@
               <a:buChar char="■"/>
               <a:defRPr sz="1100"/>
             </a:lvl6pPr>
-            <a:lvl7pPr indent="-298450" lvl="6" marL="3200400">
+            <a:lvl7pPr marL="3200400" lvl="6" indent="-298450">
               <a:spcBef>
                 <a:spcPts val="0"/>
               </a:spcBef>
@@ -434,7 +621,7 @@
               <a:buChar char="●"/>
               <a:defRPr sz="1100"/>
             </a:lvl7pPr>
-            <a:lvl8pPr indent="-298450" lvl="7" marL="3657600">
+            <a:lvl8pPr marL="3657600" lvl="7" indent="-298450">
               <a:spcBef>
                 <a:spcPts val="0"/>
               </a:spcBef>
@@ -445,7 +632,7 @@
               <a:buChar char="○"/>
               <a:defRPr sz="1100"/>
             </a:lvl8pPr>
-            <a:lvl9pPr indent="-298450" lvl="8" marL="4114800">
+            <a:lvl9pPr marL="4114800" lvl="8" indent="-298450">
               <a:spcBef>
                 <a:spcPts val="0"/>
               </a:spcBef>
@@ -457,14 +644,16 @@
               <a:defRPr sz="1100"/>
             </a:lvl9pPr>
           </a:lstStyle>
-          <a:p/>
+          <a:p>
+            <a:endParaRPr/>
+          </a:p>
         </p:txBody>
       </p:sp>
     </p:spTree>
   </p:cSld>
-  <p:clrMap accent1="accent1" accent2="accent2" accent3="accent3" accent4="accent4" accent5="accent5" accent6="accent6" bg1="lt1" bg2="dk2" tx1="dk1" tx2="lt2" folHlink="folHlink" hlink="hlink"/>
+  <p:clrMap bg1="lt1" tx1="dk1" bg2="dk2" tx2="lt2" accent1="accent1" accent2="accent2" accent3="accent3" accent4="accent4" accent5="accent5" accent6="accent6" hlink="hlink" folHlink="folHlink"/>
   <p:notesStyle>
-    <a:defPPr lvl="0" marR="0" rtl="0" algn="l">
+    <a:defPPr marR="0" lvl="0" algn="l" rtl="0">
       <a:lnSpc>
         <a:spcPct val="100000"/>
       </a:lnSpc>
@@ -475,7 +664,7 @@
         <a:spcPts val="0"/>
       </a:spcAft>
     </a:defPPr>
-    <a:lvl1pPr lvl="0" marR="0" rtl="0" algn="l">
+    <a:lvl1pPr marR="0" lvl="0" algn="l" rtl="0">
       <a:lnSpc>
         <a:spcPct val="100000"/>
       </a:lnSpc>
@@ -489,7 +678,7 @@
         <a:srgbClr val="000000"/>
       </a:buClr>
       <a:buFont typeface="Arial"/>
-      <a:defRPr b="0" i="0" sz="1400" u="none" cap="none" strike="noStrike">
+      <a:defRPr sz="1400" b="0" i="0" u="none" strike="noStrike" cap="none">
         <a:solidFill>
           <a:srgbClr val="000000"/>
         </a:solidFill>
@@ -499,7 +688,7 @@
         <a:sym typeface="Arial"/>
       </a:defRPr>
     </a:lvl1pPr>
-    <a:lvl2pPr lvl="1" marR="0" rtl="0" algn="l">
+    <a:lvl2pPr marR="0" lvl="1" algn="l" rtl="0">
       <a:lnSpc>
         <a:spcPct val="100000"/>
       </a:lnSpc>
@@ -513,7 +702,7 @@
         <a:srgbClr val="000000"/>
       </a:buClr>
       <a:buFont typeface="Arial"/>
-      <a:defRPr b="0" i="0" sz="1400" u="none" cap="none" strike="noStrike">
+      <a:defRPr sz="1400" b="0" i="0" u="none" strike="noStrike" cap="none">
         <a:solidFill>
           <a:srgbClr val="000000"/>
         </a:solidFill>
@@ -523,7 +712,7 @@
         <a:sym typeface="Arial"/>
       </a:defRPr>
     </a:lvl2pPr>
-    <a:lvl3pPr lvl="2" marR="0" rtl="0" algn="l">
+    <a:lvl3pPr marR="0" lvl="2" algn="l" rtl="0">
       <a:lnSpc>
         <a:spcPct val="100000"/>
       </a:lnSpc>
@@ -537,7 +726,7 @@
         <a:srgbClr val="000000"/>
       </a:buClr>
       <a:buFont typeface="Arial"/>
-      <a:defRPr b="0" i="0" sz="1400" u="none" cap="none" strike="noStrike">
+      <a:defRPr sz="1400" b="0" i="0" u="none" strike="noStrike" cap="none">
         <a:solidFill>
           <a:srgbClr val="000000"/>
         </a:solidFill>
@@ -547,7 +736,7 @@
         <a:sym typeface="Arial"/>
       </a:defRPr>
     </a:lvl3pPr>
-    <a:lvl4pPr lvl="3" marR="0" rtl="0" algn="l">
+    <a:lvl4pPr marR="0" lvl="3" algn="l" rtl="0">
       <a:lnSpc>
         <a:spcPct val="100000"/>
       </a:lnSpc>
@@ -561,7 +750,7 @@
         <a:srgbClr val="000000"/>
       </a:buClr>
       <a:buFont typeface="Arial"/>
-      <a:defRPr b="0" i="0" sz="1400" u="none" cap="none" strike="noStrike">
+      <a:defRPr sz="1400" b="0" i="0" u="none" strike="noStrike" cap="none">
         <a:solidFill>
           <a:srgbClr val="000000"/>
         </a:solidFill>
@@ -571,7 +760,7 @@
         <a:sym typeface="Arial"/>
       </a:defRPr>
     </a:lvl4pPr>
-    <a:lvl5pPr lvl="4" marR="0" rtl="0" algn="l">
+    <a:lvl5pPr marR="0" lvl="4" algn="l" rtl="0">
       <a:lnSpc>
         <a:spcPct val="100000"/>
       </a:lnSpc>
@@ -585,7 +774,7 @@
         <a:srgbClr val="000000"/>
       </a:buClr>
       <a:buFont typeface="Arial"/>
-      <a:defRPr b="0" i="0" sz="1400" u="none" cap="none" strike="noStrike">
+      <a:defRPr sz="1400" b="0" i="0" u="none" strike="noStrike" cap="none">
         <a:solidFill>
           <a:srgbClr val="000000"/>
         </a:solidFill>
@@ -595,7 +784,7 @@
         <a:sym typeface="Arial"/>
       </a:defRPr>
     </a:lvl5pPr>
-    <a:lvl6pPr lvl="5" marR="0" rtl="0" algn="l">
+    <a:lvl6pPr marR="0" lvl="5" algn="l" rtl="0">
       <a:lnSpc>
         <a:spcPct val="100000"/>
       </a:lnSpc>
@@ -609,7 +798,7 @@
         <a:srgbClr val="000000"/>
       </a:buClr>
       <a:buFont typeface="Arial"/>
-      <a:defRPr b="0" i="0" sz="1400" u="none" cap="none" strike="noStrike">
+      <a:defRPr sz="1400" b="0" i="0" u="none" strike="noStrike" cap="none">
         <a:solidFill>
           <a:srgbClr val="000000"/>
         </a:solidFill>
@@ -619,7 +808,7 @@
         <a:sym typeface="Arial"/>
       </a:defRPr>
     </a:lvl6pPr>
-    <a:lvl7pPr lvl="6" marR="0" rtl="0" algn="l">
+    <a:lvl7pPr marR="0" lvl="6" algn="l" rtl="0">
       <a:lnSpc>
         <a:spcPct val="100000"/>
       </a:lnSpc>
@@ -633,7 +822,7 @@
         <a:srgbClr val="000000"/>
       </a:buClr>
       <a:buFont typeface="Arial"/>
-      <a:defRPr b="0" i="0" sz="1400" u="none" cap="none" strike="noStrike">
+      <a:defRPr sz="1400" b="0" i="0" u="none" strike="noStrike" cap="none">
         <a:solidFill>
           <a:srgbClr val="000000"/>
         </a:solidFill>
@@ -643,7 +832,7 @@
         <a:sym typeface="Arial"/>
       </a:defRPr>
     </a:lvl7pPr>
-    <a:lvl8pPr lvl="7" marR="0" rtl="0" algn="l">
+    <a:lvl8pPr marR="0" lvl="7" algn="l" rtl="0">
       <a:lnSpc>
         <a:spcPct val="100000"/>
       </a:lnSpc>
@@ -657,7 +846,7 @@
         <a:srgbClr val="000000"/>
       </a:buClr>
       <a:buFont typeface="Arial"/>
-      <a:defRPr b="0" i="0" sz="1400" u="none" cap="none" strike="noStrike">
+      <a:defRPr sz="1400" b="0" i="0" u="none" strike="noStrike" cap="none">
         <a:solidFill>
           <a:srgbClr val="000000"/>
         </a:solidFill>
@@ -667,7 +856,7 @@
         <a:sym typeface="Arial"/>
       </a:defRPr>
     </a:lvl8pPr>
-    <a:lvl9pPr lvl="8" marR="0" rtl="0" algn="l">
+    <a:lvl9pPr marR="0" lvl="8" algn="l" rtl="0">
       <a:lnSpc>
         <a:spcPct val="100000"/>
       </a:lnSpc>
@@ -681,7 +870,7 @@
         <a:srgbClr val="000000"/>
       </a:buClr>
       <a:buFont typeface="Arial"/>
-      <a:defRPr b="0" i="0" sz="1400" u="none" cap="none" strike="noStrike">
+      <a:defRPr sz="1400" b="0" i="0" u="none" strike="noStrike" cap="none">
         <a:solidFill>
           <a:srgbClr val="000000"/>
         </a:solidFill>
@@ -696,11 +885,11 @@
 </file>
 
 <file path=ppt/notesSlides/notesSlide1.xml><?xml version="1.0" encoding="utf-8"?>
-<p:notes xmlns:a="http://schemas.openxmlformats.org/drawingml/2006/main" xmlns:r="http://schemas.openxmlformats.org/officeDocument/2006/relationships" xmlns:mc="http://schemas.openxmlformats.org/markup-compatibility/2006" xmlns:mv="urn:schemas-microsoft-com:mac:vml" xmlns:p="http://schemas.openxmlformats.org/presentationml/2006/main" xmlns:c="http://schemas.openxmlformats.org/drawingml/2006/chart" xmlns:dgm="http://schemas.openxmlformats.org/drawingml/2006/diagram" xmlns:o="urn:schemas-microsoft-com:office:office" xmlns:v="urn:schemas-microsoft-com:vml" xmlns:pvml="urn:schemas-microsoft-com:office:powerpoint" xmlns:com="http://schemas.openxmlformats.org/drawingml/2006/compatibility" xmlns:p14="http://schemas.microsoft.com/office/powerpoint/2010/main" xmlns:p15="http://schemas.microsoft.com/office/powerpoint/2012/main" showMasterPhAnim="0" showMasterSp="0">
+<p:notes xmlns:a="http://schemas.openxmlformats.org/drawingml/2006/main" xmlns:r="http://schemas.openxmlformats.org/officeDocument/2006/relationships" xmlns:p="http://schemas.openxmlformats.org/presentationml/2006/main" showMasterSp="0" showMasterPhAnim="0">
   <p:cSld>
     <p:spTree>
       <p:nvGrpSpPr>
-        <p:cNvPr id="50" name="Shape 50"/>
+        <p:cNvPr id="1" name="Shape 50"/>
         <p:cNvGrpSpPr/>
         <p:nvPr/>
       </p:nvGrpSpPr>
@@ -715,20 +904,26 @@
       <p:sp>
         <p:nvSpPr>
           <p:cNvPr id="51" name="Google Shape;51;p:notes"/>
-          <p:cNvSpPr/>
+          <p:cNvSpPr>
+            <a:spLocks noGrp="1" noRot="1" noChangeAspect="1"/>
+          </p:cNvSpPr>
           <p:nvPr>
-            <p:ph idx="2" type="sldImg"/>
+            <p:ph type="sldImg" idx="2"/>
           </p:nvPr>
         </p:nvSpPr>
         <p:spPr>
           <a:xfrm>
-            <a:off x="381300" y="685800"/>
-            <a:ext cx="6096075" cy="3429000"/>
+            <a:off x="381000" y="685800"/>
+            <a:ext cx="6096000" cy="3429000"/>
           </a:xfrm>
           <a:custGeom>
-            <a:rect b="b" l="l" r="r" t="t"/>
+            <a:avLst/>
+            <a:gdLst/>
+            <a:ahLst/>
+            <a:cxnLst/>
+            <a:rect l="l" t="t" r="r" b="b"/>
             <a:pathLst>
-              <a:path extrusionOk="0" h="120000" w="120000">
+              <a:path w="120000" h="120000" extrusionOk="0">
                 <a:moveTo>
                   <a:pt x="0" y="0"/>
                 </a:moveTo>
@@ -750,9 +945,11 @@
       <p:sp>
         <p:nvSpPr>
           <p:cNvPr id="52" name="Google Shape;52;p:notes"/>
-          <p:cNvSpPr txBox="1"/>
+          <p:cNvSpPr txBox="1">
+            <a:spLocks noGrp="1"/>
+          </p:cNvSpPr>
           <p:nvPr>
-            <p:ph idx="1" type="body"/>
+            <p:ph type="body" idx="1"/>
           </p:nvPr>
         </p:nvSpPr>
         <p:spPr>
@@ -765,12 +962,12 @@
           </a:prstGeom>
         </p:spPr>
         <p:txBody>
-          <a:bodyPr anchorCtr="0" anchor="t" bIns="91425" lIns="91425" spcFirstLastPara="1" rIns="91425" wrap="square" tIns="91425">
+          <a:bodyPr spcFirstLastPara="1" wrap="square" lIns="91425" tIns="91425" rIns="91425" bIns="91425" anchor="t" anchorCtr="0">
             <a:noAutofit/>
           </a:bodyPr>
           <a:lstStyle/>
           <a:p>
-            <a:pPr indent="0" lvl="0" marL="0" rtl="0" algn="l">
+            <a:pPr marL="0" lvl="0" indent="0" algn="l" rtl="0">
               <a:spcBef>
                 <a:spcPts val="0"/>
               </a:spcBef>
@@ -779,9 +976,6 @@
               </a:spcAft>
               <a:buNone/>
             </a:pPr>
-            <a:r>
-              <a:t/>
-            </a:r>
             <a:endParaRPr/>
           </a:p>
         </p:txBody>
@@ -795,11 +989,11 @@
 </file>
 
 <file path=ppt/notesSlides/notesSlide10.xml><?xml version="1.0" encoding="utf-8"?>
-<p:notes xmlns:a="http://schemas.openxmlformats.org/drawingml/2006/main" xmlns:r="http://schemas.openxmlformats.org/officeDocument/2006/relationships" xmlns:mc="http://schemas.openxmlformats.org/markup-compatibility/2006" xmlns:mv="urn:schemas-microsoft-com:mac:vml" xmlns:p="http://schemas.openxmlformats.org/presentationml/2006/main" xmlns:c="http://schemas.openxmlformats.org/drawingml/2006/chart" xmlns:dgm="http://schemas.openxmlformats.org/drawingml/2006/diagram" xmlns:o="urn:schemas-microsoft-com:office:office" xmlns:v="urn:schemas-microsoft-com:vml" xmlns:pvml="urn:schemas-microsoft-com:office:powerpoint" xmlns:com="http://schemas.openxmlformats.org/drawingml/2006/compatibility" xmlns:p14="http://schemas.microsoft.com/office/powerpoint/2010/main" xmlns:p15="http://schemas.microsoft.com/office/powerpoint/2012/main" showMasterPhAnim="0" showMasterSp="0">
+<p:notes xmlns:a="http://schemas.openxmlformats.org/drawingml/2006/main" xmlns:r="http://schemas.openxmlformats.org/officeDocument/2006/relationships" xmlns:p="http://schemas.openxmlformats.org/presentationml/2006/main" showMasterSp="0" showMasterPhAnim="0">
   <p:cSld>
     <p:spTree>
       <p:nvGrpSpPr>
-        <p:cNvPr id="105" name="Shape 105"/>
+        <p:cNvPr id="1" name="Shape 105"/>
         <p:cNvGrpSpPr/>
         <p:nvPr/>
       </p:nvGrpSpPr>
@@ -814,9 +1008,11 @@
       <p:sp>
         <p:nvSpPr>
           <p:cNvPr id="106" name="Google Shape;106;g6417f8eabd_1_34:notes"/>
-          <p:cNvSpPr/>
+          <p:cNvSpPr>
+            <a:spLocks noGrp="1" noRot="1" noChangeAspect="1"/>
+          </p:cNvSpPr>
           <p:nvPr>
-            <p:ph idx="2" type="sldImg"/>
+            <p:ph type="sldImg" idx="2"/>
           </p:nvPr>
         </p:nvSpPr>
         <p:spPr>
@@ -825,9 +1021,13 @@
             <a:ext cx="6096000" cy="3429000"/>
           </a:xfrm>
           <a:custGeom>
-            <a:rect b="b" l="l" r="r" t="t"/>
+            <a:avLst/>
+            <a:gdLst/>
+            <a:ahLst/>
+            <a:cxnLst/>
+            <a:rect l="l" t="t" r="r" b="b"/>
             <a:pathLst>
-              <a:path extrusionOk="0" h="120000" w="120000">
+              <a:path w="120000" h="120000" extrusionOk="0">
                 <a:moveTo>
                   <a:pt x="0" y="0"/>
                 </a:moveTo>
@@ -849,9 +1049,11 @@
       <p:sp>
         <p:nvSpPr>
           <p:cNvPr id="107" name="Google Shape;107;g6417f8eabd_1_34:notes"/>
-          <p:cNvSpPr txBox="1"/>
+          <p:cNvSpPr txBox="1">
+            <a:spLocks noGrp="1"/>
+          </p:cNvSpPr>
           <p:nvPr>
-            <p:ph idx="1" type="body"/>
+            <p:ph type="body" idx="1"/>
           </p:nvPr>
         </p:nvSpPr>
         <p:spPr>
@@ -864,12 +1066,12 @@
           </a:prstGeom>
         </p:spPr>
         <p:txBody>
-          <a:bodyPr anchorCtr="0" anchor="t" bIns="91425" lIns="91425" spcFirstLastPara="1" rIns="91425" wrap="square" tIns="91425">
+          <a:bodyPr spcFirstLastPara="1" wrap="square" lIns="91425" tIns="91425" rIns="91425" bIns="91425" anchor="t" anchorCtr="0">
             <a:noAutofit/>
           </a:bodyPr>
           <a:lstStyle/>
           <a:p>
-            <a:pPr indent="0" lvl="0" marL="0" rtl="0" algn="l">
+            <a:pPr marL="0" lvl="0" indent="0" algn="l" rtl="0">
               <a:spcBef>
                 <a:spcPts val="0"/>
               </a:spcBef>
@@ -878,9 +1080,6 @@
               </a:spcAft>
               <a:buNone/>
             </a:pPr>
-            <a:r>
-              <a:t/>
-            </a:r>
             <a:endParaRPr/>
           </a:p>
         </p:txBody>
@@ -894,11 +1093,11 @@
 </file>
 
 <file path=ppt/notesSlides/notesSlide2.xml><?xml version="1.0" encoding="utf-8"?>
-<p:notes xmlns:a="http://schemas.openxmlformats.org/drawingml/2006/main" xmlns:r="http://schemas.openxmlformats.org/officeDocument/2006/relationships" xmlns:mc="http://schemas.openxmlformats.org/markup-compatibility/2006" xmlns:mv="urn:schemas-microsoft-com:mac:vml" xmlns:p="http://schemas.openxmlformats.org/presentationml/2006/main" xmlns:c="http://schemas.openxmlformats.org/drawingml/2006/chart" xmlns:dgm="http://schemas.openxmlformats.org/drawingml/2006/diagram" xmlns:o="urn:schemas-microsoft-com:office:office" xmlns:v="urn:schemas-microsoft-com:vml" xmlns:pvml="urn:schemas-microsoft-com:office:powerpoint" xmlns:com="http://schemas.openxmlformats.org/drawingml/2006/compatibility" xmlns:p14="http://schemas.microsoft.com/office/powerpoint/2010/main" xmlns:p15="http://schemas.microsoft.com/office/powerpoint/2012/main" showMasterPhAnim="0" showMasterSp="0">
+<p:notes xmlns:a="http://schemas.openxmlformats.org/drawingml/2006/main" xmlns:r="http://schemas.openxmlformats.org/officeDocument/2006/relationships" xmlns:p="http://schemas.openxmlformats.org/presentationml/2006/main" showMasterSp="0" showMasterPhAnim="0">
   <p:cSld>
     <p:spTree>
       <p:nvGrpSpPr>
-        <p:cNvPr id="56" name="Shape 56"/>
+        <p:cNvPr id="1" name="Shape 56"/>
         <p:cNvGrpSpPr/>
         <p:nvPr/>
       </p:nvGrpSpPr>
@@ -913,20 +1112,26 @@
       <p:sp>
         <p:nvSpPr>
           <p:cNvPr id="57" name="Google Shape;57;g6415312573_0_5:notes"/>
-          <p:cNvSpPr/>
+          <p:cNvSpPr>
+            <a:spLocks noGrp="1" noRot="1" noChangeAspect="1"/>
+          </p:cNvSpPr>
           <p:nvPr>
-            <p:ph idx="2" type="sldImg"/>
+            <p:ph type="sldImg" idx="2"/>
           </p:nvPr>
         </p:nvSpPr>
         <p:spPr>
           <a:xfrm>
-            <a:off x="381300" y="685800"/>
+            <a:off x="381000" y="685800"/>
             <a:ext cx="6096000" cy="3429000"/>
           </a:xfrm>
           <a:custGeom>
-            <a:rect b="b" l="l" r="r" t="t"/>
+            <a:avLst/>
+            <a:gdLst/>
+            <a:ahLst/>
+            <a:cxnLst/>
+            <a:rect l="l" t="t" r="r" b="b"/>
             <a:pathLst>
-              <a:path extrusionOk="0" h="120000" w="120000">
+              <a:path w="120000" h="120000" extrusionOk="0">
                 <a:moveTo>
                   <a:pt x="0" y="0"/>
                 </a:moveTo>
@@ -948,9 +1153,11 @@
       <p:sp>
         <p:nvSpPr>
           <p:cNvPr id="58" name="Google Shape;58;g6415312573_0_5:notes"/>
-          <p:cNvSpPr txBox="1"/>
+          <p:cNvSpPr txBox="1">
+            <a:spLocks noGrp="1"/>
+          </p:cNvSpPr>
           <p:nvPr>
-            <p:ph idx="1" type="body"/>
+            <p:ph type="body" idx="1"/>
           </p:nvPr>
         </p:nvSpPr>
         <p:spPr>
@@ -963,12 +1170,12 @@
           </a:prstGeom>
         </p:spPr>
         <p:txBody>
-          <a:bodyPr anchorCtr="0" anchor="t" bIns="91425" lIns="91425" spcFirstLastPara="1" rIns="91425" wrap="square" tIns="91425">
+          <a:bodyPr spcFirstLastPara="1" wrap="square" lIns="91425" tIns="91425" rIns="91425" bIns="91425" anchor="t" anchorCtr="0">
             <a:noAutofit/>
           </a:bodyPr>
           <a:lstStyle/>
           <a:p>
-            <a:pPr indent="0" lvl="0" marL="0" rtl="0" algn="l">
+            <a:pPr marL="0" lvl="0" indent="0" algn="l" rtl="0">
               <a:spcBef>
                 <a:spcPts val="0"/>
               </a:spcBef>
@@ -977,9 +1184,6 @@
               </a:spcAft>
               <a:buNone/>
             </a:pPr>
-            <a:r>
-              <a:t/>
-            </a:r>
             <a:endParaRPr/>
           </a:p>
         </p:txBody>
@@ -993,11 +1197,11 @@
 </file>
 
 <file path=ppt/notesSlides/notesSlide3.xml><?xml version="1.0" encoding="utf-8"?>
-<p:notes xmlns:a="http://schemas.openxmlformats.org/drawingml/2006/main" xmlns:r="http://schemas.openxmlformats.org/officeDocument/2006/relationships" xmlns:mc="http://schemas.openxmlformats.org/markup-compatibility/2006" xmlns:mv="urn:schemas-microsoft-com:mac:vml" xmlns:p="http://schemas.openxmlformats.org/presentationml/2006/main" xmlns:c="http://schemas.openxmlformats.org/drawingml/2006/chart" xmlns:dgm="http://schemas.openxmlformats.org/drawingml/2006/diagram" xmlns:o="urn:schemas-microsoft-com:office:office" xmlns:v="urn:schemas-microsoft-com:vml" xmlns:pvml="urn:schemas-microsoft-com:office:powerpoint" xmlns:com="http://schemas.openxmlformats.org/drawingml/2006/compatibility" xmlns:p14="http://schemas.microsoft.com/office/powerpoint/2010/main" xmlns:p15="http://schemas.microsoft.com/office/powerpoint/2012/main" showMasterPhAnim="0" showMasterSp="0">
+<p:notes xmlns:a="http://schemas.openxmlformats.org/drawingml/2006/main" xmlns:r="http://schemas.openxmlformats.org/officeDocument/2006/relationships" xmlns:p="http://schemas.openxmlformats.org/presentationml/2006/main" showMasterSp="0" showMasterPhAnim="0">
   <p:cSld>
     <p:spTree>
       <p:nvGrpSpPr>
-        <p:cNvPr id="61" name="Shape 61"/>
+        <p:cNvPr id="1" name="Shape 61"/>
         <p:cNvGrpSpPr/>
         <p:nvPr/>
       </p:nvGrpSpPr>
@@ -1012,20 +1216,26 @@
       <p:sp>
         <p:nvSpPr>
           <p:cNvPr id="62" name="Google Shape;62;g6415312573_0_18:notes"/>
-          <p:cNvSpPr/>
+          <p:cNvSpPr>
+            <a:spLocks noGrp="1" noRot="1" noChangeAspect="1"/>
+          </p:cNvSpPr>
           <p:nvPr>
-            <p:ph idx="2" type="sldImg"/>
+            <p:ph type="sldImg" idx="2"/>
           </p:nvPr>
         </p:nvSpPr>
         <p:spPr>
           <a:xfrm>
-            <a:off x="381300" y="685800"/>
+            <a:off x="381000" y="685800"/>
             <a:ext cx="6096000" cy="3429000"/>
           </a:xfrm>
           <a:custGeom>
-            <a:rect b="b" l="l" r="r" t="t"/>
+            <a:avLst/>
+            <a:gdLst/>
+            <a:ahLst/>
+            <a:cxnLst/>
+            <a:rect l="l" t="t" r="r" b="b"/>
             <a:pathLst>
-              <a:path extrusionOk="0" h="120000" w="120000">
+              <a:path w="120000" h="120000" extrusionOk="0">
                 <a:moveTo>
                   <a:pt x="0" y="0"/>
                 </a:moveTo>
@@ -1047,9 +1257,11 @@
       <p:sp>
         <p:nvSpPr>
           <p:cNvPr id="63" name="Google Shape;63;g6415312573_0_18:notes"/>
-          <p:cNvSpPr txBox="1"/>
+          <p:cNvSpPr txBox="1">
+            <a:spLocks noGrp="1"/>
+          </p:cNvSpPr>
           <p:nvPr>
-            <p:ph idx="1" type="body"/>
+            <p:ph type="body" idx="1"/>
           </p:nvPr>
         </p:nvSpPr>
         <p:spPr>
@@ -1062,12 +1274,12 @@
           </a:prstGeom>
         </p:spPr>
         <p:txBody>
-          <a:bodyPr anchorCtr="0" anchor="t" bIns="91425" lIns="91425" spcFirstLastPara="1" rIns="91425" wrap="square" tIns="91425">
+          <a:bodyPr spcFirstLastPara="1" wrap="square" lIns="91425" tIns="91425" rIns="91425" bIns="91425" anchor="t" anchorCtr="0">
             <a:noAutofit/>
           </a:bodyPr>
           <a:lstStyle/>
           <a:p>
-            <a:pPr indent="0" lvl="0" marL="0" rtl="0" algn="l">
+            <a:pPr marL="0" lvl="0" indent="0" algn="l" rtl="0">
               <a:spcBef>
                 <a:spcPts val="0"/>
               </a:spcBef>
@@ -1076,9 +1288,6 @@
               </a:spcAft>
               <a:buNone/>
             </a:pPr>
-            <a:r>
-              <a:t/>
-            </a:r>
             <a:endParaRPr/>
           </a:p>
         </p:txBody>
@@ -1092,11 +1301,11 @@
 </file>
 
 <file path=ppt/notesSlides/notesSlide4.xml><?xml version="1.0" encoding="utf-8"?>
-<p:notes xmlns:a="http://schemas.openxmlformats.org/drawingml/2006/main" xmlns:r="http://schemas.openxmlformats.org/officeDocument/2006/relationships" xmlns:mc="http://schemas.openxmlformats.org/markup-compatibility/2006" xmlns:mv="urn:schemas-microsoft-com:mac:vml" xmlns:p="http://schemas.openxmlformats.org/presentationml/2006/main" xmlns:c="http://schemas.openxmlformats.org/drawingml/2006/chart" xmlns:dgm="http://schemas.openxmlformats.org/drawingml/2006/diagram" xmlns:o="urn:schemas-microsoft-com:office:office" xmlns:v="urn:schemas-microsoft-com:vml" xmlns:pvml="urn:schemas-microsoft-com:office:powerpoint" xmlns:com="http://schemas.openxmlformats.org/drawingml/2006/compatibility" xmlns:p14="http://schemas.microsoft.com/office/powerpoint/2010/main" xmlns:p15="http://schemas.microsoft.com/office/powerpoint/2012/main" showMasterPhAnim="0" showMasterSp="0">
+<p:notes xmlns:a="http://schemas.openxmlformats.org/drawingml/2006/main" xmlns:r="http://schemas.openxmlformats.org/officeDocument/2006/relationships" xmlns:p="http://schemas.openxmlformats.org/presentationml/2006/main" showMasterSp="0" showMasterPhAnim="0">
   <p:cSld>
     <p:spTree>
       <p:nvGrpSpPr>
-        <p:cNvPr id="68" name="Shape 68"/>
+        <p:cNvPr id="1" name="Shape 68"/>
         <p:cNvGrpSpPr/>
         <p:nvPr/>
       </p:nvGrpSpPr>
@@ -1111,20 +1320,26 @@
       <p:sp>
         <p:nvSpPr>
           <p:cNvPr id="69" name="Google Shape;69;g6415312573_0_13:notes"/>
-          <p:cNvSpPr/>
+          <p:cNvSpPr>
+            <a:spLocks noGrp="1" noRot="1" noChangeAspect="1"/>
+          </p:cNvSpPr>
           <p:nvPr>
-            <p:ph idx="2" type="sldImg"/>
+            <p:ph type="sldImg" idx="2"/>
           </p:nvPr>
         </p:nvSpPr>
         <p:spPr>
           <a:xfrm>
-            <a:off x="381300" y="685800"/>
+            <a:off x="381000" y="685800"/>
             <a:ext cx="6096000" cy="3429000"/>
           </a:xfrm>
           <a:custGeom>
-            <a:rect b="b" l="l" r="r" t="t"/>
+            <a:avLst/>
+            <a:gdLst/>
+            <a:ahLst/>
+            <a:cxnLst/>
+            <a:rect l="l" t="t" r="r" b="b"/>
             <a:pathLst>
-              <a:path extrusionOk="0" h="120000" w="120000">
+              <a:path w="120000" h="120000" extrusionOk="0">
                 <a:moveTo>
                   <a:pt x="0" y="0"/>
                 </a:moveTo>
@@ -1146,9 +1361,11 @@
       <p:sp>
         <p:nvSpPr>
           <p:cNvPr id="70" name="Google Shape;70;g6415312573_0_13:notes"/>
-          <p:cNvSpPr txBox="1"/>
+          <p:cNvSpPr txBox="1">
+            <a:spLocks noGrp="1"/>
+          </p:cNvSpPr>
           <p:nvPr>
-            <p:ph idx="1" type="body"/>
+            <p:ph type="body" idx="1"/>
           </p:nvPr>
         </p:nvSpPr>
         <p:spPr>
@@ -1161,12 +1378,12 @@
           </a:prstGeom>
         </p:spPr>
         <p:txBody>
-          <a:bodyPr anchorCtr="0" anchor="t" bIns="91425" lIns="91425" spcFirstLastPara="1" rIns="91425" wrap="square" tIns="91425">
+          <a:bodyPr spcFirstLastPara="1" wrap="square" lIns="91425" tIns="91425" rIns="91425" bIns="91425" anchor="t" anchorCtr="0">
             <a:noAutofit/>
           </a:bodyPr>
           <a:lstStyle/>
           <a:p>
-            <a:pPr indent="0" lvl="0" marL="0" rtl="0" algn="l">
+            <a:pPr marL="0" lvl="0" indent="0" algn="l" rtl="0">
               <a:spcBef>
                 <a:spcPts val="0"/>
               </a:spcBef>
@@ -1175,9 +1392,6 @@
               </a:spcAft>
               <a:buNone/>
             </a:pPr>
-            <a:r>
-              <a:t/>
-            </a:r>
             <a:endParaRPr/>
           </a:p>
         </p:txBody>
@@ -1191,11 +1405,11 @@
 </file>
 
 <file path=ppt/notesSlides/notesSlide5.xml><?xml version="1.0" encoding="utf-8"?>
-<p:notes xmlns:a="http://schemas.openxmlformats.org/drawingml/2006/main" xmlns:r="http://schemas.openxmlformats.org/officeDocument/2006/relationships" xmlns:mc="http://schemas.openxmlformats.org/markup-compatibility/2006" xmlns:mv="urn:schemas-microsoft-com:mac:vml" xmlns:p="http://schemas.openxmlformats.org/presentationml/2006/main" xmlns:c="http://schemas.openxmlformats.org/drawingml/2006/chart" xmlns:dgm="http://schemas.openxmlformats.org/drawingml/2006/diagram" xmlns:o="urn:schemas-microsoft-com:office:office" xmlns:v="urn:schemas-microsoft-com:vml" xmlns:pvml="urn:schemas-microsoft-com:office:powerpoint" xmlns:com="http://schemas.openxmlformats.org/drawingml/2006/compatibility" xmlns:p14="http://schemas.microsoft.com/office/powerpoint/2010/main" xmlns:p15="http://schemas.microsoft.com/office/powerpoint/2012/main" showMasterPhAnim="0" showMasterSp="0">
+<p:notes xmlns:a="http://schemas.openxmlformats.org/drawingml/2006/main" xmlns:r="http://schemas.openxmlformats.org/officeDocument/2006/relationships" xmlns:p="http://schemas.openxmlformats.org/presentationml/2006/main" showMasterSp="0" showMasterPhAnim="0">
   <p:cSld>
     <p:spTree>
       <p:nvGrpSpPr>
-        <p:cNvPr id="73" name="Shape 73"/>
+        <p:cNvPr id="1" name="Shape 73"/>
         <p:cNvGrpSpPr/>
         <p:nvPr/>
       </p:nvGrpSpPr>
@@ -1210,20 +1424,26 @@
       <p:sp>
         <p:nvSpPr>
           <p:cNvPr id="74" name="Google Shape;74;g65976d5812_0_2:notes"/>
-          <p:cNvSpPr/>
+          <p:cNvSpPr>
+            <a:spLocks noGrp="1" noRot="1" noChangeAspect="1"/>
+          </p:cNvSpPr>
           <p:nvPr>
-            <p:ph idx="2" type="sldImg"/>
+            <p:ph type="sldImg" idx="2"/>
           </p:nvPr>
         </p:nvSpPr>
         <p:spPr>
           <a:xfrm>
-            <a:off x="381300" y="685800"/>
+            <a:off x="381000" y="685800"/>
             <a:ext cx="6096000" cy="3429000"/>
           </a:xfrm>
           <a:custGeom>
-            <a:rect b="b" l="l" r="r" t="t"/>
+            <a:avLst/>
+            <a:gdLst/>
+            <a:ahLst/>
+            <a:cxnLst/>
+            <a:rect l="l" t="t" r="r" b="b"/>
             <a:pathLst>
-              <a:path extrusionOk="0" h="120000" w="120000">
+              <a:path w="120000" h="120000" extrusionOk="0">
                 <a:moveTo>
                   <a:pt x="0" y="0"/>
                 </a:moveTo>
@@ -1245,9 +1465,11 @@
       <p:sp>
         <p:nvSpPr>
           <p:cNvPr id="75" name="Google Shape;75;g65976d5812_0_2:notes"/>
-          <p:cNvSpPr txBox="1"/>
+          <p:cNvSpPr txBox="1">
+            <a:spLocks noGrp="1"/>
+          </p:cNvSpPr>
           <p:nvPr>
-            <p:ph idx="1" type="body"/>
+            <p:ph type="body" idx="1"/>
           </p:nvPr>
         </p:nvSpPr>
         <p:spPr>
@@ -1260,12 +1482,12 @@
           </a:prstGeom>
         </p:spPr>
         <p:txBody>
-          <a:bodyPr anchorCtr="0" anchor="t" bIns="91425" lIns="91425" spcFirstLastPara="1" rIns="91425" wrap="square" tIns="91425">
+          <a:bodyPr spcFirstLastPara="1" wrap="square" lIns="91425" tIns="91425" rIns="91425" bIns="91425" anchor="t" anchorCtr="0">
             <a:noAutofit/>
           </a:bodyPr>
           <a:lstStyle/>
           <a:p>
-            <a:pPr indent="0" lvl="0" marL="0" rtl="0" algn="l">
+            <a:pPr marL="0" lvl="0" indent="0" algn="l" rtl="0">
               <a:spcBef>
                 <a:spcPts val="0"/>
               </a:spcBef>
@@ -1274,9 +1496,6 @@
               </a:spcAft>
               <a:buNone/>
             </a:pPr>
-            <a:r>
-              <a:t/>
-            </a:r>
             <a:endParaRPr/>
           </a:p>
         </p:txBody>
@@ -1290,11 +1509,11 @@
 </file>
 
 <file path=ppt/notesSlides/notesSlide6.xml><?xml version="1.0" encoding="utf-8"?>
-<p:notes xmlns:a="http://schemas.openxmlformats.org/drawingml/2006/main" xmlns:r="http://schemas.openxmlformats.org/officeDocument/2006/relationships" xmlns:mc="http://schemas.openxmlformats.org/markup-compatibility/2006" xmlns:mv="urn:schemas-microsoft-com:mac:vml" xmlns:p="http://schemas.openxmlformats.org/presentationml/2006/main" xmlns:c="http://schemas.openxmlformats.org/drawingml/2006/chart" xmlns:dgm="http://schemas.openxmlformats.org/drawingml/2006/diagram" xmlns:o="urn:schemas-microsoft-com:office:office" xmlns:v="urn:schemas-microsoft-com:vml" xmlns:pvml="urn:schemas-microsoft-com:office:powerpoint" xmlns:com="http://schemas.openxmlformats.org/drawingml/2006/compatibility" xmlns:p14="http://schemas.microsoft.com/office/powerpoint/2010/main" xmlns:p15="http://schemas.microsoft.com/office/powerpoint/2012/main" showMasterPhAnim="0" showMasterSp="0">
+<p:notes xmlns:a="http://schemas.openxmlformats.org/drawingml/2006/main" xmlns:r="http://schemas.openxmlformats.org/officeDocument/2006/relationships" xmlns:p="http://schemas.openxmlformats.org/presentationml/2006/main" showMasterSp="0" showMasterPhAnim="0">
   <p:cSld>
     <p:spTree>
       <p:nvGrpSpPr>
-        <p:cNvPr id="79" name="Shape 79"/>
+        <p:cNvPr id="1" name="Shape 79"/>
         <p:cNvGrpSpPr/>
         <p:nvPr/>
       </p:nvGrpSpPr>
@@ -1309,20 +1528,26 @@
       <p:sp>
         <p:nvSpPr>
           <p:cNvPr id="80" name="Google Shape;80;g65976d5812_0_7:notes"/>
-          <p:cNvSpPr/>
+          <p:cNvSpPr>
+            <a:spLocks noGrp="1" noRot="1" noChangeAspect="1"/>
+          </p:cNvSpPr>
           <p:nvPr>
-            <p:ph idx="2" type="sldImg"/>
+            <p:ph type="sldImg" idx="2"/>
           </p:nvPr>
         </p:nvSpPr>
         <p:spPr>
           <a:xfrm>
-            <a:off x="381300" y="685800"/>
+            <a:off x="381000" y="685800"/>
             <a:ext cx="6096000" cy="3429000"/>
           </a:xfrm>
           <a:custGeom>
-            <a:rect b="b" l="l" r="r" t="t"/>
+            <a:avLst/>
+            <a:gdLst/>
+            <a:ahLst/>
+            <a:cxnLst/>
+            <a:rect l="l" t="t" r="r" b="b"/>
             <a:pathLst>
-              <a:path extrusionOk="0" h="120000" w="120000">
+              <a:path w="120000" h="120000" extrusionOk="0">
                 <a:moveTo>
                   <a:pt x="0" y="0"/>
                 </a:moveTo>
@@ -1344,9 +1569,11 @@
       <p:sp>
         <p:nvSpPr>
           <p:cNvPr id="81" name="Google Shape;81;g65976d5812_0_7:notes"/>
-          <p:cNvSpPr txBox="1"/>
+          <p:cNvSpPr txBox="1">
+            <a:spLocks noGrp="1"/>
+          </p:cNvSpPr>
           <p:nvPr>
-            <p:ph idx="1" type="body"/>
+            <p:ph type="body" idx="1"/>
           </p:nvPr>
         </p:nvSpPr>
         <p:spPr>
@@ -1359,12 +1586,12 @@
           </a:prstGeom>
         </p:spPr>
         <p:txBody>
-          <a:bodyPr anchorCtr="0" anchor="t" bIns="91425" lIns="91425" spcFirstLastPara="1" rIns="91425" wrap="square" tIns="91425">
+          <a:bodyPr spcFirstLastPara="1" wrap="square" lIns="91425" tIns="91425" rIns="91425" bIns="91425" anchor="t" anchorCtr="0">
             <a:noAutofit/>
           </a:bodyPr>
           <a:lstStyle/>
           <a:p>
-            <a:pPr indent="0" lvl="0" marL="0" rtl="0" algn="l">
+            <a:pPr marL="0" lvl="0" indent="0" algn="l" rtl="0">
               <a:spcBef>
                 <a:spcPts val="0"/>
               </a:spcBef>
@@ -1373,9 +1600,6 @@
               </a:spcAft>
               <a:buNone/>
             </a:pPr>
-            <a:r>
-              <a:t/>
-            </a:r>
             <a:endParaRPr/>
           </a:p>
         </p:txBody>
@@ -1389,11 +1613,11 @@
 </file>
 
 <file path=ppt/notesSlides/notesSlide7.xml><?xml version="1.0" encoding="utf-8"?>
-<p:notes xmlns:a="http://schemas.openxmlformats.org/drawingml/2006/main" xmlns:r="http://schemas.openxmlformats.org/officeDocument/2006/relationships" xmlns:mc="http://schemas.openxmlformats.org/markup-compatibility/2006" xmlns:mv="urn:schemas-microsoft-com:mac:vml" xmlns:p="http://schemas.openxmlformats.org/presentationml/2006/main" xmlns:c="http://schemas.openxmlformats.org/drawingml/2006/chart" xmlns:dgm="http://schemas.openxmlformats.org/drawingml/2006/diagram" xmlns:o="urn:schemas-microsoft-com:office:office" xmlns:v="urn:schemas-microsoft-com:vml" xmlns:pvml="urn:schemas-microsoft-com:office:powerpoint" xmlns:com="http://schemas.openxmlformats.org/drawingml/2006/compatibility" xmlns:p14="http://schemas.microsoft.com/office/powerpoint/2010/main" xmlns:p15="http://schemas.microsoft.com/office/powerpoint/2012/main" showMasterPhAnim="0" showMasterSp="0">
+<p:notes xmlns:a="http://schemas.openxmlformats.org/drawingml/2006/main" xmlns:r="http://schemas.openxmlformats.org/officeDocument/2006/relationships" xmlns:p="http://schemas.openxmlformats.org/presentationml/2006/main" showMasterSp="0" showMasterPhAnim="0">
   <p:cSld>
     <p:spTree>
       <p:nvGrpSpPr>
-        <p:cNvPr id="84" name="Shape 84"/>
+        <p:cNvPr id="1" name="Shape 84"/>
         <p:cNvGrpSpPr/>
         <p:nvPr/>
       </p:nvGrpSpPr>
@@ -1408,20 +1632,26 @@
       <p:sp>
         <p:nvSpPr>
           <p:cNvPr id="85" name="Google Shape;85;g65976d5812_1_0:notes"/>
-          <p:cNvSpPr/>
+          <p:cNvSpPr>
+            <a:spLocks noGrp="1" noRot="1" noChangeAspect="1"/>
+          </p:cNvSpPr>
           <p:nvPr>
-            <p:ph idx="2" type="sldImg"/>
+            <p:ph type="sldImg" idx="2"/>
           </p:nvPr>
         </p:nvSpPr>
         <p:spPr>
           <a:xfrm>
-            <a:off x="381300" y="685800"/>
+            <a:off x="381000" y="685800"/>
             <a:ext cx="6096000" cy="3429000"/>
           </a:xfrm>
           <a:custGeom>
-            <a:rect b="b" l="l" r="r" t="t"/>
+            <a:avLst/>
+            <a:gdLst/>
+            <a:ahLst/>
+            <a:cxnLst/>
+            <a:rect l="l" t="t" r="r" b="b"/>
             <a:pathLst>
-              <a:path extrusionOk="0" h="120000" w="120000">
+              <a:path w="120000" h="120000" extrusionOk="0">
                 <a:moveTo>
                   <a:pt x="0" y="0"/>
                 </a:moveTo>
@@ -1443,9 +1673,11 @@
       <p:sp>
         <p:nvSpPr>
           <p:cNvPr id="86" name="Google Shape;86;g65976d5812_1_0:notes"/>
-          <p:cNvSpPr txBox="1"/>
+          <p:cNvSpPr txBox="1">
+            <a:spLocks noGrp="1"/>
+          </p:cNvSpPr>
           <p:nvPr>
-            <p:ph idx="1" type="body"/>
+            <p:ph type="body" idx="1"/>
           </p:nvPr>
         </p:nvSpPr>
         <p:spPr>
@@ -1458,12 +1690,12 @@
           </a:prstGeom>
         </p:spPr>
         <p:txBody>
-          <a:bodyPr anchorCtr="0" anchor="t" bIns="91425" lIns="91425" spcFirstLastPara="1" rIns="91425" wrap="square" tIns="91425">
+          <a:bodyPr spcFirstLastPara="1" wrap="square" lIns="91425" tIns="91425" rIns="91425" bIns="91425" anchor="t" anchorCtr="0">
             <a:noAutofit/>
           </a:bodyPr>
           <a:lstStyle/>
           <a:p>
-            <a:pPr indent="0" lvl="0" marL="0" rtl="0" algn="l">
+            <a:pPr marL="0" lvl="0" indent="0" algn="l" rtl="0">
               <a:spcBef>
                 <a:spcPts val="0"/>
               </a:spcBef>
@@ -1472,9 +1704,6 @@
               </a:spcAft>
               <a:buNone/>
             </a:pPr>
-            <a:r>
-              <a:t/>
-            </a:r>
             <a:endParaRPr/>
           </a:p>
         </p:txBody>
@@ -1488,11 +1717,11 @@
 </file>
 
 <file path=ppt/notesSlides/notesSlide8.xml><?xml version="1.0" encoding="utf-8"?>
-<p:notes xmlns:a="http://schemas.openxmlformats.org/drawingml/2006/main" xmlns:r="http://schemas.openxmlformats.org/officeDocument/2006/relationships" xmlns:mc="http://schemas.openxmlformats.org/markup-compatibility/2006" xmlns:mv="urn:schemas-microsoft-com:mac:vml" xmlns:p="http://schemas.openxmlformats.org/presentationml/2006/main" xmlns:c="http://schemas.openxmlformats.org/drawingml/2006/chart" xmlns:dgm="http://schemas.openxmlformats.org/drawingml/2006/diagram" xmlns:o="urn:schemas-microsoft-com:office:office" xmlns:v="urn:schemas-microsoft-com:vml" xmlns:pvml="urn:schemas-microsoft-com:office:powerpoint" xmlns:com="http://schemas.openxmlformats.org/drawingml/2006/compatibility" xmlns:p14="http://schemas.microsoft.com/office/powerpoint/2010/main" xmlns:p15="http://schemas.microsoft.com/office/powerpoint/2012/main" showMasterPhAnim="0" showMasterSp="0">
+<p:notes xmlns:a="http://schemas.openxmlformats.org/drawingml/2006/main" xmlns:r="http://schemas.openxmlformats.org/officeDocument/2006/relationships" xmlns:p="http://schemas.openxmlformats.org/presentationml/2006/main" showMasterSp="0" showMasterPhAnim="0">
   <p:cSld>
     <p:spTree>
       <p:nvGrpSpPr>
-        <p:cNvPr id="91" name="Shape 91"/>
+        <p:cNvPr id="1" name="Shape 91"/>
         <p:cNvGrpSpPr/>
         <p:nvPr/>
       </p:nvGrpSpPr>
@@ -1507,20 +1736,26 @@
       <p:sp>
         <p:nvSpPr>
           <p:cNvPr id="92" name="Google Shape;92;g65976d5812_0_11:notes"/>
-          <p:cNvSpPr/>
+          <p:cNvSpPr>
+            <a:spLocks noGrp="1" noRot="1" noChangeAspect="1"/>
+          </p:cNvSpPr>
           <p:nvPr>
-            <p:ph idx="2" type="sldImg"/>
+            <p:ph type="sldImg" idx="2"/>
           </p:nvPr>
         </p:nvSpPr>
         <p:spPr>
           <a:xfrm>
-            <a:off x="381300" y="685800"/>
+            <a:off x="381000" y="685800"/>
             <a:ext cx="6096000" cy="3429000"/>
           </a:xfrm>
           <a:custGeom>
-            <a:rect b="b" l="l" r="r" t="t"/>
+            <a:avLst/>
+            <a:gdLst/>
+            <a:ahLst/>
+            <a:cxnLst/>
+            <a:rect l="l" t="t" r="r" b="b"/>
             <a:pathLst>
-              <a:path extrusionOk="0" h="120000" w="120000">
+              <a:path w="120000" h="120000" extrusionOk="0">
                 <a:moveTo>
                   <a:pt x="0" y="0"/>
                 </a:moveTo>
@@ -1542,9 +1777,11 @@
       <p:sp>
         <p:nvSpPr>
           <p:cNvPr id="93" name="Google Shape;93;g65976d5812_0_11:notes"/>
-          <p:cNvSpPr txBox="1"/>
+          <p:cNvSpPr txBox="1">
+            <a:spLocks noGrp="1"/>
+          </p:cNvSpPr>
           <p:nvPr>
-            <p:ph idx="1" type="body"/>
+            <p:ph type="body" idx="1"/>
           </p:nvPr>
         </p:nvSpPr>
         <p:spPr>
@@ -1557,12 +1794,12 @@
           </a:prstGeom>
         </p:spPr>
         <p:txBody>
-          <a:bodyPr anchorCtr="0" anchor="t" bIns="91425" lIns="91425" spcFirstLastPara="1" rIns="91425" wrap="square" tIns="91425">
+          <a:bodyPr spcFirstLastPara="1" wrap="square" lIns="91425" tIns="91425" rIns="91425" bIns="91425" anchor="t" anchorCtr="0">
             <a:noAutofit/>
           </a:bodyPr>
           <a:lstStyle/>
           <a:p>
-            <a:pPr indent="0" lvl="0" marL="0" rtl="0" algn="l">
+            <a:pPr marL="0" lvl="0" indent="0" algn="l" rtl="0">
               <a:spcBef>
                 <a:spcPts val="0"/>
               </a:spcBef>
@@ -1571,9 +1808,6 @@
               </a:spcAft>
               <a:buNone/>
             </a:pPr>
-            <a:r>
-              <a:t/>
-            </a:r>
             <a:endParaRPr/>
           </a:p>
         </p:txBody>
@@ -1587,11 +1821,11 @@
 </file>
 
 <file path=ppt/notesSlides/notesSlide9.xml><?xml version="1.0" encoding="utf-8"?>
-<p:notes xmlns:a="http://schemas.openxmlformats.org/drawingml/2006/main" xmlns:r="http://schemas.openxmlformats.org/officeDocument/2006/relationships" xmlns:mc="http://schemas.openxmlformats.org/markup-compatibility/2006" xmlns:mv="urn:schemas-microsoft-com:mac:vml" xmlns:p="http://schemas.openxmlformats.org/presentationml/2006/main" xmlns:c="http://schemas.openxmlformats.org/drawingml/2006/chart" xmlns:dgm="http://schemas.openxmlformats.org/drawingml/2006/diagram" xmlns:o="urn:schemas-microsoft-com:office:office" xmlns:v="urn:schemas-microsoft-com:vml" xmlns:pvml="urn:schemas-microsoft-com:office:powerpoint" xmlns:com="http://schemas.openxmlformats.org/drawingml/2006/compatibility" xmlns:p14="http://schemas.microsoft.com/office/powerpoint/2010/main" xmlns:p15="http://schemas.microsoft.com/office/powerpoint/2012/main" showMasterPhAnim="0" showMasterSp="0">
+<p:notes xmlns:a="http://schemas.openxmlformats.org/drawingml/2006/main" xmlns:r="http://schemas.openxmlformats.org/officeDocument/2006/relationships" xmlns:p="http://schemas.openxmlformats.org/presentationml/2006/main" showMasterSp="0" showMasterPhAnim="0">
   <p:cSld>
     <p:spTree>
       <p:nvGrpSpPr>
-        <p:cNvPr id="96" name="Shape 96"/>
+        <p:cNvPr id="1" name="Shape 96"/>
         <p:cNvGrpSpPr/>
         <p:nvPr/>
       </p:nvGrpSpPr>
@@ -1606,9 +1840,11 @@
       <p:sp>
         <p:nvSpPr>
           <p:cNvPr id="97" name="Google Shape;97;g65976d5812_0_15:notes"/>
-          <p:cNvSpPr/>
+          <p:cNvSpPr>
+            <a:spLocks noGrp="1" noRot="1" noChangeAspect="1"/>
+          </p:cNvSpPr>
           <p:nvPr>
-            <p:ph idx="2" type="sldImg"/>
+            <p:ph type="sldImg" idx="2"/>
           </p:nvPr>
         </p:nvSpPr>
         <p:spPr>
@@ -1617,9 +1853,13 @@
             <a:ext cx="6096000" cy="3429000"/>
           </a:xfrm>
           <a:custGeom>
-            <a:rect b="b" l="l" r="r" t="t"/>
+            <a:avLst/>
+            <a:gdLst/>
+            <a:ahLst/>
+            <a:cxnLst/>
+            <a:rect l="l" t="t" r="r" b="b"/>
             <a:pathLst>
-              <a:path extrusionOk="0" h="120000" w="120000">
+              <a:path w="120000" h="120000" extrusionOk="0">
                 <a:moveTo>
                   <a:pt x="0" y="0"/>
                 </a:moveTo>
@@ -1641,9 +1881,11 @@
       <p:sp>
         <p:nvSpPr>
           <p:cNvPr id="98" name="Google Shape;98;g65976d5812_0_15:notes"/>
-          <p:cNvSpPr txBox="1"/>
+          <p:cNvSpPr txBox="1">
+            <a:spLocks noGrp="1"/>
+          </p:cNvSpPr>
           <p:nvPr>
-            <p:ph idx="1" type="body"/>
+            <p:ph type="body" idx="1"/>
           </p:nvPr>
         </p:nvSpPr>
         <p:spPr>
@@ -1656,12 +1898,12 @@
           </a:prstGeom>
         </p:spPr>
         <p:txBody>
-          <a:bodyPr anchorCtr="0" anchor="t" bIns="91425" lIns="91425" spcFirstLastPara="1" rIns="91425" wrap="square" tIns="91425">
+          <a:bodyPr spcFirstLastPara="1" wrap="square" lIns="91425" tIns="91425" rIns="91425" bIns="91425" anchor="t" anchorCtr="0">
             <a:noAutofit/>
           </a:bodyPr>
           <a:lstStyle/>
           <a:p>
-            <a:pPr indent="0" lvl="0" marL="0" rtl="0" algn="l">
+            <a:pPr marL="0" lvl="0" indent="0" algn="l" rtl="0">
               <a:spcBef>
                 <a:spcPts val="0"/>
               </a:spcBef>
@@ -1670,9 +1912,6 @@
               </a:spcAft>
               <a:buNone/>
             </a:pPr>
-            <a:r>
-              <a:t/>
-            </a:r>
             <a:endParaRPr/>
           </a:p>
         </p:txBody>
@@ -1686,11 +1925,11 @@
 </file>
 
 <file path=ppt/slideLayouts/slideLayout1.xml><?xml version="1.0" encoding="utf-8"?>
-<p:sldLayout xmlns:a="http://schemas.openxmlformats.org/drawingml/2006/main" xmlns:r="http://schemas.openxmlformats.org/officeDocument/2006/relationships" xmlns:mc="http://schemas.openxmlformats.org/markup-compatibility/2006" xmlns:mv="urn:schemas-microsoft-com:mac:vml" xmlns:p="http://schemas.openxmlformats.org/presentationml/2006/main" xmlns:c="http://schemas.openxmlformats.org/drawingml/2006/chart" xmlns:dgm="http://schemas.openxmlformats.org/drawingml/2006/diagram" xmlns:o="urn:schemas-microsoft-com:office:office" xmlns:v="urn:schemas-microsoft-com:vml" xmlns:pvml="urn:schemas-microsoft-com:office:powerpoint" xmlns:com="http://schemas.openxmlformats.org/drawingml/2006/compatibility" xmlns:p14="http://schemas.microsoft.com/office/powerpoint/2010/main" xmlns:p15="http://schemas.microsoft.com/office/powerpoint/2012/main" matchingName="Title slide" type="title">
+<p:sldLayout xmlns:a="http://schemas.openxmlformats.org/drawingml/2006/main" xmlns:r="http://schemas.openxmlformats.org/officeDocument/2006/relationships" xmlns:p="http://schemas.openxmlformats.org/presentationml/2006/main" matchingName="Title slide" type="title">
   <p:cSld name="TITLE">
     <p:spTree>
       <p:nvGrpSpPr>
-        <p:cNvPr id="9" name="Shape 9"/>
+        <p:cNvPr id="1" name="Shape 9"/>
         <p:cNvGrpSpPr/>
         <p:nvPr/>
       </p:nvGrpSpPr>
@@ -1705,7 +1944,9 @@
       <p:sp>
         <p:nvSpPr>
           <p:cNvPr id="10" name="Google Shape;10;p2"/>
-          <p:cNvSpPr txBox="1"/>
+          <p:cNvSpPr txBox="1">
+            <a:spLocks noGrp="1"/>
+          </p:cNvSpPr>
           <p:nvPr>
             <p:ph type="ctrTitle"/>
           </p:nvPr>
@@ -1720,7 +1961,7 @@
           </a:prstGeom>
         </p:spPr>
         <p:txBody>
-          <a:bodyPr anchorCtr="0" anchor="b" bIns="91425" lIns="91425" spcFirstLastPara="1" rIns="91425" wrap="square" tIns="91425">
+          <a:bodyPr spcFirstLastPara="1" wrap="square" lIns="91425" tIns="91425" rIns="91425" bIns="91425" anchor="b" anchorCtr="0">
             <a:noAutofit/>
           </a:bodyPr>
           <a:lstStyle>
@@ -1824,15 +2065,19 @@
               <a:defRPr sz="5200"/>
             </a:lvl9pPr>
           </a:lstStyle>
-          <a:p/>
+          <a:p>
+            <a:endParaRPr/>
+          </a:p>
         </p:txBody>
       </p:sp>
       <p:sp>
         <p:nvSpPr>
           <p:cNvPr id="11" name="Google Shape;11;p2"/>
-          <p:cNvSpPr txBox="1"/>
+          <p:cNvSpPr txBox="1">
+            <a:spLocks noGrp="1"/>
+          </p:cNvSpPr>
           <p:nvPr>
-            <p:ph idx="1" type="subTitle"/>
+            <p:ph type="subTitle" idx="1"/>
           </p:nvPr>
         </p:nvSpPr>
         <p:spPr>
@@ -1845,7 +2090,7 @@
           </a:prstGeom>
         </p:spPr>
         <p:txBody>
-          <a:bodyPr anchorCtr="0" anchor="t" bIns="91425" lIns="91425" spcFirstLastPara="1" rIns="91425" wrap="square" tIns="91425">
+          <a:bodyPr spcFirstLastPara="1" wrap="square" lIns="91425" tIns="91425" rIns="91425" bIns="91425" anchor="t" anchorCtr="0">
             <a:noAutofit/>
           </a:bodyPr>
           <a:lstStyle>
@@ -1976,15 +2221,19 @@
               <a:defRPr sz="2800"/>
             </a:lvl9pPr>
           </a:lstStyle>
-          <a:p/>
+          <a:p>
+            <a:endParaRPr/>
+          </a:p>
         </p:txBody>
       </p:sp>
       <p:sp>
         <p:nvSpPr>
           <p:cNvPr id="12" name="Google Shape;12;p2"/>
-          <p:cNvSpPr txBox="1"/>
+          <p:cNvSpPr txBox="1">
+            <a:spLocks noGrp="1"/>
+          </p:cNvSpPr>
           <p:nvPr>
-            <p:ph idx="12" type="sldNum"/>
+            <p:ph type="sldNum" idx="12"/>
           </p:nvPr>
         </p:nvSpPr>
         <p:spPr>
@@ -1997,7 +2246,7 @@
           </a:prstGeom>
         </p:spPr>
         <p:txBody>
-          <a:bodyPr anchorCtr="0" anchor="ctr" bIns="91425" lIns="91425" spcFirstLastPara="1" rIns="91425" wrap="square" tIns="91425">
+          <a:bodyPr spcFirstLastPara="1" wrap="square" lIns="91425" tIns="91425" rIns="91425" bIns="91425" anchor="ctr" anchorCtr="0">
             <a:noAutofit/>
           </a:bodyPr>
           <a:lstStyle>
@@ -2039,7 +2288,7 @@
             </a:lvl9pPr>
           </a:lstStyle>
           <a:p>
-            <a:pPr indent="0" lvl="0" marL="0" rtl="0" algn="r">
+            <a:pPr marL="0" lvl="0" indent="0" algn="r" rtl="0">
               <a:spcBef>
                 <a:spcPts val="0"/>
               </a:spcBef>
@@ -2065,11 +2314,11 @@
 </file>
 
 <file path=ppt/slideLayouts/slideLayout10.xml><?xml version="1.0" encoding="utf-8"?>
-<p:sldLayout xmlns:a="http://schemas.openxmlformats.org/drawingml/2006/main" xmlns:r="http://schemas.openxmlformats.org/officeDocument/2006/relationships" xmlns:mc="http://schemas.openxmlformats.org/markup-compatibility/2006" xmlns:mv="urn:schemas-microsoft-com:mac:vml" xmlns:p="http://schemas.openxmlformats.org/presentationml/2006/main" xmlns:c="http://schemas.openxmlformats.org/drawingml/2006/chart" xmlns:dgm="http://schemas.openxmlformats.org/drawingml/2006/diagram" xmlns:o="urn:schemas-microsoft-com:office:office" xmlns:v="urn:schemas-microsoft-com:vml" xmlns:pvml="urn:schemas-microsoft-com:office:powerpoint" xmlns:com="http://schemas.openxmlformats.org/drawingml/2006/compatibility" xmlns:p14="http://schemas.microsoft.com/office/powerpoint/2010/main" xmlns:p15="http://schemas.microsoft.com/office/powerpoint/2012/main" matchingName="Big number">
+<p:sldLayout xmlns:a="http://schemas.openxmlformats.org/drawingml/2006/main" xmlns:r="http://schemas.openxmlformats.org/officeDocument/2006/relationships" xmlns:p="http://schemas.openxmlformats.org/presentationml/2006/main" matchingName="Big number">
   <p:cSld name="BIG_NUMBER">
     <p:spTree>
       <p:nvGrpSpPr>
-        <p:cNvPr id="44" name="Shape 44"/>
+        <p:cNvPr id="1" name="Shape 44"/>
         <p:cNvGrpSpPr/>
         <p:nvPr/>
       </p:nvGrpSpPr>
@@ -2084,9 +2333,11 @@
       <p:sp>
         <p:nvSpPr>
           <p:cNvPr id="45" name="Google Shape;45;p11"/>
-          <p:cNvSpPr txBox="1"/>
+          <p:cNvSpPr txBox="1">
+            <a:spLocks noGrp="1"/>
+          </p:cNvSpPr>
           <p:nvPr>
-            <p:ph hasCustomPrompt="1" type="title"/>
+            <p:ph type="title" hasCustomPrompt="1"/>
           </p:nvPr>
         </p:nvSpPr>
         <p:spPr>
@@ -2099,7 +2350,7 @@
           </a:prstGeom>
         </p:spPr>
         <p:txBody>
-          <a:bodyPr anchorCtr="0" anchor="b" bIns="91425" lIns="91425" spcFirstLastPara="1" rIns="91425" wrap="square" tIns="91425">
+          <a:bodyPr spcFirstLastPara="1" wrap="square" lIns="91425" tIns="91425" rIns="91425" bIns="91425" anchor="b" anchorCtr="0">
             <a:noAutofit/>
           </a:bodyPr>
           <a:lstStyle>
@@ -2213,9 +2464,11 @@
       <p:sp>
         <p:nvSpPr>
           <p:cNvPr id="46" name="Google Shape;46;p11"/>
-          <p:cNvSpPr txBox="1"/>
+          <p:cNvSpPr txBox="1">
+            <a:spLocks noGrp="1"/>
+          </p:cNvSpPr>
           <p:nvPr>
-            <p:ph idx="1" type="body"/>
+            <p:ph type="body" idx="1"/>
           </p:nvPr>
         </p:nvSpPr>
         <p:spPr>
@@ -2228,11 +2481,11 @@
           </a:prstGeom>
         </p:spPr>
         <p:txBody>
-          <a:bodyPr anchorCtr="0" anchor="t" bIns="91425" lIns="91425" spcFirstLastPara="1" rIns="91425" wrap="square" tIns="91425">
+          <a:bodyPr spcFirstLastPara="1" wrap="square" lIns="91425" tIns="91425" rIns="91425" bIns="91425" anchor="t" anchorCtr="0">
             <a:noAutofit/>
           </a:bodyPr>
           <a:lstStyle>
-            <a:lvl1pPr indent="-342900" lvl="0" marL="457200" algn="ctr">
+            <a:lvl1pPr marL="457200" lvl="0" indent="-342900" algn="ctr">
               <a:spcBef>
                 <a:spcPts val="0"/>
               </a:spcBef>
@@ -2243,7 +2496,7 @@
               <a:buChar char="●"/>
               <a:defRPr/>
             </a:lvl1pPr>
-            <a:lvl2pPr indent="-317500" lvl="1" marL="914400" algn="ctr">
+            <a:lvl2pPr marL="914400" lvl="1" indent="-317500" algn="ctr">
               <a:spcBef>
                 <a:spcPts val="1600"/>
               </a:spcBef>
@@ -2254,7 +2507,7 @@
               <a:buChar char="○"/>
               <a:defRPr/>
             </a:lvl2pPr>
-            <a:lvl3pPr indent="-317500" lvl="2" marL="1371600" algn="ctr">
+            <a:lvl3pPr marL="1371600" lvl="2" indent="-317500" algn="ctr">
               <a:spcBef>
                 <a:spcPts val="1600"/>
               </a:spcBef>
@@ -2265,7 +2518,7 @@
               <a:buChar char="■"/>
               <a:defRPr/>
             </a:lvl3pPr>
-            <a:lvl4pPr indent="-317500" lvl="3" marL="1828800" algn="ctr">
+            <a:lvl4pPr marL="1828800" lvl="3" indent="-317500" algn="ctr">
               <a:spcBef>
                 <a:spcPts val="1600"/>
               </a:spcBef>
@@ -2276,7 +2529,7 @@
               <a:buChar char="●"/>
               <a:defRPr/>
             </a:lvl4pPr>
-            <a:lvl5pPr indent="-317500" lvl="4" marL="2286000" algn="ctr">
+            <a:lvl5pPr marL="2286000" lvl="4" indent="-317500" algn="ctr">
               <a:spcBef>
                 <a:spcPts val="1600"/>
               </a:spcBef>
@@ -2287,7 +2540,7 @@
               <a:buChar char="○"/>
               <a:defRPr/>
             </a:lvl5pPr>
-            <a:lvl6pPr indent="-317500" lvl="5" marL="2743200" algn="ctr">
+            <a:lvl6pPr marL="2743200" lvl="5" indent="-317500" algn="ctr">
               <a:spcBef>
                 <a:spcPts val="1600"/>
               </a:spcBef>
@@ -2298,7 +2551,7 @@
               <a:buChar char="■"/>
               <a:defRPr/>
             </a:lvl6pPr>
-            <a:lvl7pPr indent="-317500" lvl="6" marL="3200400" algn="ctr">
+            <a:lvl7pPr marL="3200400" lvl="6" indent="-317500" algn="ctr">
               <a:spcBef>
                 <a:spcPts val="1600"/>
               </a:spcBef>
@@ -2309,7 +2562,7 @@
               <a:buChar char="●"/>
               <a:defRPr/>
             </a:lvl7pPr>
-            <a:lvl8pPr indent="-317500" lvl="7" marL="3657600" algn="ctr">
+            <a:lvl8pPr marL="3657600" lvl="7" indent="-317500" algn="ctr">
               <a:spcBef>
                 <a:spcPts val="1600"/>
               </a:spcBef>
@@ -2320,7 +2573,7 @@
               <a:buChar char="○"/>
               <a:defRPr/>
             </a:lvl8pPr>
-            <a:lvl9pPr indent="-317500" lvl="8" marL="4114800" algn="ctr">
+            <a:lvl9pPr marL="4114800" lvl="8" indent="-317500" algn="ctr">
               <a:spcBef>
                 <a:spcPts val="1600"/>
               </a:spcBef>
@@ -2332,15 +2585,19 @@
               <a:defRPr/>
             </a:lvl9pPr>
           </a:lstStyle>
-          <a:p/>
+          <a:p>
+            <a:endParaRPr/>
+          </a:p>
         </p:txBody>
       </p:sp>
       <p:sp>
         <p:nvSpPr>
           <p:cNvPr id="47" name="Google Shape;47;p11"/>
-          <p:cNvSpPr txBox="1"/>
+          <p:cNvSpPr txBox="1">
+            <a:spLocks noGrp="1"/>
+          </p:cNvSpPr>
           <p:nvPr>
-            <p:ph idx="12" type="sldNum"/>
+            <p:ph type="sldNum" idx="12"/>
           </p:nvPr>
         </p:nvSpPr>
         <p:spPr>
@@ -2353,7 +2610,7 @@
           </a:prstGeom>
         </p:spPr>
         <p:txBody>
-          <a:bodyPr anchorCtr="0" anchor="ctr" bIns="91425" lIns="91425" spcFirstLastPara="1" rIns="91425" wrap="square" tIns="91425">
+          <a:bodyPr spcFirstLastPara="1" wrap="square" lIns="91425" tIns="91425" rIns="91425" bIns="91425" anchor="ctr" anchorCtr="0">
             <a:noAutofit/>
           </a:bodyPr>
           <a:lstStyle>
@@ -2395,7 +2652,7 @@
             </a:lvl9pPr>
           </a:lstStyle>
           <a:p>
-            <a:pPr indent="0" lvl="0" marL="0" rtl="0" algn="r">
+            <a:pPr marL="0" lvl="0" indent="0" algn="r" rtl="0">
               <a:spcBef>
                 <a:spcPts val="0"/>
               </a:spcBef>
@@ -2421,11 +2678,11 @@
 </file>
 
 <file path=ppt/slideLayouts/slideLayout11.xml><?xml version="1.0" encoding="utf-8"?>
-<p:sldLayout xmlns:a="http://schemas.openxmlformats.org/drawingml/2006/main" xmlns:r="http://schemas.openxmlformats.org/officeDocument/2006/relationships" xmlns:mc="http://schemas.openxmlformats.org/markup-compatibility/2006" xmlns:mv="urn:schemas-microsoft-com:mac:vml" xmlns:p="http://schemas.openxmlformats.org/presentationml/2006/main" xmlns:c="http://schemas.openxmlformats.org/drawingml/2006/chart" xmlns:dgm="http://schemas.openxmlformats.org/drawingml/2006/diagram" xmlns:o="urn:schemas-microsoft-com:office:office" xmlns:v="urn:schemas-microsoft-com:vml" xmlns:pvml="urn:schemas-microsoft-com:office:powerpoint" xmlns:com="http://schemas.openxmlformats.org/drawingml/2006/compatibility" xmlns:p14="http://schemas.microsoft.com/office/powerpoint/2010/main" xmlns:p15="http://schemas.microsoft.com/office/powerpoint/2012/main" matchingName="Blank" type="blank">
+<p:sldLayout xmlns:a="http://schemas.openxmlformats.org/drawingml/2006/main" xmlns:r="http://schemas.openxmlformats.org/officeDocument/2006/relationships" xmlns:p="http://schemas.openxmlformats.org/presentationml/2006/main" matchingName="Blank" type="blank">
   <p:cSld name="BLANK">
     <p:spTree>
       <p:nvGrpSpPr>
-        <p:cNvPr id="48" name="Shape 48"/>
+        <p:cNvPr id="1" name="Shape 48"/>
         <p:cNvGrpSpPr/>
         <p:nvPr/>
       </p:nvGrpSpPr>
@@ -2440,9 +2697,11 @@
       <p:sp>
         <p:nvSpPr>
           <p:cNvPr id="49" name="Google Shape;49;p12"/>
-          <p:cNvSpPr txBox="1"/>
+          <p:cNvSpPr txBox="1">
+            <a:spLocks noGrp="1"/>
+          </p:cNvSpPr>
           <p:nvPr>
-            <p:ph idx="12" type="sldNum"/>
+            <p:ph type="sldNum" idx="12"/>
           </p:nvPr>
         </p:nvSpPr>
         <p:spPr>
@@ -2455,7 +2714,7 @@
           </a:prstGeom>
         </p:spPr>
         <p:txBody>
-          <a:bodyPr anchorCtr="0" anchor="ctr" bIns="91425" lIns="91425" spcFirstLastPara="1" rIns="91425" wrap="square" tIns="91425">
+          <a:bodyPr spcFirstLastPara="1" wrap="square" lIns="91425" tIns="91425" rIns="91425" bIns="91425" anchor="ctr" anchorCtr="0">
             <a:noAutofit/>
           </a:bodyPr>
           <a:lstStyle>
@@ -2497,7 +2756,7 @@
             </a:lvl9pPr>
           </a:lstStyle>
           <a:p>
-            <a:pPr indent="0" lvl="0" marL="0" rtl="0" algn="r">
+            <a:pPr marL="0" lvl="0" indent="0" algn="r" rtl="0">
               <a:spcBef>
                 <a:spcPts val="0"/>
               </a:spcBef>
@@ -2523,11 +2782,11 @@
 </file>
 
 <file path=ppt/slideLayouts/slideLayout2.xml><?xml version="1.0" encoding="utf-8"?>
-<p:sldLayout xmlns:a="http://schemas.openxmlformats.org/drawingml/2006/main" xmlns:r="http://schemas.openxmlformats.org/officeDocument/2006/relationships" xmlns:mc="http://schemas.openxmlformats.org/markup-compatibility/2006" xmlns:mv="urn:schemas-microsoft-com:mac:vml" xmlns:p="http://schemas.openxmlformats.org/presentationml/2006/main" xmlns:c="http://schemas.openxmlformats.org/drawingml/2006/chart" xmlns:dgm="http://schemas.openxmlformats.org/drawingml/2006/diagram" xmlns:o="urn:schemas-microsoft-com:office:office" xmlns:v="urn:schemas-microsoft-com:vml" xmlns:pvml="urn:schemas-microsoft-com:office:powerpoint" xmlns:com="http://schemas.openxmlformats.org/drawingml/2006/compatibility" xmlns:p14="http://schemas.microsoft.com/office/powerpoint/2010/main" xmlns:p15="http://schemas.microsoft.com/office/powerpoint/2012/main" matchingName="Section header" type="secHead">
+<p:sldLayout xmlns:a="http://schemas.openxmlformats.org/drawingml/2006/main" xmlns:r="http://schemas.openxmlformats.org/officeDocument/2006/relationships" xmlns:p="http://schemas.openxmlformats.org/presentationml/2006/main" matchingName="Section header" type="secHead">
   <p:cSld name="SECTION_HEADER">
     <p:spTree>
       <p:nvGrpSpPr>
-        <p:cNvPr id="13" name="Shape 13"/>
+        <p:cNvPr id="1" name="Shape 13"/>
         <p:cNvGrpSpPr/>
         <p:nvPr/>
       </p:nvGrpSpPr>
@@ -2542,7 +2801,9 @@
       <p:sp>
         <p:nvSpPr>
           <p:cNvPr id="14" name="Google Shape;14;p3"/>
-          <p:cNvSpPr txBox="1"/>
+          <p:cNvSpPr txBox="1">
+            <a:spLocks noGrp="1"/>
+          </p:cNvSpPr>
           <p:nvPr>
             <p:ph type="title"/>
           </p:nvPr>
@@ -2557,7 +2818,7 @@
           </a:prstGeom>
         </p:spPr>
         <p:txBody>
-          <a:bodyPr anchorCtr="0" anchor="ctr" bIns="91425" lIns="91425" spcFirstLastPara="1" rIns="91425" wrap="square" tIns="91425">
+          <a:bodyPr spcFirstLastPara="1" wrap="square" lIns="91425" tIns="91425" rIns="91425" bIns="91425" anchor="ctr" anchorCtr="0">
             <a:noAutofit/>
           </a:bodyPr>
           <a:lstStyle>
@@ -2661,15 +2922,19 @@
               <a:defRPr sz="3600"/>
             </a:lvl9pPr>
           </a:lstStyle>
-          <a:p/>
+          <a:p>
+            <a:endParaRPr/>
+          </a:p>
         </p:txBody>
       </p:sp>
       <p:sp>
         <p:nvSpPr>
           <p:cNvPr id="15" name="Google Shape;15;p3"/>
-          <p:cNvSpPr txBox="1"/>
+          <p:cNvSpPr txBox="1">
+            <a:spLocks noGrp="1"/>
+          </p:cNvSpPr>
           <p:nvPr>
-            <p:ph idx="12" type="sldNum"/>
+            <p:ph type="sldNum" idx="12"/>
           </p:nvPr>
         </p:nvSpPr>
         <p:spPr>
@@ -2682,7 +2947,7 @@
           </a:prstGeom>
         </p:spPr>
         <p:txBody>
-          <a:bodyPr anchorCtr="0" anchor="ctr" bIns="91425" lIns="91425" spcFirstLastPara="1" rIns="91425" wrap="square" tIns="91425">
+          <a:bodyPr spcFirstLastPara="1" wrap="square" lIns="91425" tIns="91425" rIns="91425" bIns="91425" anchor="ctr" anchorCtr="0">
             <a:noAutofit/>
           </a:bodyPr>
           <a:lstStyle>
@@ -2724,7 +2989,7 @@
             </a:lvl9pPr>
           </a:lstStyle>
           <a:p>
-            <a:pPr indent="0" lvl="0" marL="0" rtl="0" algn="r">
+            <a:pPr marL="0" lvl="0" indent="0" algn="r" rtl="0">
               <a:spcBef>
                 <a:spcPts val="0"/>
               </a:spcBef>
@@ -2750,11 +3015,11 @@
 </file>
 
 <file path=ppt/slideLayouts/slideLayout3.xml><?xml version="1.0" encoding="utf-8"?>
-<p:sldLayout xmlns:a="http://schemas.openxmlformats.org/drawingml/2006/main" xmlns:r="http://schemas.openxmlformats.org/officeDocument/2006/relationships" xmlns:mc="http://schemas.openxmlformats.org/markup-compatibility/2006" xmlns:mv="urn:schemas-microsoft-com:mac:vml" xmlns:p="http://schemas.openxmlformats.org/presentationml/2006/main" xmlns:c="http://schemas.openxmlformats.org/drawingml/2006/chart" xmlns:dgm="http://schemas.openxmlformats.org/drawingml/2006/diagram" xmlns:o="urn:schemas-microsoft-com:office:office" xmlns:v="urn:schemas-microsoft-com:vml" xmlns:pvml="urn:schemas-microsoft-com:office:powerpoint" xmlns:com="http://schemas.openxmlformats.org/drawingml/2006/compatibility" xmlns:p14="http://schemas.microsoft.com/office/powerpoint/2010/main" xmlns:p15="http://schemas.microsoft.com/office/powerpoint/2012/main" matchingName="Title and body" type="tx">
+<p:sldLayout xmlns:a="http://schemas.openxmlformats.org/drawingml/2006/main" xmlns:r="http://schemas.openxmlformats.org/officeDocument/2006/relationships" xmlns:p="http://schemas.openxmlformats.org/presentationml/2006/main" matchingName="Title and body" type="tx">
   <p:cSld name="TITLE_AND_BODY">
     <p:spTree>
       <p:nvGrpSpPr>
-        <p:cNvPr id="16" name="Shape 16"/>
+        <p:cNvPr id="1" name="Shape 16"/>
         <p:cNvGrpSpPr/>
         <p:nvPr/>
       </p:nvGrpSpPr>
@@ -2769,7 +3034,9 @@
       <p:sp>
         <p:nvSpPr>
           <p:cNvPr id="17" name="Google Shape;17;p4"/>
-          <p:cNvSpPr txBox="1"/>
+          <p:cNvSpPr txBox="1">
+            <a:spLocks noGrp="1"/>
+          </p:cNvSpPr>
           <p:nvPr>
             <p:ph type="title"/>
           </p:nvPr>
@@ -2784,7 +3051,7 @@
           </a:prstGeom>
         </p:spPr>
         <p:txBody>
-          <a:bodyPr anchorCtr="0" anchor="t" bIns="91425" lIns="91425" spcFirstLastPara="1" rIns="91425" wrap="square" tIns="91425">
+          <a:bodyPr spcFirstLastPara="1" wrap="square" lIns="91425" tIns="91425" rIns="91425" bIns="91425" anchor="t" anchorCtr="0">
             <a:noAutofit/>
           </a:bodyPr>
           <a:lstStyle>
@@ -2888,15 +3155,19 @@
               <a:defRPr/>
             </a:lvl9pPr>
           </a:lstStyle>
-          <a:p/>
+          <a:p>
+            <a:endParaRPr/>
+          </a:p>
         </p:txBody>
       </p:sp>
       <p:sp>
         <p:nvSpPr>
           <p:cNvPr id="18" name="Google Shape;18;p4"/>
-          <p:cNvSpPr txBox="1"/>
+          <p:cNvSpPr txBox="1">
+            <a:spLocks noGrp="1"/>
+          </p:cNvSpPr>
           <p:nvPr>
-            <p:ph idx="1" type="body"/>
+            <p:ph type="body" idx="1"/>
           </p:nvPr>
         </p:nvSpPr>
         <p:spPr>
@@ -2909,11 +3180,11 @@
           </a:prstGeom>
         </p:spPr>
         <p:txBody>
-          <a:bodyPr anchorCtr="0" anchor="t" bIns="91425" lIns="91425" spcFirstLastPara="1" rIns="91425" wrap="square" tIns="91425">
+          <a:bodyPr spcFirstLastPara="1" wrap="square" lIns="91425" tIns="91425" rIns="91425" bIns="91425" anchor="t" anchorCtr="0">
             <a:noAutofit/>
           </a:bodyPr>
           <a:lstStyle>
-            <a:lvl1pPr indent="-342900" lvl="0" marL="457200">
+            <a:lvl1pPr marL="457200" lvl="0" indent="-342900">
               <a:spcBef>
                 <a:spcPts val="0"/>
               </a:spcBef>
@@ -2924,7 +3195,7 @@
               <a:buChar char="●"/>
               <a:defRPr/>
             </a:lvl1pPr>
-            <a:lvl2pPr indent="-317500" lvl="1" marL="914400">
+            <a:lvl2pPr marL="914400" lvl="1" indent="-317500">
               <a:spcBef>
                 <a:spcPts val="1600"/>
               </a:spcBef>
@@ -2935,7 +3206,7 @@
               <a:buChar char="○"/>
               <a:defRPr/>
             </a:lvl2pPr>
-            <a:lvl3pPr indent="-317500" lvl="2" marL="1371600">
+            <a:lvl3pPr marL="1371600" lvl="2" indent="-317500">
               <a:spcBef>
                 <a:spcPts val="1600"/>
               </a:spcBef>
@@ -2946,7 +3217,7 @@
               <a:buChar char="■"/>
               <a:defRPr/>
             </a:lvl3pPr>
-            <a:lvl4pPr indent="-317500" lvl="3" marL="1828800">
+            <a:lvl4pPr marL="1828800" lvl="3" indent="-317500">
               <a:spcBef>
                 <a:spcPts val="1600"/>
               </a:spcBef>
@@ -2957,7 +3228,7 @@
               <a:buChar char="●"/>
               <a:defRPr/>
             </a:lvl4pPr>
-            <a:lvl5pPr indent="-317500" lvl="4" marL="2286000">
+            <a:lvl5pPr marL="2286000" lvl="4" indent="-317500">
               <a:spcBef>
                 <a:spcPts val="1600"/>
               </a:spcBef>
@@ -2968,7 +3239,7 @@
               <a:buChar char="○"/>
               <a:defRPr/>
             </a:lvl5pPr>
-            <a:lvl6pPr indent="-317500" lvl="5" marL="2743200">
+            <a:lvl6pPr marL="2743200" lvl="5" indent="-317500">
               <a:spcBef>
                 <a:spcPts val="1600"/>
               </a:spcBef>
@@ -2979,7 +3250,7 @@
               <a:buChar char="■"/>
               <a:defRPr/>
             </a:lvl6pPr>
-            <a:lvl7pPr indent="-317500" lvl="6" marL="3200400">
+            <a:lvl7pPr marL="3200400" lvl="6" indent="-317500">
               <a:spcBef>
                 <a:spcPts val="1600"/>
               </a:spcBef>
@@ -2990,7 +3261,7 @@
               <a:buChar char="●"/>
               <a:defRPr/>
             </a:lvl7pPr>
-            <a:lvl8pPr indent="-317500" lvl="7" marL="3657600">
+            <a:lvl8pPr marL="3657600" lvl="7" indent="-317500">
               <a:spcBef>
                 <a:spcPts val="1600"/>
               </a:spcBef>
@@ -3001,7 +3272,7 @@
               <a:buChar char="○"/>
               <a:defRPr/>
             </a:lvl8pPr>
-            <a:lvl9pPr indent="-317500" lvl="8" marL="4114800">
+            <a:lvl9pPr marL="4114800" lvl="8" indent="-317500">
               <a:spcBef>
                 <a:spcPts val="1600"/>
               </a:spcBef>
@@ -3013,15 +3284,19 @@
               <a:defRPr/>
             </a:lvl9pPr>
           </a:lstStyle>
-          <a:p/>
+          <a:p>
+            <a:endParaRPr/>
+          </a:p>
         </p:txBody>
       </p:sp>
       <p:sp>
         <p:nvSpPr>
           <p:cNvPr id="19" name="Google Shape;19;p4"/>
-          <p:cNvSpPr txBox="1"/>
+          <p:cNvSpPr txBox="1">
+            <a:spLocks noGrp="1"/>
+          </p:cNvSpPr>
           <p:nvPr>
-            <p:ph idx="12" type="sldNum"/>
+            <p:ph type="sldNum" idx="12"/>
           </p:nvPr>
         </p:nvSpPr>
         <p:spPr>
@@ -3034,7 +3309,7 @@
           </a:prstGeom>
         </p:spPr>
         <p:txBody>
-          <a:bodyPr anchorCtr="0" anchor="ctr" bIns="91425" lIns="91425" spcFirstLastPara="1" rIns="91425" wrap="square" tIns="91425">
+          <a:bodyPr spcFirstLastPara="1" wrap="square" lIns="91425" tIns="91425" rIns="91425" bIns="91425" anchor="ctr" anchorCtr="0">
             <a:noAutofit/>
           </a:bodyPr>
           <a:lstStyle>
@@ -3076,7 +3351,7 @@
             </a:lvl9pPr>
           </a:lstStyle>
           <a:p>
-            <a:pPr indent="0" lvl="0" marL="0" rtl="0" algn="r">
+            <a:pPr marL="0" lvl="0" indent="0" algn="r" rtl="0">
               <a:spcBef>
                 <a:spcPts val="0"/>
               </a:spcBef>
@@ -3102,11 +3377,11 @@
 </file>
 
 <file path=ppt/slideLayouts/slideLayout4.xml><?xml version="1.0" encoding="utf-8"?>
-<p:sldLayout xmlns:a="http://schemas.openxmlformats.org/drawingml/2006/main" xmlns:r="http://schemas.openxmlformats.org/officeDocument/2006/relationships" xmlns:mc="http://schemas.openxmlformats.org/markup-compatibility/2006" xmlns:mv="urn:schemas-microsoft-com:mac:vml" xmlns:p="http://schemas.openxmlformats.org/presentationml/2006/main" xmlns:c="http://schemas.openxmlformats.org/drawingml/2006/chart" xmlns:dgm="http://schemas.openxmlformats.org/drawingml/2006/diagram" xmlns:o="urn:schemas-microsoft-com:office:office" xmlns:v="urn:schemas-microsoft-com:vml" xmlns:pvml="urn:schemas-microsoft-com:office:powerpoint" xmlns:com="http://schemas.openxmlformats.org/drawingml/2006/compatibility" xmlns:p14="http://schemas.microsoft.com/office/powerpoint/2010/main" xmlns:p15="http://schemas.microsoft.com/office/powerpoint/2012/main" matchingName="Title and two columns" type="twoColTx">
+<p:sldLayout xmlns:a="http://schemas.openxmlformats.org/drawingml/2006/main" xmlns:r="http://schemas.openxmlformats.org/officeDocument/2006/relationships" xmlns:p="http://schemas.openxmlformats.org/presentationml/2006/main" matchingName="Title and two columns" type="twoColTx">
   <p:cSld name="TITLE_AND_TWO_COLUMNS">
     <p:spTree>
       <p:nvGrpSpPr>
-        <p:cNvPr id="20" name="Shape 20"/>
+        <p:cNvPr id="1" name="Shape 20"/>
         <p:cNvGrpSpPr/>
         <p:nvPr/>
       </p:nvGrpSpPr>
@@ -3121,7 +3396,9 @@
       <p:sp>
         <p:nvSpPr>
           <p:cNvPr id="21" name="Google Shape;21;p5"/>
-          <p:cNvSpPr txBox="1"/>
+          <p:cNvSpPr txBox="1">
+            <a:spLocks noGrp="1"/>
+          </p:cNvSpPr>
           <p:nvPr>
             <p:ph type="title"/>
           </p:nvPr>
@@ -3136,7 +3413,7 @@
           </a:prstGeom>
         </p:spPr>
         <p:txBody>
-          <a:bodyPr anchorCtr="0" anchor="t" bIns="91425" lIns="91425" spcFirstLastPara="1" rIns="91425" wrap="square" tIns="91425">
+          <a:bodyPr spcFirstLastPara="1" wrap="square" lIns="91425" tIns="91425" rIns="91425" bIns="91425" anchor="t" anchorCtr="0">
             <a:noAutofit/>
           </a:bodyPr>
           <a:lstStyle>
@@ -3240,15 +3517,19 @@
               <a:defRPr/>
             </a:lvl9pPr>
           </a:lstStyle>
-          <a:p/>
+          <a:p>
+            <a:endParaRPr/>
+          </a:p>
         </p:txBody>
       </p:sp>
       <p:sp>
         <p:nvSpPr>
           <p:cNvPr id="22" name="Google Shape;22;p5"/>
-          <p:cNvSpPr txBox="1"/>
+          <p:cNvSpPr txBox="1">
+            <a:spLocks noGrp="1"/>
+          </p:cNvSpPr>
           <p:nvPr>
-            <p:ph idx="1" type="body"/>
+            <p:ph type="body" idx="1"/>
           </p:nvPr>
         </p:nvSpPr>
         <p:spPr>
@@ -3261,11 +3542,11 @@
           </a:prstGeom>
         </p:spPr>
         <p:txBody>
-          <a:bodyPr anchorCtr="0" anchor="t" bIns="91425" lIns="91425" spcFirstLastPara="1" rIns="91425" wrap="square" tIns="91425">
+          <a:bodyPr spcFirstLastPara="1" wrap="square" lIns="91425" tIns="91425" rIns="91425" bIns="91425" anchor="t" anchorCtr="0">
             <a:noAutofit/>
           </a:bodyPr>
           <a:lstStyle>
-            <a:lvl1pPr indent="-317500" lvl="0" marL="457200">
+            <a:lvl1pPr marL="457200" lvl="0" indent="-317500">
               <a:spcBef>
                 <a:spcPts val="0"/>
               </a:spcBef>
@@ -3276,7 +3557,7 @@
               <a:buChar char="●"/>
               <a:defRPr sz="1400"/>
             </a:lvl1pPr>
-            <a:lvl2pPr indent="-304800" lvl="1" marL="914400">
+            <a:lvl2pPr marL="914400" lvl="1" indent="-304800">
               <a:spcBef>
                 <a:spcPts val="1600"/>
               </a:spcBef>
@@ -3287,7 +3568,7 @@
               <a:buChar char="○"/>
               <a:defRPr sz="1200"/>
             </a:lvl2pPr>
-            <a:lvl3pPr indent="-304800" lvl="2" marL="1371600">
+            <a:lvl3pPr marL="1371600" lvl="2" indent="-304800">
               <a:spcBef>
                 <a:spcPts val="1600"/>
               </a:spcBef>
@@ -3298,7 +3579,7 @@
               <a:buChar char="■"/>
               <a:defRPr sz="1200"/>
             </a:lvl3pPr>
-            <a:lvl4pPr indent="-304800" lvl="3" marL="1828800">
+            <a:lvl4pPr marL="1828800" lvl="3" indent="-304800">
               <a:spcBef>
                 <a:spcPts val="1600"/>
               </a:spcBef>
@@ -3309,7 +3590,7 @@
               <a:buChar char="●"/>
               <a:defRPr sz="1200"/>
             </a:lvl4pPr>
-            <a:lvl5pPr indent="-304800" lvl="4" marL="2286000">
+            <a:lvl5pPr marL="2286000" lvl="4" indent="-304800">
               <a:spcBef>
                 <a:spcPts val="1600"/>
               </a:spcBef>
@@ -3320,7 +3601,7 @@
               <a:buChar char="○"/>
               <a:defRPr sz="1200"/>
             </a:lvl5pPr>
-            <a:lvl6pPr indent="-304800" lvl="5" marL="2743200">
+            <a:lvl6pPr marL="2743200" lvl="5" indent="-304800">
               <a:spcBef>
                 <a:spcPts val="1600"/>
               </a:spcBef>
@@ -3331,7 +3612,7 @@
               <a:buChar char="■"/>
               <a:defRPr sz="1200"/>
             </a:lvl6pPr>
-            <a:lvl7pPr indent="-304800" lvl="6" marL="3200400">
+            <a:lvl7pPr marL="3200400" lvl="6" indent="-304800">
               <a:spcBef>
                 <a:spcPts val="1600"/>
               </a:spcBef>
@@ -3342,7 +3623,7 @@
               <a:buChar char="●"/>
               <a:defRPr sz="1200"/>
             </a:lvl7pPr>
-            <a:lvl8pPr indent="-304800" lvl="7" marL="3657600">
+            <a:lvl8pPr marL="3657600" lvl="7" indent="-304800">
               <a:spcBef>
                 <a:spcPts val="1600"/>
               </a:spcBef>
@@ -3353,7 +3634,7 @@
               <a:buChar char="○"/>
               <a:defRPr sz="1200"/>
             </a:lvl8pPr>
-            <a:lvl9pPr indent="-304800" lvl="8" marL="4114800">
+            <a:lvl9pPr marL="4114800" lvl="8" indent="-304800">
               <a:spcBef>
                 <a:spcPts val="1600"/>
               </a:spcBef>
@@ -3365,15 +3646,19 @@
               <a:defRPr sz="1200"/>
             </a:lvl9pPr>
           </a:lstStyle>
-          <a:p/>
+          <a:p>
+            <a:endParaRPr/>
+          </a:p>
         </p:txBody>
       </p:sp>
       <p:sp>
         <p:nvSpPr>
           <p:cNvPr id="23" name="Google Shape;23;p5"/>
-          <p:cNvSpPr txBox="1"/>
+          <p:cNvSpPr txBox="1">
+            <a:spLocks noGrp="1"/>
+          </p:cNvSpPr>
           <p:nvPr>
-            <p:ph idx="2" type="body"/>
+            <p:ph type="body" idx="2"/>
           </p:nvPr>
         </p:nvSpPr>
         <p:spPr>
@@ -3386,11 +3671,11 @@
           </a:prstGeom>
         </p:spPr>
         <p:txBody>
-          <a:bodyPr anchorCtr="0" anchor="t" bIns="91425" lIns="91425" spcFirstLastPara="1" rIns="91425" wrap="square" tIns="91425">
+          <a:bodyPr spcFirstLastPara="1" wrap="square" lIns="91425" tIns="91425" rIns="91425" bIns="91425" anchor="t" anchorCtr="0">
             <a:noAutofit/>
           </a:bodyPr>
           <a:lstStyle>
-            <a:lvl1pPr indent="-317500" lvl="0" marL="457200">
+            <a:lvl1pPr marL="457200" lvl="0" indent="-317500">
               <a:spcBef>
                 <a:spcPts val="0"/>
               </a:spcBef>
@@ -3401,7 +3686,7 @@
               <a:buChar char="●"/>
               <a:defRPr sz="1400"/>
             </a:lvl1pPr>
-            <a:lvl2pPr indent="-304800" lvl="1" marL="914400">
+            <a:lvl2pPr marL="914400" lvl="1" indent="-304800">
               <a:spcBef>
                 <a:spcPts val="1600"/>
               </a:spcBef>
@@ -3412,7 +3697,7 @@
               <a:buChar char="○"/>
               <a:defRPr sz="1200"/>
             </a:lvl2pPr>
-            <a:lvl3pPr indent="-304800" lvl="2" marL="1371600">
+            <a:lvl3pPr marL="1371600" lvl="2" indent="-304800">
               <a:spcBef>
                 <a:spcPts val="1600"/>
               </a:spcBef>
@@ -3423,7 +3708,7 @@
               <a:buChar char="■"/>
               <a:defRPr sz="1200"/>
             </a:lvl3pPr>
-            <a:lvl4pPr indent="-304800" lvl="3" marL="1828800">
+            <a:lvl4pPr marL="1828800" lvl="3" indent="-304800">
               <a:spcBef>
                 <a:spcPts val="1600"/>
               </a:spcBef>
@@ -3434,7 +3719,7 @@
               <a:buChar char="●"/>
               <a:defRPr sz="1200"/>
             </a:lvl4pPr>
-            <a:lvl5pPr indent="-304800" lvl="4" marL="2286000">
+            <a:lvl5pPr marL="2286000" lvl="4" indent="-304800">
               <a:spcBef>
                 <a:spcPts val="1600"/>
               </a:spcBef>
@@ -3445,7 +3730,7 @@
               <a:buChar char="○"/>
               <a:defRPr sz="1200"/>
             </a:lvl5pPr>
-            <a:lvl6pPr indent="-304800" lvl="5" marL="2743200">
+            <a:lvl6pPr marL="2743200" lvl="5" indent="-304800">
               <a:spcBef>
                 <a:spcPts val="1600"/>
               </a:spcBef>
@@ -3456,7 +3741,7 @@
               <a:buChar char="■"/>
               <a:defRPr sz="1200"/>
             </a:lvl6pPr>
-            <a:lvl7pPr indent="-304800" lvl="6" marL="3200400">
+            <a:lvl7pPr marL="3200400" lvl="6" indent="-304800">
               <a:spcBef>
                 <a:spcPts val="1600"/>
               </a:spcBef>
@@ -3467,7 +3752,7 @@
               <a:buChar char="●"/>
               <a:defRPr sz="1200"/>
             </a:lvl7pPr>
-            <a:lvl8pPr indent="-304800" lvl="7" marL="3657600">
+            <a:lvl8pPr marL="3657600" lvl="7" indent="-304800">
               <a:spcBef>
                 <a:spcPts val="1600"/>
               </a:spcBef>
@@ -3478,7 +3763,7 @@
               <a:buChar char="○"/>
               <a:defRPr sz="1200"/>
             </a:lvl8pPr>
-            <a:lvl9pPr indent="-304800" lvl="8" marL="4114800">
+            <a:lvl9pPr marL="4114800" lvl="8" indent="-304800">
               <a:spcBef>
                 <a:spcPts val="1600"/>
               </a:spcBef>
@@ -3490,15 +3775,19 @@
               <a:defRPr sz="1200"/>
             </a:lvl9pPr>
           </a:lstStyle>
-          <a:p/>
+          <a:p>
+            <a:endParaRPr/>
+          </a:p>
         </p:txBody>
       </p:sp>
       <p:sp>
         <p:nvSpPr>
           <p:cNvPr id="24" name="Google Shape;24;p5"/>
-          <p:cNvSpPr txBox="1"/>
+          <p:cNvSpPr txBox="1">
+            <a:spLocks noGrp="1"/>
+          </p:cNvSpPr>
           <p:nvPr>
-            <p:ph idx="12" type="sldNum"/>
+            <p:ph type="sldNum" idx="12"/>
           </p:nvPr>
         </p:nvSpPr>
         <p:spPr>
@@ -3511,7 +3800,7 @@
           </a:prstGeom>
         </p:spPr>
         <p:txBody>
-          <a:bodyPr anchorCtr="0" anchor="ctr" bIns="91425" lIns="91425" spcFirstLastPara="1" rIns="91425" wrap="square" tIns="91425">
+          <a:bodyPr spcFirstLastPara="1" wrap="square" lIns="91425" tIns="91425" rIns="91425" bIns="91425" anchor="ctr" anchorCtr="0">
             <a:noAutofit/>
           </a:bodyPr>
           <a:lstStyle>
@@ -3553,7 +3842,7 @@
             </a:lvl9pPr>
           </a:lstStyle>
           <a:p>
-            <a:pPr indent="0" lvl="0" marL="0" rtl="0" algn="r">
+            <a:pPr marL="0" lvl="0" indent="0" algn="r" rtl="0">
               <a:spcBef>
                 <a:spcPts val="0"/>
               </a:spcBef>
@@ -3579,11 +3868,11 @@
 </file>
 
 <file path=ppt/slideLayouts/slideLayout5.xml><?xml version="1.0" encoding="utf-8"?>
-<p:sldLayout xmlns:a="http://schemas.openxmlformats.org/drawingml/2006/main" xmlns:r="http://schemas.openxmlformats.org/officeDocument/2006/relationships" xmlns:mc="http://schemas.openxmlformats.org/markup-compatibility/2006" xmlns:mv="urn:schemas-microsoft-com:mac:vml" xmlns:p="http://schemas.openxmlformats.org/presentationml/2006/main" xmlns:c="http://schemas.openxmlformats.org/drawingml/2006/chart" xmlns:dgm="http://schemas.openxmlformats.org/drawingml/2006/diagram" xmlns:o="urn:schemas-microsoft-com:office:office" xmlns:v="urn:schemas-microsoft-com:vml" xmlns:pvml="urn:schemas-microsoft-com:office:powerpoint" xmlns:com="http://schemas.openxmlformats.org/drawingml/2006/compatibility" xmlns:p14="http://schemas.microsoft.com/office/powerpoint/2010/main" xmlns:p15="http://schemas.microsoft.com/office/powerpoint/2012/main" matchingName="Title only" type="titleOnly">
+<p:sldLayout xmlns:a="http://schemas.openxmlformats.org/drawingml/2006/main" xmlns:r="http://schemas.openxmlformats.org/officeDocument/2006/relationships" xmlns:p="http://schemas.openxmlformats.org/presentationml/2006/main" matchingName="Title only" type="titleOnly">
   <p:cSld name="TITLE_ONLY">
     <p:spTree>
       <p:nvGrpSpPr>
-        <p:cNvPr id="25" name="Shape 25"/>
+        <p:cNvPr id="1" name="Shape 25"/>
         <p:cNvGrpSpPr/>
         <p:nvPr/>
       </p:nvGrpSpPr>
@@ -3598,7 +3887,9 @@
       <p:sp>
         <p:nvSpPr>
           <p:cNvPr id="26" name="Google Shape;26;p6"/>
-          <p:cNvSpPr txBox="1"/>
+          <p:cNvSpPr txBox="1">
+            <a:spLocks noGrp="1"/>
+          </p:cNvSpPr>
           <p:nvPr>
             <p:ph type="title"/>
           </p:nvPr>
@@ -3613,7 +3904,7 @@
           </a:prstGeom>
         </p:spPr>
         <p:txBody>
-          <a:bodyPr anchorCtr="0" anchor="t" bIns="91425" lIns="91425" spcFirstLastPara="1" rIns="91425" wrap="square" tIns="91425">
+          <a:bodyPr spcFirstLastPara="1" wrap="square" lIns="91425" tIns="91425" rIns="91425" bIns="91425" anchor="t" anchorCtr="0">
             <a:noAutofit/>
           </a:bodyPr>
           <a:lstStyle>
@@ -3717,15 +4008,19 @@
               <a:defRPr/>
             </a:lvl9pPr>
           </a:lstStyle>
-          <a:p/>
+          <a:p>
+            <a:endParaRPr/>
+          </a:p>
         </p:txBody>
       </p:sp>
       <p:sp>
         <p:nvSpPr>
           <p:cNvPr id="27" name="Google Shape;27;p6"/>
-          <p:cNvSpPr txBox="1"/>
+          <p:cNvSpPr txBox="1">
+            <a:spLocks noGrp="1"/>
+          </p:cNvSpPr>
           <p:nvPr>
-            <p:ph idx="12" type="sldNum"/>
+            <p:ph type="sldNum" idx="12"/>
           </p:nvPr>
         </p:nvSpPr>
         <p:spPr>
@@ -3738,7 +4033,7 @@
           </a:prstGeom>
         </p:spPr>
         <p:txBody>
-          <a:bodyPr anchorCtr="0" anchor="ctr" bIns="91425" lIns="91425" spcFirstLastPara="1" rIns="91425" wrap="square" tIns="91425">
+          <a:bodyPr spcFirstLastPara="1" wrap="square" lIns="91425" tIns="91425" rIns="91425" bIns="91425" anchor="ctr" anchorCtr="0">
             <a:noAutofit/>
           </a:bodyPr>
           <a:lstStyle>
@@ -3780,7 +4075,7 @@
             </a:lvl9pPr>
           </a:lstStyle>
           <a:p>
-            <a:pPr indent="0" lvl="0" marL="0" rtl="0" algn="r">
+            <a:pPr marL="0" lvl="0" indent="0" algn="r" rtl="0">
               <a:spcBef>
                 <a:spcPts val="0"/>
               </a:spcBef>
@@ -3806,11 +4101,11 @@
 </file>
 
 <file path=ppt/slideLayouts/slideLayout6.xml><?xml version="1.0" encoding="utf-8"?>
-<p:sldLayout xmlns:a="http://schemas.openxmlformats.org/drawingml/2006/main" xmlns:r="http://schemas.openxmlformats.org/officeDocument/2006/relationships" xmlns:mc="http://schemas.openxmlformats.org/markup-compatibility/2006" xmlns:mv="urn:schemas-microsoft-com:mac:vml" xmlns:p="http://schemas.openxmlformats.org/presentationml/2006/main" xmlns:c="http://schemas.openxmlformats.org/drawingml/2006/chart" xmlns:dgm="http://schemas.openxmlformats.org/drawingml/2006/diagram" xmlns:o="urn:schemas-microsoft-com:office:office" xmlns:v="urn:schemas-microsoft-com:vml" xmlns:pvml="urn:schemas-microsoft-com:office:powerpoint" xmlns:com="http://schemas.openxmlformats.org/drawingml/2006/compatibility" xmlns:p14="http://schemas.microsoft.com/office/powerpoint/2010/main" xmlns:p15="http://schemas.microsoft.com/office/powerpoint/2012/main" matchingName="One column text">
+<p:sldLayout xmlns:a="http://schemas.openxmlformats.org/drawingml/2006/main" xmlns:r="http://schemas.openxmlformats.org/officeDocument/2006/relationships" xmlns:p="http://schemas.openxmlformats.org/presentationml/2006/main" matchingName="One column text">
   <p:cSld name="ONE_COLUMN_TEXT">
     <p:spTree>
       <p:nvGrpSpPr>
-        <p:cNvPr id="28" name="Shape 28"/>
+        <p:cNvPr id="1" name="Shape 28"/>
         <p:cNvGrpSpPr/>
         <p:nvPr/>
       </p:nvGrpSpPr>
@@ -3825,7 +4120,9 @@
       <p:sp>
         <p:nvSpPr>
           <p:cNvPr id="29" name="Google Shape;29;p7"/>
-          <p:cNvSpPr txBox="1"/>
+          <p:cNvSpPr txBox="1">
+            <a:spLocks noGrp="1"/>
+          </p:cNvSpPr>
           <p:nvPr>
             <p:ph type="title"/>
           </p:nvPr>
@@ -3840,7 +4137,7 @@
           </a:prstGeom>
         </p:spPr>
         <p:txBody>
-          <a:bodyPr anchorCtr="0" anchor="b" bIns="91425" lIns="91425" spcFirstLastPara="1" rIns="91425" wrap="square" tIns="91425">
+          <a:bodyPr spcFirstLastPara="1" wrap="square" lIns="91425" tIns="91425" rIns="91425" bIns="91425" anchor="b" anchorCtr="0">
             <a:noAutofit/>
           </a:bodyPr>
           <a:lstStyle>
@@ -3944,15 +4241,19 @@
               <a:defRPr sz="2400"/>
             </a:lvl9pPr>
           </a:lstStyle>
-          <a:p/>
+          <a:p>
+            <a:endParaRPr/>
+          </a:p>
         </p:txBody>
       </p:sp>
       <p:sp>
         <p:nvSpPr>
           <p:cNvPr id="30" name="Google Shape;30;p7"/>
-          <p:cNvSpPr txBox="1"/>
+          <p:cNvSpPr txBox="1">
+            <a:spLocks noGrp="1"/>
+          </p:cNvSpPr>
           <p:nvPr>
-            <p:ph idx="1" type="body"/>
+            <p:ph type="body" idx="1"/>
           </p:nvPr>
         </p:nvSpPr>
         <p:spPr>
@@ -3965,11 +4266,11 @@
           </a:prstGeom>
         </p:spPr>
         <p:txBody>
-          <a:bodyPr anchorCtr="0" anchor="t" bIns="91425" lIns="91425" spcFirstLastPara="1" rIns="91425" wrap="square" tIns="91425">
+          <a:bodyPr spcFirstLastPara="1" wrap="square" lIns="91425" tIns="91425" rIns="91425" bIns="91425" anchor="t" anchorCtr="0">
             <a:noAutofit/>
           </a:bodyPr>
           <a:lstStyle>
-            <a:lvl1pPr indent="-304800" lvl="0" marL="457200">
+            <a:lvl1pPr marL="457200" lvl="0" indent="-304800">
               <a:spcBef>
                 <a:spcPts val="0"/>
               </a:spcBef>
@@ -3980,7 +4281,7 @@
               <a:buChar char="●"/>
               <a:defRPr sz="1200"/>
             </a:lvl1pPr>
-            <a:lvl2pPr indent="-304800" lvl="1" marL="914400">
+            <a:lvl2pPr marL="914400" lvl="1" indent="-304800">
               <a:spcBef>
                 <a:spcPts val="1600"/>
               </a:spcBef>
@@ -3991,7 +4292,7 @@
               <a:buChar char="○"/>
               <a:defRPr sz="1200"/>
             </a:lvl2pPr>
-            <a:lvl3pPr indent="-304800" lvl="2" marL="1371600">
+            <a:lvl3pPr marL="1371600" lvl="2" indent="-304800">
               <a:spcBef>
                 <a:spcPts val="1600"/>
               </a:spcBef>
@@ -4002,7 +4303,7 @@
               <a:buChar char="■"/>
               <a:defRPr sz="1200"/>
             </a:lvl3pPr>
-            <a:lvl4pPr indent="-304800" lvl="3" marL="1828800">
+            <a:lvl4pPr marL="1828800" lvl="3" indent="-304800">
               <a:spcBef>
                 <a:spcPts val="1600"/>
               </a:spcBef>
@@ -4013,7 +4314,7 @@
               <a:buChar char="●"/>
               <a:defRPr sz="1200"/>
             </a:lvl4pPr>
-            <a:lvl5pPr indent="-304800" lvl="4" marL="2286000">
+            <a:lvl5pPr marL="2286000" lvl="4" indent="-304800">
               <a:spcBef>
                 <a:spcPts val="1600"/>
               </a:spcBef>
@@ -4024,7 +4325,7 @@
               <a:buChar char="○"/>
               <a:defRPr sz="1200"/>
             </a:lvl5pPr>
-            <a:lvl6pPr indent="-304800" lvl="5" marL="2743200">
+            <a:lvl6pPr marL="2743200" lvl="5" indent="-304800">
               <a:spcBef>
                 <a:spcPts val="1600"/>
               </a:spcBef>
@@ -4035,7 +4336,7 @@
               <a:buChar char="■"/>
               <a:defRPr sz="1200"/>
             </a:lvl6pPr>
-            <a:lvl7pPr indent="-304800" lvl="6" marL="3200400">
+            <a:lvl7pPr marL="3200400" lvl="6" indent="-304800">
               <a:spcBef>
                 <a:spcPts val="1600"/>
               </a:spcBef>
@@ -4046,7 +4347,7 @@
               <a:buChar char="●"/>
               <a:defRPr sz="1200"/>
             </a:lvl7pPr>
-            <a:lvl8pPr indent="-304800" lvl="7" marL="3657600">
+            <a:lvl8pPr marL="3657600" lvl="7" indent="-304800">
               <a:spcBef>
                 <a:spcPts val="1600"/>
               </a:spcBef>
@@ -4057,7 +4358,7 @@
               <a:buChar char="○"/>
               <a:defRPr sz="1200"/>
             </a:lvl8pPr>
-            <a:lvl9pPr indent="-304800" lvl="8" marL="4114800">
+            <a:lvl9pPr marL="4114800" lvl="8" indent="-304800">
               <a:spcBef>
                 <a:spcPts val="1600"/>
               </a:spcBef>
@@ -4069,15 +4370,19 @@
               <a:defRPr sz="1200"/>
             </a:lvl9pPr>
           </a:lstStyle>
-          <a:p/>
+          <a:p>
+            <a:endParaRPr/>
+          </a:p>
         </p:txBody>
       </p:sp>
       <p:sp>
         <p:nvSpPr>
           <p:cNvPr id="31" name="Google Shape;31;p7"/>
-          <p:cNvSpPr txBox="1"/>
+          <p:cNvSpPr txBox="1">
+            <a:spLocks noGrp="1"/>
+          </p:cNvSpPr>
           <p:nvPr>
-            <p:ph idx="12" type="sldNum"/>
+            <p:ph type="sldNum" idx="12"/>
           </p:nvPr>
         </p:nvSpPr>
         <p:spPr>
@@ -4090,7 +4395,7 @@
           </a:prstGeom>
         </p:spPr>
         <p:txBody>
-          <a:bodyPr anchorCtr="0" anchor="ctr" bIns="91425" lIns="91425" spcFirstLastPara="1" rIns="91425" wrap="square" tIns="91425">
+          <a:bodyPr spcFirstLastPara="1" wrap="square" lIns="91425" tIns="91425" rIns="91425" bIns="91425" anchor="ctr" anchorCtr="0">
             <a:noAutofit/>
           </a:bodyPr>
           <a:lstStyle>
@@ -4132,7 +4437,7 @@
             </a:lvl9pPr>
           </a:lstStyle>
           <a:p>
-            <a:pPr indent="0" lvl="0" marL="0" rtl="0" algn="r">
+            <a:pPr marL="0" lvl="0" indent="0" algn="r" rtl="0">
               <a:spcBef>
                 <a:spcPts val="0"/>
               </a:spcBef>
@@ -4158,11 +4463,11 @@
 </file>
 
 <file path=ppt/slideLayouts/slideLayout7.xml><?xml version="1.0" encoding="utf-8"?>
-<p:sldLayout xmlns:a="http://schemas.openxmlformats.org/drawingml/2006/main" xmlns:r="http://schemas.openxmlformats.org/officeDocument/2006/relationships" xmlns:mc="http://schemas.openxmlformats.org/markup-compatibility/2006" xmlns:mv="urn:schemas-microsoft-com:mac:vml" xmlns:p="http://schemas.openxmlformats.org/presentationml/2006/main" xmlns:c="http://schemas.openxmlformats.org/drawingml/2006/chart" xmlns:dgm="http://schemas.openxmlformats.org/drawingml/2006/diagram" xmlns:o="urn:schemas-microsoft-com:office:office" xmlns:v="urn:schemas-microsoft-com:vml" xmlns:pvml="urn:schemas-microsoft-com:office:powerpoint" xmlns:com="http://schemas.openxmlformats.org/drawingml/2006/compatibility" xmlns:p14="http://schemas.microsoft.com/office/powerpoint/2010/main" xmlns:p15="http://schemas.microsoft.com/office/powerpoint/2012/main" matchingName="Main point">
+<p:sldLayout xmlns:a="http://schemas.openxmlformats.org/drawingml/2006/main" xmlns:r="http://schemas.openxmlformats.org/officeDocument/2006/relationships" xmlns:p="http://schemas.openxmlformats.org/presentationml/2006/main" matchingName="Main point">
   <p:cSld name="MAIN_POINT">
     <p:spTree>
       <p:nvGrpSpPr>
-        <p:cNvPr id="32" name="Shape 32"/>
+        <p:cNvPr id="1" name="Shape 32"/>
         <p:cNvGrpSpPr/>
         <p:nvPr/>
       </p:nvGrpSpPr>
@@ -4177,7 +4482,9 @@
       <p:sp>
         <p:nvSpPr>
           <p:cNvPr id="33" name="Google Shape;33;p8"/>
-          <p:cNvSpPr txBox="1"/>
+          <p:cNvSpPr txBox="1">
+            <a:spLocks noGrp="1"/>
+          </p:cNvSpPr>
           <p:nvPr>
             <p:ph type="title"/>
           </p:nvPr>
@@ -4192,7 +4499,7 @@
           </a:prstGeom>
         </p:spPr>
         <p:txBody>
-          <a:bodyPr anchorCtr="0" anchor="ctr" bIns="91425" lIns="91425" spcFirstLastPara="1" rIns="91425" wrap="square" tIns="91425">
+          <a:bodyPr spcFirstLastPara="1" wrap="square" lIns="91425" tIns="91425" rIns="91425" bIns="91425" anchor="ctr" anchorCtr="0">
             <a:noAutofit/>
           </a:bodyPr>
           <a:lstStyle>
@@ -4296,15 +4603,19 @@
               <a:defRPr sz="4800"/>
             </a:lvl9pPr>
           </a:lstStyle>
-          <a:p/>
+          <a:p>
+            <a:endParaRPr/>
+          </a:p>
         </p:txBody>
       </p:sp>
       <p:sp>
         <p:nvSpPr>
           <p:cNvPr id="34" name="Google Shape;34;p8"/>
-          <p:cNvSpPr txBox="1"/>
+          <p:cNvSpPr txBox="1">
+            <a:spLocks noGrp="1"/>
+          </p:cNvSpPr>
           <p:nvPr>
-            <p:ph idx="12" type="sldNum"/>
+            <p:ph type="sldNum" idx="12"/>
           </p:nvPr>
         </p:nvSpPr>
         <p:spPr>
@@ -4317,7 +4628,7 @@
           </a:prstGeom>
         </p:spPr>
         <p:txBody>
-          <a:bodyPr anchorCtr="0" anchor="ctr" bIns="91425" lIns="91425" spcFirstLastPara="1" rIns="91425" wrap="square" tIns="91425">
+          <a:bodyPr spcFirstLastPara="1" wrap="square" lIns="91425" tIns="91425" rIns="91425" bIns="91425" anchor="ctr" anchorCtr="0">
             <a:noAutofit/>
           </a:bodyPr>
           <a:lstStyle>
@@ -4359,7 +4670,7 @@
             </a:lvl9pPr>
           </a:lstStyle>
           <a:p>
-            <a:pPr indent="0" lvl="0" marL="0" rtl="0" algn="r">
+            <a:pPr marL="0" lvl="0" indent="0" algn="r" rtl="0">
               <a:spcBef>
                 <a:spcPts val="0"/>
               </a:spcBef>
@@ -4385,11 +4696,11 @@
 </file>
 
 <file path=ppt/slideLayouts/slideLayout8.xml><?xml version="1.0" encoding="utf-8"?>
-<p:sldLayout xmlns:a="http://schemas.openxmlformats.org/drawingml/2006/main" xmlns:r="http://schemas.openxmlformats.org/officeDocument/2006/relationships" xmlns:mc="http://schemas.openxmlformats.org/markup-compatibility/2006" xmlns:mv="urn:schemas-microsoft-com:mac:vml" xmlns:p="http://schemas.openxmlformats.org/presentationml/2006/main" xmlns:c="http://schemas.openxmlformats.org/drawingml/2006/chart" xmlns:dgm="http://schemas.openxmlformats.org/drawingml/2006/diagram" xmlns:o="urn:schemas-microsoft-com:office:office" xmlns:v="urn:schemas-microsoft-com:vml" xmlns:pvml="urn:schemas-microsoft-com:office:powerpoint" xmlns:com="http://schemas.openxmlformats.org/drawingml/2006/compatibility" xmlns:p14="http://schemas.microsoft.com/office/powerpoint/2010/main" xmlns:p15="http://schemas.microsoft.com/office/powerpoint/2012/main" matchingName="Section title and description">
+<p:sldLayout xmlns:a="http://schemas.openxmlformats.org/drawingml/2006/main" xmlns:r="http://schemas.openxmlformats.org/officeDocument/2006/relationships" xmlns:p="http://schemas.openxmlformats.org/presentationml/2006/main" matchingName="Section title and description">
   <p:cSld name="SECTION_TITLE_AND_DESCRIPTION">
     <p:spTree>
       <p:nvGrpSpPr>
-        <p:cNvPr id="35" name="Shape 35"/>
+        <p:cNvPr id="1" name="Shape 35"/>
         <p:cNvGrpSpPr/>
         <p:nvPr/>
       </p:nvGrpSpPr>
@@ -4423,12 +4734,12 @@
           </a:ln>
         </p:spPr>
         <p:txBody>
-          <a:bodyPr anchorCtr="0" anchor="ctr" bIns="91425" lIns="91425" spcFirstLastPara="1" rIns="91425" wrap="square" tIns="91425">
+          <a:bodyPr spcFirstLastPara="1" wrap="square" lIns="91425" tIns="91425" rIns="91425" bIns="91425" anchor="ctr" anchorCtr="0">
             <a:noAutofit/>
           </a:bodyPr>
           <a:lstStyle/>
           <a:p>
-            <a:pPr indent="0" lvl="0" marL="0" rtl="0" algn="l">
+            <a:pPr marL="0" lvl="0" indent="0" algn="l" rtl="0">
               <a:spcBef>
                 <a:spcPts val="0"/>
               </a:spcBef>
@@ -4437,9 +4748,6 @@
               </a:spcAft>
               <a:buNone/>
             </a:pPr>
-            <a:r>
-              <a:t/>
-            </a:r>
             <a:endParaRPr/>
           </a:p>
         </p:txBody>
@@ -4447,7 +4755,9 @@
       <p:sp>
         <p:nvSpPr>
           <p:cNvPr id="37" name="Google Shape;37;p9"/>
-          <p:cNvSpPr txBox="1"/>
+          <p:cNvSpPr txBox="1">
+            <a:spLocks noGrp="1"/>
+          </p:cNvSpPr>
           <p:nvPr>
             <p:ph type="title"/>
           </p:nvPr>
@@ -4462,7 +4772,7 @@
           </a:prstGeom>
         </p:spPr>
         <p:txBody>
-          <a:bodyPr anchorCtr="0" anchor="b" bIns="91425" lIns="91425" spcFirstLastPara="1" rIns="91425" wrap="square" tIns="91425">
+          <a:bodyPr spcFirstLastPara="1" wrap="square" lIns="91425" tIns="91425" rIns="91425" bIns="91425" anchor="b" anchorCtr="0">
             <a:noAutofit/>
           </a:bodyPr>
           <a:lstStyle>
@@ -4566,15 +4876,19 @@
               <a:defRPr sz="4200"/>
             </a:lvl9pPr>
           </a:lstStyle>
-          <a:p/>
+          <a:p>
+            <a:endParaRPr/>
+          </a:p>
         </p:txBody>
       </p:sp>
       <p:sp>
         <p:nvSpPr>
           <p:cNvPr id="38" name="Google Shape;38;p9"/>
-          <p:cNvSpPr txBox="1"/>
+          <p:cNvSpPr txBox="1">
+            <a:spLocks noGrp="1"/>
+          </p:cNvSpPr>
           <p:nvPr>
-            <p:ph idx="1" type="subTitle"/>
+            <p:ph type="subTitle" idx="1"/>
           </p:nvPr>
         </p:nvSpPr>
         <p:spPr>
@@ -4587,7 +4901,7 @@
           </a:prstGeom>
         </p:spPr>
         <p:txBody>
-          <a:bodyPr anchorCtr="0" anchor="t" bIns="91425" lIns="91425" spcFirstLastPara="1" rIns="91425" wrap="square" tIns="91425">
+          <a:bodyPr spcFirstLastPara="1" wrap="square" lIns="91425" tIns="91425" rIns="91425" bIns="91425" anchor="t" anchorCtr="0">
             <a:noAutofit/>
           </a:bodyPr>
           <a:lstStyle>
@@ -4718,15 +5032,19 @@
               <a:defRPr sz="2100"/>
             </a:lvl9pPr>
           </a:lstStyle>
-          <a:p/>
+          <a:p>
+            <a:endParaRPr/>
+          </a:p>
         </p:txBody>
       </p:sp>
       <p:sp>
         <p:nvSpPr>
           <p:cNvPr id="39" name="Google Shape;39;p9"/>
-          <p:cNvSpPr txBox="1"/>
+          <p:cNvSpPr txBox="1">
+            <a:spLocks noGrp="1"/>
+          </p:cNvSpPr>
           <p:nvPr>
-            <p:ph idx="2" type="body"/>
+            <p:ph type="body" idx="2"/>
           </p:nvPr>
         </p:nvSpPr>
         <p:spPr>
@@ -4739,11 +5057,11 @@
           </a:prstGeom>
         </p:spPr>
         <p:txBody>
-          <a:bodyPr anchorCtr="0" anchor="ctr" bIns="91425" lIns="91425" spcFirstLastPara="1" rIns="91425" wrap="square" tIns="91425">
+          <a:bodyPr spcFirstLastPara="1" wrap="square" lIns="91425" tIns="91425" rIns="91425" bIns="91425" anchor="ctr" anchorCtr="0">
             <a:noAutofit/>
           </a:bodyPr>
           <a:lstStyle>
-            <a:lvl1pPr indent="-342900" lvl="0" marL="457200">
+            <a:lvl1pPr marL="457200" lvl="0" indent="-342900">
               <a:spcBef>
                 <a:spcPts val="0"/>
               </a:spcBef>
@@ -4754,7 +5072,7 @@
               <a:buChar char="●"/>
               <a:defRPr/>
             </a:lvl1pPr>
-            <a:lvl2pPr indent="-317500" lvl="1" marL="914400">
+            <a:lvl2pPr marL="914400" lvl="1" indent="-317500">
               <a:spcBef>
                 <a:spcPts val="1600"/>
               </a:spcBef>
@@ -4765,7 +5083,7 @@
               <a:buChar char="○"/>
               <a:defRPr/>
             </a:lvl2pPr>
-            <a:lvl3pPr indent="-317500" lvl="2" marL="1371600">
+            <a:lvl3pPr marL="1371600" lvl="2" indent="-317500">
               <a:spcBef>
                 <a:spcPts val="1600"/>
               </a:spcBef>
@@ -4776,7 +5094,7 @@
               <a:buChar char="■"/>
               <a:defRPr/>
             </a:lvl3pPr>
-            <a:lvl4pPr indent="-317500" lvl="3" marL="1828800">
+            <a:lvl4pPr marL="1828800" lvl="3" indent="-317500">
               <a:spcBef>
                 <a:spcPts val="1600"/>
               </a:spcBef>
@@ -4787,7 +5105,7 @@
               <a:buChar char="●"/>
               <a:defRPr/>
             </a:lvl4pPr>
-            <a:lvl5pPr indent="-317500" lvl="4" marL="2286000">
+            <a:lvl5pPr marL="2286000" lvl="4" indent="-317500">
               <a:spcBef>
                 <a:spcPts val="1600"/>
               </a:spcBef>
@@ -4798,7 +5116,7 @@
               <a:buChar char="○"/>
               <a:defRPr/>
             </a:lvl5pPr>
-            <a:lvl6pPr indent="-317500" lvl="5" marL="2743200">
+            <a:lvl6pPr marL="2743200" lvl="5" indent="-317500">
               <a:spcBef>
                 <a:spcPts val="1600"/>
               </a:spcBef>
@@ -4809,7 +5127,7 @@
               <a:buChar char="■"/>
               <a:defRPr/>
             </a:lvl6pPr>
-            <a:lvl7pPr indent="-317500" lvl="6" marL="3200400">
+            <a:lvl7pPr marL="3200400" lvl="6" indent="-317500">
               <a:spcBef>
                 <a:spcPts val="1600"/>
               </a:spcBef>
@@ -4820,7 +5138,7 @@
               <a:buChar char="●"/>
               <a:defRPr/>
             </a:lvl7pPr>
-            <a:lvl8pPr indent="-317500" lvl="7" marL="3657600">
+            <a:lvl8pPr marL="3657600" lvl="7" indent="-317500">
               <a:spcBef>
                 <a:spcPts val="1600"/>
               </a:spcBef>
@@ -4831,7 +5149,7 @@
               <a:buChar char="○"/>
               <a:defRPr/>
             </a:lvl8pPr>
-            <a:lvl9pPr indent="-317500" lvl="8" marL="4114800">
+            <a:lvl9pPr marL="4114800" lvl="8" indent="-317500">
               <a:spcBef>
                 <a:spcPts val="1600"/>
               </a:spcBef>
@@ -4843,15 +5161,19 @@
               <a:defRPr/>
             </a:lvl9pPr>
           </a:lstStyle>
-          <a:p/>
+          <a:p>
+            <a:endParaRPr/>
+          </a:p>
         </p:txBody>
       </p:sp>
       <p:sp>
         <p:nvSpPr>
           <p:cNvPr id="40" name="Google Shape;40;p9"/>
-          <p:cNvSpPr txBox="1"/>
+          <p:cNvSpPr txBox="1">
+            <a:spLocks noGrp="1"/>
+          </p:cNvSpPr>
           <p:nvPr>
-            <p:ph idx="12" type="sldNum"/>
+            <p:ph type="sldNum" idx="12"/>
           </p:nvPr>
         </p:nvSpPr>
         <p:spPr>
@@ -4864,7 +5186,7 @@
           </a:prstGeom>
         </p:spPr>
         <p:txBody>
-          <a:bodyPr anchorCtr="0" anchor="ctr" bIns="91425" lIns="91425" spcFirstLastPara="1" rIns="91425" wrap="square" tIns="91425">
+          <a:bodyPr spcFirstLastPara="1" wrap="square" lIns="91425" tIns="91425" rIns="91425" bIns="91425" anchor="ctr" anchorCtr="0">
             <a:noAutofit/>
           </a:bodyPr>
           <a:lstStyle>
@@ -4906,7 +5228,7 @@
             </a:lvl9pPr>
           </a:lstStyle>
           <a:p>
-            <a:pPr indent="0" lvl="0" marL="0" rtl="0" algn="r">
+            <a:pPr marL="0" lvl="0" indent="0" algn="r" rtl="0">
               <a:spcBef>
                 <a:spcPts val="0"/>
               </a:spcBef>
@@ -4932,11 +5254,11 @@
 </file>
 
 <file path=ppt/slideLayouts/slideLayout9.xml><?xml version="1.0" encoding="utf-8"?>
-<p:sldLayout xmlns:a="http://schemas.openxmlformats.org/drawingml/2006/main" xmlns:r="http://schemas.openxmlformats.org/officeDocument/2006/relationships" xmlns:mc="http://schemas.openxmlformats.org/markup-compatibility/2006" xmlns:mv="urn:schemas-microsoft-com:mac:vml" xmlns:p="http://schemas.openxmlformats.org/presentationml/2006/main" xmlns:c="http://schemas.openxmlformats.org/drawingml/2006/chart" xmlns:dgm="http://schemas.openxmlformats.org/drawingml/2006/diagram" xmlns:o="urn:schemas-microsoft-com:office:office" xmlns:v="urn:schemas-microsoft-com:vml" xmlns:pvml="urn:schemas-microsoft-com:office:powerpoint" xmlns:com="http://schemas.openxmlformats.org/drawingml/2006/compatibility" xmlns:p14="http://schemas.microsoft.com/office/powerpoint/2010/main" xmlns:p15="http://schemas.microsoft.com/office/powerpoint/2012/main" matchingName="Caption">
+<p:sldLayout xmlns:a="http://schemas.openxmlformats.org/drawingml/2006/main" xmlns:r="http://schemas.openxmlformats.org/officeDocument/2006/relationships" xmlns:p="http://schemas.openxmlformats.org/presentationml/2006/main" matchingName="Caption">
   <p:cSld name="CAPTION_ONLY">
     <p:spTree>
       <p:nvGrpSpPr>
-        <p:cNvPr id="41" name="Shape 41"/>
+        <p:cNvPr id="1" name="Shape 41"/>
         <p:cNvGrpSpPr/>
         <p:nvPr/>
       </p:nvGrpSpPr>
@@ -4951,9 +5273,11 @@
       <p:sp>
         <p:nvSpPr>
           <p:cNvPr id="42" name="Google Shape;42;p10"/>
-          <p:cNvSpPr txBox="1"/>
+          <p:cNvSpPr txBox="1">
+            <a:spLocks noGrp="1"/>
+          </p:cNvSpPr>
           <p:nvPr>
-            <p:ph idx="1" type="body"/>
+            <p:ph type="body" idx="1"/>
           </p:nvPr>
         </p:nvSpPr>
         <p:spPr>
@@ -4966,11 +5290,11 @@
           </a:prstGeom>
         </p:spPr>
         <p:txBody>
-          <a:bodyPr anchorCtr="0" anchor="ctr" bIns="91425" lIns="91425" spcFirstLastPara="1" rIns="91425" wrap="square" tIns="91425">
+          <a:bodyPr spcFirstLastPara="1" wrap="square" lIns="91425" tIns="91425" rIns="91425" bIns="91425" anchor="ctr" anchorCtr="0">
             <a:noAutofit/>
           </a:bodyPr>
           <a:lstStyle>
-            <a:lvl1pPr indent="-228600" lvl="0" marL="457200">
+            <a:lvl1pPr marL="457200" lvl="0" indent="-228600">
               <a:lnSpc>
                 <a:spcPct val="100000"/>
               </a:lnSpc>
@@ -4985,15 +5309,19 @@
               <a:defRPr/>
             </a:lvl1pPr>
           </a:lstStyle>
-          <a:p/>
+          <a:p>
+            <a:endParaRPr/>
+          </a:p>
         </p:txBody>
       </p:sp>
       <p:sp>
         <p:nvSpPr>
           <p:cNvPr id="43" name="Google Shape;43;p10"/>
-          <p:cNvSpPr txBox="1"/>
+          <p:cNvSpPr txBox="1">
+            <a:spLocks noGrp="1"/>
+          </p:cNvSpPr>
           <p:nvPr>
-            <p:ph idx="12" type="sldNum"/>
+            <p:ph type="sldNum" idx="12"/>
           </p:nvPr>
         </p:nvSpPr>
         <p:spPr>
@@ -5006,7 +5334,7 @@
           </a:prstGeom>
         </p:spPr>
         <p:txBody>
-          <a:bodyPr anchorCtr="0" anchor="ctr" bIns="91425" lIns="91425" spcFirstLastPara="1" rIns="91425" wrap="square" tIns="91425">
+          <a:bodyPr spcFirstLastPara="1" wrap="square" lIns="91425" tIns="91425" rIns="91425" bIns="91425" anchor="ctr" anchorCtr="0">
             <a:noAutofit/>
           </a:bodyPr>
           <a:lstStyle>
@@ -5048,7 +5376,7 @@
             </a:lvl9pPr>
           </a:lstStyle>
           <a:p>
-            <a:pPr indent="0" lvl="0" marL="0" rtl="0" algn="r">
+            <a:pPr marL="0" lvl="0" indent="0" algn="r" rtl="0">
               <a:spcBef>
                 <a:spcPts val="0"/>
               </a:spcBef>
@@ -5074,18 +5402,19 @@
 </file>
 
 <file path=ppt/slideMasters/slideMaster1.xml><?xml version="1.0" encoding="utf-8"?>
-<p:sldMaster xmlns:a="http://schemas.openxmlformats.org/drawingml/2006/main" xmlns:r="http://schemas.openxmlformats.org/officeDocument/2006/relationships" xmlns:mc="http://schemas.openxmlformats.org/markup-compatibility/2006" xmlns:mv="urn:schemas-microsoft-com:mac:vml" xmlns:p="http://schemas.openxmlformats.org/presentationml/2006/main" xmlns:c="http://schemas.openxmlformats.org/drawingml/2006/chart" xmlns:dgm="http://schemas.openxmlformats.org/drawingml/2006/diagram" xmlns:o="urn:schemas-microsoft-com:office:office" xmlns:v="urn:schemas-microsoft-com:vml" xmlns:pvml="urn:schemas-microsoft-com:office:powerpoint" xmlns:com="http://schemas.openxmlformats.org/drawingml/2006/compatibility" xmlns:p14="http://schemas.microsoft.com/office/powerpoint/2010/main" xmlns:p15="http://schemas.microsoft.com/office/powerpoint/2012/main">
+<p:sldMaster xmlns:a="http://schemas.openxmlformats.org/drawingml/2006/main" xmlns:r="http://schemas.openxmlformats.org/officeDocument/2006/relationships" xmlns:p="http://schemas.openxmlformats.org/presentationml/2006/main">
   <p:cSld name="simple-light-2">
     <p:bg>
       <p:bgPr>
         <a:solidFill>
           <a:schemeClr val="lt1"/>
         </a:solidFill>
+        <a:effectLst/>
       </p:bgPr>
     </p:bg>
     <p:spTree>
       <p:nvGrpSpPr>
-        <p:cNvPr id="5" name="Shape 5"/>
+        <p:cNvPr id="1" name="Shape 5"/>
         <p:cNvGrpSpPr/>
         <p:nvPr/>
       </p:nvGrpSpPr>
@@ -5100,7 +5429,9 @@
       <p:sp>
         <p:nvSpPr>
           <p:cNvPr id="6" name="Google Shape;6;p1"/>
-          <p:cNvSpPr txBox="1"/>
+          <p:cNvSpPr txBox="1">
+            <a:spLocks noGrp="1"/>
+          </p:cNvSpPr>
           <p:nvPr>
             <p:ph type="title"/>
           </p:nvPr>
@@ -5119,7 +5450,7 @@
           </a:ln>
         </p:spPr>
         <p:txBody>
-          <a:bodyPr anchorCtr="0" anchor="t" bIns="91425" lIns="91425" spcFirstLastPara="1" rIns="91425" wrap="square" tIns="91425">
+          <a:bodyPr spcFirstLastPara="1" wrap="square" lIns="91425" tIns="91425" rIns="91425" bIns="91425" anchor="t" anchorCtr="0">
             <a:noAutofit/>
           </a:bodyPr>
           <a:lstStyle>
@@ -5286,15 +5617,19 @@
               </a:defRPr>
             </a:lvl9pPr>
           </a:lstStyle>
-          <a:p/>
+          <a:p>
+            <a:endParaRPr/>
+          </a:p>
         </p:txBody>
       </p:sp>
       <p:sp>
         <p:nvSpPr>
           <p:cNvPr id="7" name="Google Shape;7;p1"/>
-          <p:cNvSpPr txBox="1"/>
+          <p:cNvSpPr txBox="1">
+            <a:spLocks noGrp="1"/>
+          </p:cNvSpPr>
           <p:nvPr>
-            <p:ph idx="1" type="body"/>
+            <p:ph type="body" idx="1"/>
           </p:nvPr>
         </p:nvSpPr>
         <p:spPr>
@@ -5311,11 +5646,11 @@
           </a:ln>
         </p:spPr>
         <p:txBody>
-          <a:bodyPr anchorCtr="0" anchor="t" bIns="91425" lIns="91425" spcFirstLastPara="1" rIns="91425" wrap="square" tIns="91425">
+          <a:bodyPr spcFirstLastPara="1" wrap="square" lIns="91425" tIns="91425" rIns="91425" bIns="91425" anchor="t" anchorCtr="0">
             <a:noAutofit/>
           </a:bodyPr>
           <a:lstStyle>
-            <a:lvl1pPr indent="-342900" lvl="0" marL="457200">
+            <a:lvl1pPr marL="457200" lvl="0" indent="-342900">
               <a:lnSpc>
                 <a:spcPct val="115000"/>
               </a:lnSpc>
@@ -5336,7 +5671,7 @@
                 </a:solidFill>
               </a:defRPr>
             </a:lvl1pPr>
-            <a:lvl2pPr indent="-317500" lvl="1" marL="914400">
+            <a:lvl2pPr marL="914400" lvl="1" indent="-317500">
               <a:lnSpc>
                 <a:spcPct val="115000"/>
               </a:lnSpc>
@@ -5357,7 +5692,7 @@
                 </a:solidFill>
               </a:defRPr>
             </a:lvl2pPr>
-            <a:lvl3pPr indent="-317500" lvl="2" marL="1371600">
+            <a:lvl3pPr marL="1371600" lvl="2" indent="-317500">
               <a:lnSpc>
                 <a:spcPct val="115000"/>
               </a:lnSpc>
@@ -5378,7 +5713,7 @@
                 </a:solidFill>
               </a:defRPr>
             </a:lvl3pPr>
-            <a:lvl4pPr indent="-317500" lvl="3" marL="1828800">
+            <a:lvl4pPr marL="1828800" lvl="3" indent="-317500">
               <a:lnSpc>
                 <a:spcPct val="115000"/>
               </a:lnSpc>
@@ -5399,7 +5734,7 @@
                 </a:solidFill>
               </a:defRPr>
             </a:lvl4pPr>
-            <a:lvl5pPr indent="-317500" lvl="4" marL="2286000">
+            <a:lvl5pPr marL="2286000" lvl="4" indent="-317500">
               <a:lnSpc>
                 <a:spcPct val="115000"/>
               </a:lnSpc>
@@ -5420,7 +5755,7 @@
                 </a:solidFill>
               </a:defRPr>
             </a:lvl5pPr>
-            <a:lvl6pPr indent="-317500" lvl="5" marL="2743200">
+            <a:lvl6pPr marL="2743200" lvl="5" indent="-317500">
               <a:lnSpc>
                 <a:spcPct val="115000"/>
               </a:lnSpc>
@@ -5441,7 +5776,7 @@
                 </a:solidFill>
               </a:defRPr>
             </a:lvl6pPr>
-            <a:lvl7pPr indent="-317500" lvl="6" marL="3200400">
+            <a:lvl7pPr marL="3200400" lvl="6" indent="-317500">
               <a:lnSpc>
                 <a:spcPct val="115000"/>
               </a:lnSpc>
@@ -5462,7 +5797,7 @@
                 </a:solidFill>
               </a:defRPr>
             </a:lvl7pPr>
-            <a:lvl8pPr indent="-317500" lvl="7" marL="3657600">
+            <a:lvl8pPr marL="3657600" lvl="7" indent="-317500">
               <a:lnSpc>
                 <a:spcPct val="115000"/>
               </a:lnSpc>
@@ -5483,7 +5818,7 @@
                 </a:solidFill>
               </a:defRPr>
             </a:lvl8pPr>
-            <a:lvl9pPr indent="-317500" lvl="8" marL="4114800">
+            <a:lvl9pPr marL="4114800" lvl="8" indent="-317500">
               <a:lnSpc>
                 <a:spcPct val="115000"/>
               </a:lnSpc>
@@ -5505,15 +5840,19 @@
               </a:defRPr>
             </a:lvl9pPr>
           </a:lstStyle>
-          <a:p/>
+          <a:p>
+            <a:endParaRPr/>
+          </a:p>
         </p:txBody>
       </p:sp>
       <p:sp>
         <p:nvSpPr>
           <p:cNvPr id="8" name="Google Shape;8;p1"/>
-          <p:cNvSpPr txBox="1"/>
+          <p:cNvSpPr txBox="1">
+            <a:spLocks noGrp="1"/>
+          </p:cNvSpPr>
           <p:nvPr>
-            <p:ph idx="12" type="sldNum"/>
+            <p:ph type="sldNum" idx="12"/>
           </p:nvPr>
         </p:nvSpPr>
         <p:spPr>
@@ -5530,7 +5869,7 @@
           </a:ln>
         </p:spPr>
         <p:txBody>
-          <a:bodyPr anchorCtr="0" anchor="ctr" bIns="91425" lIns="91425" spcFirstLastPara="1" rIns="91425" wrap="square" tIns="91425">
+          <a:bodyPr spcFirstLastPara="1" wrap="square" lIns="91425" tIns="91425" rIns="91425" bIns="91425" anchor="ctr" anchorCtr="0">
             <a:noAutofit/>
           </a:bodyPr>
           <a:lstStyle>
@@ -5608,7 +5947,7 @@
             </a:lvl9pPr>
           </a:lstStyle>
           <a:p>
-            <a:pPr indent="0" lvl="0" marL="0" rtl="0" algn="r">
+            <a:pPr marL="0" lvl="0" indent="0" algn="r" rtl="0">
               <a:spcBef>
                 <a:spcPts val="0"/>
               </a:spcBef>
@@ -5627,7 +5966,7 @@
       </p:sp>
     </p:spTree>
   </p:cSld>
-  <p:clrMap accent1="accent1" accent2="accent2" accent3="accent3" accent4="accent4" accent5="accent5" accent6="accent6" bg1="lt1" bg2="dk2" tx1="dk1" tx2="lt2" folHlink="folHlink" hlink="hlink"/>
+  <p:clrMap bg1="lt1" tx1="dk1" bg2="dk2" tx2="lt2" accent1="accent1" accent2="accent2" accent3="accent3" accent4="accent4" accent5="accent5" accent6="accent6" hlink="hlink" folHlink="folHlink"/>
   <p:sldLayoutIdLst>
     <p:sldLayoutId id="2147483648" r:id="rId1"/>
     <p:sldLayoutId id="2147483649" r:id="rId2"/>
@@ -5641,10 +5980,10 @@
     <p:sldLayoutId id="2147483657" r:id="rId10"/>
     <p:sldLayoutId id="2147483658" r:id="rId11"/>
   </p:sldLayoutIdLst>
-  <p:hf dt="0" ftr="0" hdr="0" sldNum="0"/>
+  <p:hf sldNum="0" hdr="0" ftr="0" dt="0"/>
   <p:txStyles>
     <p:titleStyle>
-      <a:defPPr lvl="0" marR="0" rtl="0" algn="l">
+      <a:defPPr marR="0" lvl="0" algn="l" rtl="0">
         <a:lnSpc>
           <a:spcPct val="100000"/>
         </a:lnSpc>
@@ -5655,7 +5994,7 @@
           <a:spcPts val="0"/>
         </a:spcAft>
       </a:defPPr>
-      <a:lvl1pPr lvl="0" marR="0" rtl="0" algn="l">
+      <a:lvl1pPr marR="0" lvl="0" algn="l" rtl="0">
         <a:lnSpc>
           <a:spcPct val="100000"/>
         </a:lnSpc>
@@ -5669,7 +6008,7 @@
           <a:srgbClr val="000000"/>
         </a:buClr>
         <a:buFont typeface="Arial"/>
-        <a:defRPr b="0" i="0" sz="1400" u="none" cap="none" strike="noStrike">
+        <a:defRPr sz="1400" b="0" i="0" u="none" strike="noStrike" cap="none">
           <a:solidFill>
             <a:srgbClr val="000000"/>
           </a:solidFill>
@@ -5679,7 +6018,7 @@
           <a:sym typeface="Arial"/>
         </a:defRPr>
       </a:lvl1pPr>
-      <a:lvl2pPr lvl="1" marR="0" rtl="0" algn="l">
+      <a:lvl2pPr marR="0" lvl="1" algn="l" rtl="0">
         <a:lnSpc>
           <a:spcPct val="100000"/>
         </a:lnSpc>
@@ -5693,7 +6032,7 @@
           <a:srgbClr val="000000"/>
         </a:buClr>
         <a:buFont typeface="Arial"/>
-        <a:defRPr b="0" i="0" sz="1400" u="none" cap="none" strike="noStrike">
+        <a:defRPr sz="1400" b="0" i="0" u="none" strike="noStrike" cap="none">
           <a:solidFill>
             <a:srgbClr val="000000"/>
           </a:solidFill>
@@ -5703,7 +6042,7 @@
           <a:sym typeface="Arial"/>
         </a:defRPr>
       </a:lvl2pPr>
-      <a:lvl3pPr lvl="2" marR="0" rtl="0" algn="l">
+      <a:lvl3pPr marR="0" lvl="2" algn="l" rtl="0">
         <a:lnSpc>
           <a:spcPct val="100000"/>
         </a:lnSpc>
@@ -5717,7 +6056,7 @@
           <a:srgbClr val="000000"/>
         </a:buClr>
         <a:buFont typeface="Arial"/>
-        <a:defRPr b="0" i="0" sz="1400" u="none" cap="none" strike="noStrike">
+        <a:defRPr sz="1400" b="0" i="0" u="none" strike="noStrike" cap="none">
           <a:solidFill>
             <a:srgbClr val="000000"/>
           </a:solidFill>
@@ -5727,7 +6066,7 @@
           <a:sym typeface="Arial"/>
         </a:defRPr>
       </a:lvl3pPr>
-      <a:lvl4pPr lvl="3" marR="0" rtl="0" algn="l">
+      <a:lvl4pPr marR="0" lvl="3" algn="l" rtl="0">
         <a:lnSpc>
           <a:spcPct val="100000"/>
         </a:lnSpc>
@@ -5741,7 +6080,7 @@
           <a:srgbClr val="000000"/>
         </a:buClr>
         <a:buFont typeface="Arial"/>
-        <a:defRPr b="0" i="0" sz="1400" u="none" cap="none" strike="noStrike">
+        <a:defRPr sz="1400" b="0" i="0" u="none" strike="noStrike" cap="none">
           <a:solidFill>
             <a:srgbClr val="000000"/>
           </a:solidFill>
@@ -5751,7 +6090,7 @@
           <a:sym typeface="Arial"/>
         </a:defRPr>
       </a:lvl4pPr>
-      <a:lvl5pPr lvl="4" marR="0" rtl="0" algn="l">
+      <a:lvl5pPr marR="0" lvl="4" algn="l" rtl="0">
         <a:lnSpc>
           <a:spcPct val="100000"/>
         </a:lnSpc>
@@ -5765,7 +6104,7 @@
           <a:srgbClr val="000000"/>
         </a:buClr>
         <a:buFont typeface="Arial"/>
-        <a:defRPr b="0" i="0" sz="1400" u="none" cap="none" strike="noStrike">
+        <a:defRPr sz="1400" b="0" i="0" u="none" strike="noStrike" cap="none">
           <a:solidFill>
             <a:srgbClr val="000000"/>
           </a:solidFill>
@@ -5775,7 +6114,7 @@
           <a:sym typeface="Arial"/>
         </a:defRPr>
       </a:lvl5pPr>
-      <a:lvl6pPr lvl="5" marR="0" rtl="0" algn="l">
+      <a:lvl6pPr marR="0" lvl="5" algn="l" rtl="0">
         <a:lnSpc>
           <a:spcPct val="100000"/>
         </a:lnSpc>
@@ -5789,7 +6128,7 @@
           <a:srgbClr val="000000"/>
         </a:buClr>
         <a:buFont typeface="Arial"/>
-        <a:defRPr b="0" i="0" sz="1400" u="none" cap="none" strike="noStrike">
+        <a:defRPr sz="1400" b="0" i="0" u="none" strike="noStrike" cap="none">
           <a:solidFill>
             <a:srgbClr val="000000"/>
           </a:solidFill>
@@ -5799,7 +6138,7 @@
           <a:sym typeface="Arial"/>
         </a:defRPr>
       </a:lvl6pPr>
-      <a:lvl7pPr lvl="6" marR="0" rtl="0" algn="l">
+      <a:lvl7pPr marR="0" lvl="6" algn="l" rtl="0">
         <a:lnSpc>
           <a:spcPct val="100000"/>
         </a:lnSpc>
@@ -5813,7 +6152,7 @@
           <a:srgbClr val="000000"/>
         </a:buClr>
         <a:buFont typeface="Arial"/>
-        <a:defRPr b="0" i="0" sz="1400" u="none" cap="none" strike="noStrike">
+        <a:defRPr sz="1400" b="0" i="0" u="none" strike="noStrike" cap="none">
           <a:solidFill>
             <a:srgbClr val="000000"/>
           </a:solidFill>
@@ -5823,7 +6162,7 @@
           <a:sym typeface="Arial"/>
         </a:defRPr>
       </a:lvl7pPr>
-      <a:lvl8pPr lvl="7" marR="0" rtl="0" algn="l">
+      <a:lvl8pPr marR="0" lvl="7" algn="l" rtl="0">
         <a:lnSpc>
           <a:spcPct val="100000"/>
         </a:lnSpc>
@@ -5837,7 +6176,7 @@
           <a:srgbClr val="000000"/>
         </a:buClr>
         <a:buFont typeface="Arial"/>
-        <a:defRPr b="0" i="0" sz="1400" u="none" cap="none" strike="noStrike">
+        <a:defRPr sz="1400" b="0" i="0" u="none" strike="noStrike" cap="none">
           <a:solidFill>
             <a:srgbClr val="000000"/>
           </a:solidFill>
@@ -5847,7 +6186,7 @@
           <a:sym typeface="Arial"/>
         </a:defRPr>
       </a:lvl8pPr>
-      <a:lvl9pPr lvl="8" marR="0" rtl="0" algn="l">
+      <a:lvl9pPr marR="0" lvl="8" algn="l" rtl="0">
         <a:lnSpc>
           <a:spcPct val="100000"/>
         </a:lnSpc>
@@ -5861,7 +6200,7 @@
           <a:srgbClr val="000000"/>
         </a:buClr>
         <a:buFont typeface="Arial"/>
-        <a:defRPr b="0" i="0" sz="1400" u="none" cap="none" strike="noStrike">
+        <a:defRPr sz="1400" b="0" i="0" u="none" strike="noStrike" cap="none">
           <a:solidFill>
             <a:srgbClr val="000000"/>
           </a:solidFill>
@@ -5873,7 +6212,7 @@
       </a:lvl9pPr>
     </p:titleStyle>
     <p:bodyStyle>
-      <a:defPPr lvl="0" marR="0" rtl="0" algn="l">
+      <a:defPPr marR="0" lvl="0" algn="l" rtl="0">
         <a:lnSpc>
           <a:spcPct val="100000"/>
         </a:lnSpc>
@@ -5884,7 +6223,7 @@
           <a:spcPts val="0"/>
         </a:spcAft>
       </a:defPPr>
-      <a:lvl1pPr lvl="0" marR="0" rtl="0" algn="l">
+      <a:lvl1pPr marR="0" lvl="0" algn="l" rtl="0">
         <a:lnSpc>
           <a:spcPct val="100000"/>
         </a:lnSpc>
@@ -5898,7 +6237,7 @@
           <a:srgbClr val="000000"/>
         </a:buClr>
         <a:buFont typeface="Arial"/>
-        <a:defRPr b="0" i="0" sz="1400" u="none" cap="none" strike="noStrike">
+        <a:defRPr sz="1400" b="0" i="0" u="none" strike="noStrike" cap="none">
           <a:solidFill>
             <a:srgbClr val="000000"/>
           </a:solidFill>
@@ -5908,7 +6247,7 @@
           <a:sym typeface="Arial"/>
         </a:defRPr>
       </a:lvl1pPr>
-      <a:lvl2pPr lvl="1" marR="0" rtl="0" algn="l">
+      <a:lvl2pPr marR="0" lvl="1" algn="l" rtl="0">
         <a:lnSpc>
           <a:spcPct val="100000"/>
         </a:lnSpc>
@@ -5922,7 +6261,7 @@
           <a:srgbClr val="000000"/>
         </a:buClr>
         <a:buFont typeface="Arial"/>
-        <a:defRPr b="0" i="0" sz="1400" u="none" cap="none" strike="noStrike">
+        <a:defRPr sz="1400" b="0" i="0" u="none" strike="noStrike" cap="none">
           <a:solidFill>
             <a:srgbClr val="000000"/>
           </a:solidFill>
@@ -5932,7 +6271,7 @@
           <a:sym typeface="Arial"/>
         </a:defRPr>
       </a:lvl2pPr>
-      <a:lvl3pPr lvl="2" marR="0" rtl="0" algn="l">
+      <a:lvl3pPr marR="0" lvl="2" algn="l" rtl="0">
         <a:lnSpc>
           <a:spcPct val="100000"/>
         </a:lnSpc>
@@ -5946,7 +6285,7 @@
           <a:srgbClr val="000000"/>
         </a:buClr>
         <a:buFont typeface="Arial"/>
-        <a:defRPr b="0" i="0" sz="1400" u="none" cap="none" strike="noStrike">
+        <a:defRPr sz="1400" b="0" i="0" u="none" strike="noStrike" cap="none">
           <a:solidFill>
             <a:srgbClr val="000000"/>
           </a:solidFill>
@@ -5956,7 +6295,7 @@
           <a:sym typeface="Arial"/>
         </a:defRPr>
       </a:lvl3pPr>
-      <a:lvl4pPr lvl="3" marR="0" rtl="0" algn="l">
+      <a:lvl4pPr marR="0" lvl="3" algn="l" rtl="0">
         <a:lnSpc>
           <a:spcPct val="100000"/>
         </a:lnSpc>
@@ -5970,7 +6309,7 @@
           <a:srgbClr val="000000"/>
         </a:buClr>
         <a:buFont typeface="Arial"/>
-        <a:defRPr b="0" i="0" sz="1400" u="none" cap="none" strike="noStrike">
+        <a:defRPr sz="1400" b="0" i="0" u="none" strike="noStrike" cap="none">
           <a:solidFill>
             <a:srgbClr val="000000"/>
           </a:solidFill>
@@ -5980,7 +6319,7 @@
           <a:sym typeface="Arial"/>
         </a:defRPr>
       </a:lvl4pPr>
-      <a:lvl5pPr lvl="4" marR="0" rtl="0" algn="l">
+      <a:lvl5pPr marR="0" lvl="4" algn="l" rtl="0">
         <a:lnSpc>
           <a:spcPct val="100000"/>
         </a:lnSpc>
@@ -5994,7 +6333,7 @@
           <a:srgbClr val="000000"/>
         </a:buClr>
         <a:buFont typeface="Arial"/>
-        <a:defRPr b="0" i="0" sz="1400" u="none" cap="none" strike="noStrike">
+        <a:defRPr sz="1400" b="0" i="0" u="none" strike="noStrike" cap="none">
           <a:solidFill>
             <a:srgbClr val="000000"/>
           </a:solidFill>
@@ -6004,7 +6343,7 @@
           <a:sym typeface="Arial"/>
         </a:defRPr>
       </a:lvl5pPr>
-      <a:lvl6pPr lvl="5" marR="0" rtl="0" algn="l">
+      <a:lvl6pPr marR="0" lvl="5" algn="l" rtl="0">
         <a:lnSpc>
           <a:spcPct val="100000"/>
         </a:lnSpc>
@@ -6018,7 +6357,7 @@
           <a:srgbClr val="000000"/>
         </a:buClr>
         <a:buFont typeface="Arial"/>
-        <a:defRPr b="0" i="0" sz="1400" u="none" cap="none" strike="noStrike">
+        <a:defRPr sz="1400" b="0" i="0" u="none" strike="noStrike" cap="none">
           <a:solidFill>
             <a:srgbClr val="000000"/>
           </a:solidFill>
@@ -6028,7 +6367,7 @@
           <a:sym typeface="Arial"/>
         </a:defRPr>
       </a:lvl6pPr>
-      <a:lvl7pPr lvl="6" marR="0" rtl="0" algn="l">
+      <a:lvl7pPr marR="0" lvl="6" algn="l" rtl="0">
         <a:lnSpc>
           <a:spcPct val="100000"/>
         </a:lnSpc>
@@ -6042,7 +6381,7 @@
           <a:srgbClr val="000000"/>
         </a:buClr>
         <a:buFont typeface="Arial"/>
-        <a:defRPr b="0" i="0" sz="1400" u="none" cap="none" strike="noStrike">
+        <a:defRPr sz="1400" b="0" i="0" u="none" strike="noStrike" cap="none">
           <a:solidFill>
             <a:srgbClr val="000000"/>
           </a:solidFill>
@@ -6052,7 +6391,7 @@
           <a:sym typeface="Arial"/>
         </a:defRPr>
       </a:lvl7pPr>
-      <a:lvl8pPr lvl="7" marR="0" rtl="0" algn="l">
+      <a:lvl8pPr marR="0" lvl="7" algn="l" rtl="0">
         <a:lnSpc>
           <a:spcPct val="100000"/>
         </a:lnSpc>
@@ -6066,7 +6405,7 @@
           <a:srgbClr val="000000"/>
         </a:buClr>
         <a:buFont typeface="Arial"/>
-        <a:defRPr b="0" i="0" sz="1400" u="none" cap="none" strike="noStrike">
+        <a:defRPr sz="1400" b="0" i="0" u="none" strike="noStrike" cap="none">
           <a:solidFill>
             <a:srgbClr val="000000"/>
           </a:solidFill>
@@ -6076,7 +6415,7 @@
           <a:sym typeface="Arial"/>
         </a:defRPr>
       </a:lvl8pPr>
-      <a:lvl9pPr lvl="8" marR="0" rtl="0" algn="l">
+      <a:lvl9pPr marR="0" lvl="8" algn="l" rtl="0">
         <a:lnSpc>
           <a:spcPct val="100000"/>
         </a:lnSpc>
@@ -6090,7 +6429,7 @@
           <a:srgbClr val="000000"/>
         </a:buClr>
         <a:buFont typeface="Arial"/>
-        <a:defRPr b="0" i="0" sz="1400" u="none" cap="none" strike="noStrike">
+        <a:defRPr sz="1400" b="0" i="0" u="none" strike="noStrike" cap="none">
           <a:solidFill>
             <a:srgbClr val="000000"/>
           </a:solidFill>
@@ -6102,7 +6441,7 @@
       </a:lvl9pPr>
     </p:bodyStyle>
     <p:otherStyle>
-      <a:defPPr lvl="0" marR="0" rtl="0" algn="l">
+      <a:defPPr marR="0" lvl="0" algn="l" rtl="0">
         <a:lnSpc>
           <a:spcPct val="100000"/>
         </a:lnSpc>
@@ -6113,7 +6452,7 @@
           <a:spcPts val="0"/>
         </a:spcAft>
       </a:defPPr>
-      <a:lvl1pPr lvl="0" marR="0" rtl="0" algn="l">
+      <a:lvl1pPr marR="0" lvl="0" algn="l" rtl="0">
         <a:lnSpc>
           <a:spcPct val="100000"/>
         </a:lnSpc>
@@ -6127,7 +6466,7 @@
           <a:srgbClr val="000000"/>
         </a:buClr>
         <a:buFont typeface="Arial"/>
-        <a:defRPr b="0" i="0" sz="1400" u="none" cap="none" strike="noStrike">
+        <a:defRPr sz="1400" b="0" i="0" u="none" strike="noStrike" cap="none">
           <a:solidFill>
             <a:srgbClr val="000000"/>
           </a:solidFill>
@@ -6137,7 +6476,7 @@
           <a:sym typeface="Arial"/>
         </a:defRPr>
       </a:lvl1pPr>
-      <a:lvl2pPr lvl="1" marR="0" rtl="0" algn="l">
+      <a:lvl2pPr marR="0" lvl="1" algn="l" rtl="0">
         <a:lnSpc>
           <a:spcPct val="100000"/>
         </a:lnSpc>
@@ -6151,7 +6490,7 @@
           <a:srgbClr val="000000"/>
         </a:buClr>
         <a:buFont typeface="Arial"/>
-        <a:defRPr b="0" i="0" sz="1400" u="none" cap="none" strike="noStrike">
+        <a:defRPr sz="1400" b="0" i="0" u="none" strike="noStrike" cap="none">
           <a:solidFill>
             <a:srgbClr val="000000"/>
           </a:solidFill>
@@ -6161,7 +6500,7 @@
           <a:sym typeface="Arial"/>
         </a:defRPr>
       </a:lvl2pPr>
-      <a:lvl3pPr lvl="2" marR="0" rtl="0" algn="l">
+      <a:lvl3pPr marR="0" lvl="2" algn="l" rtl="0">
         <a:lnSpc>
           <a:spcPct val="100000"/>
         </a:lnSpc>
@@ -6175,7 +6514,7 @@
           <a:srgbClr val="000000"/>
         </a:buClr>
         <a:buFont typeface="Arial"/>
-        <a:defRPr b="0" i="0" sz="1400" u="none" cap="none" strike="noStrike">
+        <a:defRPr sz="1400" b="0" i="0" u="none" strike="noStrike" cap="none">
           <a:solidFill>
             <a:srgbClr val="000000"/>
           </a:solidFill>
@@ -6185,7 +6524,7 @@
           <a:sym typeface="Arial"/>
         </a:defRPr>
       </a:lvl3pPr>
-      <a:lvl4pPr lvl="3" marR="0" rtl="0" algn="l">
+      <a:lvl4pPr marR="0" lvl="3" algn="l" rtl="0">
         <a:lnSpc>
           <a:spcPct val="100000"/>
         </a:lnSpc>
@@ -6199,7 +6538,7 @@
           <a:srgbClr val="000000"/>
         </a:buClr>
         <a:buFont typeface="Arial"/>
-        <a:defRPr b="0" i="0" sz="1400" u="none" cap="none" strike="noStrike">
+        <a:defRPr sz="1400" b="0" i="0" u="none" strike="noStrike" cap="none">
           <a:solidFill>
             <a:srgbClr val="000000"/>
           </a:solidFill>
@@ -6209,7 +6548,7 @@
           <a:sym typeface="Arial"/>
         </a:defRPr>
       </a:lvl4pPr>
-      <a:lvl5pPr lvl="4" marR="0" rtl="0" algn="l">
+      <a:lvl5pPr marR="0" lvl="4" algn="l" rtl="0">
         <a:lnSpc>
           <a:spcPct val="100000"/>
         </a:lnSpc>
@@ -6223,7 +6562,7 @@
           <a:srgbClr val="000000"/>
         </a:buClr>
         <a:buFont typeface="Arial"/>
-        <a:defRPr b="0" i="0" sz="1400" u="none" cap="none" strike="noStrike">
+        <a:defRPr sz="1400" b="0" i="0" u="none" strike="noStrike" cap="none">
           <a:solidFill>
             <a:srgbClr val="000000"/>
           </a:solidFill>
@@ -6233,7 +6572,7 @@
           <a:sym typeface="Arial"/>
         </a:defRPr>
       </a:lvl5pPr>
-      <a:lvl6pPr lvl="5" marR="0" rtl="0" algn="l">
+      <a:lvl6pPr marR="0" lvl="5" algn="l" rtl="0">
         <a:lnSpc>
           <a:spcPct val="100000"/>
         </a:lnSpc>
@@ -6247,7 +6586,7 @@
           <a:srgbClr val="000000"/>
         </a:buClr>
         <a:buFont typeface="Arial"/>
-        <a:defRPr b="0" i="0" sz="1400" u="none" cap="none" strike="noStrike">
+        <a:defRPr sz="1400" b="0" i="0" u="none" strike="noStrike" cap="none">
           <a:solidFill>
             <a:srgbClr val="000000"/>
           </a:solidFill>
@@ -6257,7 +6596,7 @@
           <a:sym typeface="Arial"/>
         </a:defRPr>
       </a:lvl6pPr>
-      <a:lvl7pPr lvl="6" marR="0" rtl="0" algn="l">
+      <a:lvl7pPr marR="0" lvl="6" algn="l" rtl="0">
         <a:lnSpc>
           <a:spcPct val="100000"/>
         </a:lnSpc>
@@ -6271,7 +6610,7 @@
           <a:srgbClr val="000000"/>
         </a:buClr>
         <a:buFont typeface="Arial"/>
-        <a:defRPr b="0" i="0" sz="1400" u="none" cap="none" strike="noStrike">
+        <a:defRPr sz="1400" b="0" i="0" u="none" strike="noStrike" cap="none">
           <a:solidFill>
             <a:srgbClr val="000000"/>
           </a:solidFill>
@@ -6281,7 +6620,7 @@
           <a:sym typeface="Arial"/>
         </a:defRPr>
       </a:lvl7pPr>
-      <a:lvl8pPr lvl="7" marR="0" rtl="0" algn="l">
+      <a:lvl8pPr marR="0" lvl="7" algn="l" rtl="0">
         <a:lnSpc>
           <a:spcPct val="100000"/>
         </a:lnSpc>
@@ -6295,7 +6634,7 @@
           <a:srgbClr val="000000"/>
         </a:buClr>
         <a:buFont typeface="Arial"/>
-        <a:defRPr b="0" i="0" sz="1400" u="none" cap="none" strike="noStrike">
+        <a:defRPr sz="1400" b="0" i="0" u="none" strike="noStrike" cap="none">
           <a:solidFill>
             <a:srgbClr val="000000"/>
           </a:solidFill>
@@ -6305,7 +6644,7 @@
           <a:sym typeface="Arial"/>
         </a:defRPr>
       </a:lvl8pPr>
-      <a:lvl9pPr lvl="8" marR="0" rtl="0" algn="l">
+      <a:lvl9pPr marR="0" lvl="8" algn="l" rtl="0">
         <a:lnSpc>
           <a:spcPct val="100000"/>
         </a:lnSpc>
@@ -6319,7 +6658,7 @@
           <a:srgbClr val="000000"/>
         </a:buClr>
         <a:buFont typeface="Arial"/>
-        <a:defRPr b="0" i="0" sz="1400" u="none" cap="none" strike="noStrike">
+        <a:defRPr sz="1400" b="0" i="0" u="none" strike="noStrike" cap="none">
           <a:solidFill>
             <a:srgbClr val="000000"/>
           </a:solidFill>
@@ -6335,11 +6674,11 @@
 </file>
 
 <file path=ppt/slides/slide1.xml><?xml version="1.0" encoding="utf-8"?>
-<p:sld xmlns:a="http://schemas.openxmlformats.org/drawingml/2006/main" xmlns:r="http://schemas.openxmlformats.org/officeDocument/2006/relationships" xmlns:mc="http://schemas.openxmlformats.org/markup-compatibility/2006" xmlns:mv="urn:schemas-microsoft-com:mac:vml" xmlns:p="http://schemas.openxmlformats.org/presentationml/2006/main" xmlns:c="http://schemas.openxmlformats.org/drawingml/2006/chart" xmlns:dgm="http://schemas.openxmlformats.org/drawingml/2006/diagram" xmlns:o="urn:schemas-microsoft-com:office:office" xmlns:v="urn:schemas-microsoft-com:vml" xmlns:pvml="urn:schemas-microsoft-com:office:powerpoint" xmlns:com="http://schemas.openxmlformats.org/drawingml/2006/compatibility" xmlns:p14="http://schemas.microsoft.com/office/powerpoint/2010/main" xmlns:p15="http://schemas.microsoft.com/office/powerpoint/2012/main">
+<p:sld xmlns:a="http://schemas.openxmlformats.org/drawingml/2006/main" xmlns:r="http://schemas.openxmlformats.org/officeDocument/2006/relationships" xmlns:p="http://schemas.openxmlformats.org/presentationml/2006/main">
   <p:cSld>
     <p:spTree>
       <p:nvGrpSpPr>
-        <p:cNvPr id="53" name="Shape 53"/>
+        <p:cNvPr id="1" name="Shape 53"/>
         <p:cNvGrpSpPr/>
         <p:nvPr/>
       </p:nvGrpSpPr>
@@ -6354,7 +6693,9 @@
       <p:sp>
         <p:nvSpPr>
           <p:cNvPr id="54" name="Google Shape;54;p13"/>
-          <p:cNvSpPr txBox="1"/>
+          <p:cNvSpPr txBox="1">
+            <a:spLocks noGrp="1"/>
+          </p:cNvSpPr>
           <p:nvPr>
             <p:ph type="ctrTitle"/>
           </p:nvPr>
@@ -6369,12 +6710,12 @@
           </a:prstGeom>
         </p:spPr>
         <p:txBody>
-          <a:bodyPr anchorCtr="0" anchor="b" bIns="91425" lIns="91425" spcFirstLastPara="1" rIns="91425" wrap="square" tIns="91425">
+          <a:bodyPr spcFirstLastPara="1" wrap="square" lIns="91425" tIns="91425" rIns="91425" bIns="91425" anchor="b" anchorCtr="0">
             <a:noAutofit/>
           </a:bodyPr>
           <a:lstStyle/>
           <a:p>
-            <a:pPr indent="0" lvl="0" marL="0" rtl="0" algn="ctr">
+            <a:pPr marL="0" lvl="0" indent="0" algn="ctr" rtl="0">
               <a:spcBef>
                 <a:spcPts val="0"/>
               </a:spcBef>
@@ -6394,9 +6735,11 @@
       <p:sp>
         <p:nvSpPr>
           <p:cNvPr id="55" name="Google Shape;55;p13"/>
-          <p:cNvSpPr txBox="1"/>
+          <p:cNvSpPr txBox="1">
+            <a:spLocks noGrp="1"/>
+          </p:cNvSpPr>
           <p:nvPr>
-            <p:ph idx="1" type="subTitle"/>
+            <p:ph type="subTitle" idx="1"/>
           </p:nvPr>
         </p:nvSpPr>
         <p:spPr>
@@ -6409,12 +6752,12 @@
           </a:prstGeom>
         </p:spPr>
         <p:txBody>
-          <a:bodyPr anchorCtr="0" anchor="t" bIns="91425" lIns="91425" spcFirstLastPara="1" rIns="91425" wrap="square" tIns="91425">
+          <a:bodyPr spcFirstLastPara="1" wrap="square" lIns="91425" tIns="91425" rIns="91425" bIns="91425" anchor="t" anchorCtr="0">
             <a:noAutofit/>
           </a:bodyPr>
           <a:lstStyle/>
           <a:p>
-            <a:pPr indent="0" lvl="0" marL="0" rtl="0" algn="ctr">
+            <a:pPr marL="0" lvl="0" indent="0" algn="ctr" rtl="0">
               <a:spcBef>
                 <a:spcPts val="0"/>
               </a:spcBef>
@@ -6424,13 +6767,13 @@
               <a:buNone/>
             </a:pPr>
             <a:r>
-              <a:rPr lang="en"/>
-              <a:t>Name</a:t>
+              <a:rPr lang="en-SG" dirty="0"/>
+              <a:t>Kok Jian Yu</a:t>
             </a:r>
-            <a:endParaRPr/>
-          </a:p>
-          <a:p>
-            <a:pPr indent="0" lvl="0" marL="0" rtl="0" algn="ctr">
+            <a:endParaRPr dirty="0"/>
+          </a:p>
+          <a:p>
+            <a:pPr marL="0" lvl="0" indent="0" algn="ctr" rtl="0">
               <a:spcBef>
                 <a:spcPts val="0"/>
               </a:spcBef>
@@ -6440,41 +6783,18 @@
               <a:buNone/>
             </a:pPr>
             <a:r>
-              <a:rPr lang="en"/>
-              <a:t>GT Email</a:t>
+              <a:rPr lang="en-SG" dirty="0"/>
+              <a:t>jkok7@gatech.edu</a:t>
             </a:r>
-            <a:endParaRPr/>
-          </a:p>
-          <a:p>
-            <a:pPr indent="0" lvl="0" marL="0" rtl="0" algn="ctr">
-              <a:spcBef>
-                <a:spcPts val="0"/>
-              </a:spcBef>
-              <a:spcAft>
-                <a:spcPts val="0"/>
-              </a:spcAft>
-              <a:buNone/>
-            </a:pPr>
+            <a:endParaRPr dirty="0"/>
+          </a:p>
+          <a:p>
+            <a:pPr marL="0" lvl="0" indent="0"/>
             <a:r>
-              <a:rPr lang="en"/>
-              <a:t>GT ID</a:t>
+              <a:rPr lang="en" dirty="0"/>
+              <a:t>903550380</a:t>
             </a:r>
-            <a:endParaRPr/>
-          </a:p>
-          <a:p>
-            <a:pPr indent="0" lvl="0" marL="0" rtl="0" algn="ctr">
-              <a:spcBef>
-                <a:spcPts val="0"/>
-              </a:spcBef>
-              <a:spcAft>
-                <a:spcPts val="0"/>
-              </a:spcAft>
-              <a:buNone/>
-            </a:pPr>
-            <a:r>
-              <a:t/>
-            </a:r>
-            <a:endParaRPr/>
+            <a:endParaRPr dirty="0"/>
           </a:p>
         </p:txBody>
       </p:sp>
@@ -6487,11 +6807,11 @@
 </file>
 
 <file path=ppt/slides/slide10.xml><?xml version="1.0" encoding="utf-8"?>
-<p:sld xmlns:a="http://schemas.openxmlformats.org/drawingml/2006/main" xmlns:r="http://schemas.openxmlformats.org/officeDocument/2006/relationships" xmlns:mc="http://schemas.openxmlformats.org/markup-compatibility/2006" xmlns:mv="urn:schemas-microsoft-com:mac:vml" xmlns:p="http://schemas.openxmlformats.org/presentationml/2006/main" xmlns:c="http://schemas.openxmlformats.org/drawingml/2006/chart" xmlns:dgm="http://schemas.openxmlformats.org/drawingml/2006/diagram" xmlns:o="urn:schemas-microsoft-com:office:office" xmlns:v="urn:schemas-microsoft-com:vml" xmlns:pvml="urn:schemas-microsoft-com:office:powerpoint" xmlns:com="http://schemas.openxmlformats.org/drawingml/2006/compatibility" xmlns:p14="http://schemas.microsoft.com/office/powerpoint/2010/main" xmlns:p15="http://schemas.microsoft.com/office/powerpoint/2012/main">
+<p:sld xmlns:a="http://schemas.openxmlformats.org/drawingml/2006/main" xmlns:r="http://schemas.openxmlformats.org/officeDocument/2006/relationships" xmlns:p="http://schemas.openxmlformats.org/presentationml/2006/main">
   <p:cSld>
     <p:spTree>
       <p:nvGrpSpPr>
-        <p:cNvPr id="108" name="Shape 108"/>
+        <p:cNvPr id="1" name="Shape 108"/>
         <p:cNvGrpSpPr/>
         <p:nvPr/>
       </p:nvGrpSpPr>
@@ -6506,7 +6826,9 @@
       <p:sp>
         <p:nvSpPr>
           <p:cNvPr id="109" name="Google Shape;109;p22"/>
-          <p:cNvSpPr txBox="1"/>
+          <p:cNvSpPr txBox="1">
+            <a:spLocks noGrp="1"/>
+          </p:cNvSpPr>
           <p:nvPr>
             <p:ph type="title"/>
           </p:nvPr>
@@ -6521,12 +6843,12 @@
           </a:prstGeom>
         </p:spPr>
         <p:txBody>
-          <a:bodyPr anchorCtr="0" anchor="t" bIns="91425" lIns="91425" spcFirstLastPara="1" rIns="91425" wrap="square" tIns="91425">
+          <a:bodyPr spcFirstLastPara="1" wrap="square" lIns="91425" tIns="91425" rIns="91425" bIns="91425" anchor="t" anchorCtr="0">
             <a:noAutofit/>
           </a:bodyPr>
           <a:lstStyle/>
           <a:p>
-            <a:pPr indent="0" lvl="0" marL="0" rtl="0" algn="l">
+            <a:pPr marL="0" lvl="0" indent="0" algn="l" rtl="0">
               <a:spcBef>
                 <a:spcPts val="0"/>
               </a:spcBef>
@@ -6546,9 +6868,11 @@
       <p:sp>
         <p:nvSpPr>
           <p:cNvPr id="110" name="Google Shape;110;p22"/>
-          <p:cNvSpPr txBox="1"/>
+          <p:cNvSpPr txBox="1">
+            <a:spLocks noGrp="1"/>
+          </p:cNvSpPr>
           <p:nvPr>
-            <p:ph idx="1" type="body"/>
+            <p:ph type="body" idx="1"/>
           </p:nvPr>
         </p:nvSpPr>
         <p:spPr>
@@ -6561,12 +6885,12 @@
           </a:prstGeom>
         </p:spPr>
         <p:txBody>
-          <a:bodyPr anchorCtr="0" anchor="t" bIns="91425" lIns="91425" spcFirstLastPara="1" rIns="91425" wrap="square" tIns="91425">
+          <a:bodyPr spcFirstLastPara="1" wrap="square" lIns="91425" tIns="91425" rIns="91425" bIns="91425" anchor="t" anchorCtr="0">
             <a:noAutofit/>
           </a:bodyPr>
           <a:lstStyle/>
           <a:p>
-            <a:pPr indent="0" lvl="0" marL="0" rtl="0" algn="l">
+            <a:pPr marL="0" lvl="0" indent="0" algn="l" rtl="0">
               <a:spcBef>
                 <a:spcPts val="0"/>
               </a:spcBef>
@@ -6592,11 +6916,11 @@
 </file>
 
 <file path=ppt/slides/slide2.xml><?xml version="1.0" encoding="utf-8"?>
-<p:sld xmlns:a="http://schemas.openxmlformats.org/drawingml/2006/main" xmlns:r="http://schemas.openxmlformats.org/officeDocument/2006/relationships" xmlns:mc="http://schemas.openxmlformats.org/markup-compatibility/2006" xmlns:mv="urn:schemas-microsoft-com:mac:vml" xmlns:p="http://schemas.openxmlformats.org/presentationml/2006/main" xmlns:c="http://schemas.openxmlformats.org/drawingml/2006/chart" xmlns:dgm="http://schemas.openxmlformats.org/drawingml/2006/diagram" xmlns:o="urn:schemas-microsoft-com:office:office" xmlns:v="urn:schemas-microsoft-com:vml" xmlns:pvml="urn:schemas-microsoft-com:office:powerpoint" xmlns:com="http://schemas.openxmlformats.org/drawingml/2006/compatibility" xmlns:p14="http://schemas.microsoft.com/office/powerpoint/2010/main" xmlns:p15="http://schemas.microsoft.com/office/powerpoint/2012/main">
+<p:sld xmlns:a="http://schemas.openxmlformats.org/drawingml/2006/main" xmlns:r="http://schemas.openxmlformats.org/officeDocument/2006/relationships" xmlns:p="http://schemas.openxmlformats.org/presentationml/2006/main">
   <p:cSld>
     <p:spTree>
       <p:nvGrpSpPr>
-        <p:cNvPr id="59" name="Shape 59"/>
+        <p:cNvPr id="1" name="Shape 59"/>
         <p:cNvGrpSpPr/>
         <p:nvPr/>
       </p:nvGrpSpPr>
@@ -6611,9 +6935,11 @@
       <p:sp>
         <p:nvSpPr>
           <p:cNvPr id="60" name="Google Shape;60;p14"/>
-          <p:cNvSpPr txBox="1"/>
+          <p:cNvSpPr txBox="1">
+            <a:spLocks noGrp="1"/>
+          </p:cNvSpPr>
           <p:nvPr>
-            <p:ph idx="1" type="body"/>
+            <p:ph type="body" idx="1"/>
           </p:nvPr>
         </p:nvSpPr>
         <p:spPr>
@@ -6626,12 +6952,12 @@
           </a:prstGeom>
         </p:spPr>
         <p:txBody>
-          <a:bodyPr anchorCtr="0" anchor="t" bIns="91425" lIns="91425" spcFirstLastPara="1" rIns="91425" wrap="square" tIns="91425">
+          <a:bodyPr spcFirstLastPara="1" wrap="square" lIns="91425" tIns="91425" rIns="91425" bIns="91425" anchor="t" anchorCtr="0">
             <a:noAutofit/>
           </a:bodyPr>
           <a:lstStyle/>
           <a:p>
-            <a:pPr indent="0" lvl="0" marL="0" rtl="0" algn="l">
+            <a:pPr marL="0" lvl="0" indent="0" algn="l" rtl="0">
               <a:spcBef>
                 <a:spcPts val="0"/>
               </a:spcBef>
@@ -6641,13 +6967,13 @@
               <a:buNone/>
             </a:pPr>
             <a:r>
-              <a:rPr b="1" lang="en"/>
+              <a:rPr lang="en" b="1"/>
               <a:t>Part 1: Your confusion matrix, together with the accuracy for Part 1 with the standard param set (image_size = 16, k = 3)</a:t>
             </a:r>
             <a:endParaRPr b="1"/>
           </a:p>
           <a:p>
-            <a:pPr indent="0" lvl="0" marL="0" rtl="0" algn="l">
+            <a:pPr marL="0" lvl="0" indent="0" algn="l" rtl="0">
               <a:spcBef>
                 <a:spcPts val="1600"/>
               </a:spcBef>
@@ -6664,6 +6990,36 @@
           </a:p>
         </p:txBody>
       </p:sp>
+      <p:pic>
+        <p:nvPicPr>
+          <p:cNvPr id="2" name="Picture 1">
+            <a:extLst>
+              <a:ext uri="{FF2B5EF4-FFF2-40B4-BE49-F238E27FC236}">
+                <a16:creationId xmlns:a16="http://schemas.microsoft.com/office/drawing/2014/main" id="{7A8C30AA-E0D0-4667-B7EF-B25B329F6F36}"/>
+              </a:ext>
+            </a:extLst>
+          </p:cNvPr>
+          <p:cNvPicPr>
+            <a:picLocks noChangeAspect="1"/>
+          </p:cNvPicPr>
+          <p:nvPr/>
+        </p:nvPicPr>
+        <p:blipFill>
+          <a:blip r:embed="rId3"/>
+          <a:stretch>
+            <a:fillRect/>
+          </a:stretch>
+        </p:blipFill>
+        <p:spPr>
+          <a:xfrm>
+            <a:off x="430800" y="1566582"/>
+            <a:ext cx="4057650" cy="3314700"/>
+          </a:xfrm>
+          <a:prstGeom prst="rect">
+            <a:avLst/>
+          </a:prstGeom>
+        </p:spPr>
+      </p:pic>
     </p:spTree>
   </p:cSld>
   <p:clrMapOvr>
@@ -6673,11 +7029,11 @@
 </file>
 
 <file path=ppt/slides/slide3.xml><?xml version="1.0" encoding="utf-8"?>
-<p:sld xmlns:a="http://schemas.openxmlformats.org/drawingml/2006/main" xmlns:r="http://schemas.openxmlformats.org/officeDocument/2006/relationships" xmlns:mc="http://schemas.openxmlformats.org/markup-compatibility/2006" xmlns:mv="urn:schemas-microsoft-com:mac:vml" xmlns:p="http://schemas.openxmlformats.org/presentationml/2006/main" xmlns:c="http://schemas.openxmlformats.org/drawingml/2006/chart" xmlns:dgm="http://schemas.openxmlformats.org/drawingml/2006/diagram" xmlns:o="urn:schemas-microsoft-com:office:office" xmlns:v="urn:schemas-microsoft-com:vml" xmlns:pvml="urn:schemas-microsoft-com:office:powerpoint" xmlns:com="http://schemas.openxmlformats.org/drawingml/2006/compatibility" xmlns:p14="http://schemas.microsoft.com/office/powerpoint/2010/main" xmlns:p15="http://schemas.microsoft.com/office/powerpoint/2012/main">
+<p:sld xmlns:a="http://schemas.openxmlformats.org/drawingml/2006/main" xmlns:r="http://schemas.openxmlformats.org/officeDocument/2006/relationships" xmlns:p="http://schemas.openxmlformats.org/presentationml/2006/main">
   <p:cSld>
     <p:spTree>
       <p:nvGrpSpPr>
-        <p:cNvPr id="64" name="Shape 64"/>
+        <p:cNvPr id="1" name="Shape 64"/>
         <p:cNvGrpSpPr/>
         <p:nvPr/>
       </p:nvGrpSpPr>
@@ -6692,9 +7048,11 @@
       <p:sp>
         <p:nvSpPr>
           <p:cNvPr id="65" name="Google Shape;65;p15"/>
-          <p:cNvSpPr txBox="1"/>
+          <p:cNvSpPr txBox="1">
+            <a:spLocks noGrp="1"/>
+          </p:cNvSpPr>
           <p:nvPr>
-            <p:ph idx="1" type="body"/>
+            <p:ph type="body" idx="1"/>
           </p:nvPr>
         </p:nvSpPr>
         <p:spPr>
@@ -6707,12 +7065,12 @@
           </a:prstGeom>
         </p:spPr>
         <p:txBody>
-          <a:bodyPr anchorCtr="0" anchor="t" bIns="91425" lIns="91425" spcFirstLastPara="1" rIns="91425" wrap="square" tIns="91425">
+          <a:bodyPr spcFirstLastPara="1" wrap="square" lIns="91425" tIns="91425" rIns="91425" bIns="91425" anchor="t" anchorCtr="0">
             <a:noAutofit/>
           </a:bodyPr>
           <a:lstStyle/>
           <a:p>
-            <a:pPr indent="0" lvl="0" marL="0" rtl="0" algn="l">
+            <a:pPr marL="0" lvl="0" indent="0" algn="l" rtl="0">
               <a:spcBef>
                 <a:spcPts val="0"/>
               </a:spcBef>
@@ -6722,13 +7080,13 @@
               <a:buNone/>
             </a:pPr>
             <a:r>
-              <a:rPr b="1" lang="en"/>
+              <a:rPr lang="en" b="1"/>
               <a:t>Part 1: Experiments: change image size and k individually using the following values, and report the accuracy (when tuning one param, keep the other as the standard (16 x 16, 3)):</a:t>
             </a:r>
             <a:endParaRPr b="1"/>
           </a:p>
           <a:p>
-            <a:pPr indent="0" lvl="0" marL="0" rtl="0" algn="l">
+            <a:pPr marL="0" lvl="0" indent="0" algn="l" rtl="0">
               <a:spcBef>
                 <a:spcPts val="1600"/>
               </a:spcBef>
@@ -6738,13 +7096,13 @@
               <a:buNone/>
             </a:pPr>
             <a:r>
-              <a:rPr b="1" lang="en"/>
+              <a:rPr lang="en" b="1"/>
               <a:t>ie. when you’re tuning image size, keep k at 3, when changing k, keep image size as 16x16</a:t>
             </a:r>
             <a:endParaRPr b="1"/>
           </a:p>
           <a:p>
-            <a:pPr indent="0" lvl="0" marL="0" rtl="0" algn="l">
+            <a:pPr marL="0" lvl="0" indent="0" algn="l" rtl="0">
               <a:spcBef>
                 <a:spcPts val="1600"/>
               </a:spcBef>
@@ -6753,9 +7111,6 @@
               </a:spcAft>
               <a:buNone/>
             </a:pPr>
-            <a:r>
-              <a:t/>
-            </a:r>
             <a:endParaRPr/>
           </a:p>
         </p:txBody>
@@ -6780,12 +7135,12 @@
           </a:ln>
         </p:spPr>
         <p:txBody>
-          <a:bodyPr anchorCtr="0" anchor="t" bIns="91425" lIns="91425" spcFirstLastPara="1" rIns="91425" wrap="square" tIns="91425">
+          <a:bodyPr spcFirstLastPara="1" wrap="square" lIns="91425" tIns="91425" rIns="91425" bIns="91425" anchor="t" anchorCtr="0">
             <a:noAutofit/>
           </a:bodyPr>
           <a:lstStyle/>
           <a:p>
-            <a:pPr indent="0" lvl="0" marL="0" rtl="0" algn="l">
+            <a:pPr marL="0" lvl="0" indent="0" algn="l" rtl="0">
               <a:spcBef>
                 <a:spcPts val="0"/>
               </a:spcBef>
@@ -6795,21 +7150,21 @@
               <a:buNone/>
             </a:pPr>
             <a:r>
-              <a:rPr lang="en">
+              <a:rPr lang="en" dirty="0">
                 <a:solidFill>
                   <a:schemeClr val="dk2"/>
                 </a:solidFill>
               </a:rPr>
               <a:t>image size:</a:t>
             </a:r>
-            <a:endParaRPr>
+            <a:endParaRPr dirty="0">
               <a:solidFill>
                 <a:schemeClr val="dk2"/>
               </a:solidFill>
             </a:endParaRPr>
           </a:p>
           <a:p>
-            <a:pPr indent="0" lvl="0" marL="0" rtl="0" algn="l">
+            <a:pPr marL="0" lvl="0" indent="0" algn="l" rtl="0">
               <a:spcBef>
                 <a:spcPts val="0"/>
               </a:spcBef>
@@ -6818,17 +7173,14 @@
               </a:spcAft>
               <a:buNone/>
             </a:pPr>
-            <a:r>
-              <a:t/>
-            </a:r>
-            <a:endParaRPr>
+            <a:endParaRPr dirty="0">
               <a:solidFill>
                 <a:schemeClr val="dk2"/>
               </a:solidFill>
             </a:endParaRPr>
           </a:p>
           <a:p>
-            <a:pPr indent="0" lvl="0" marL="0" rtl="0" algn="l">
+            <a:pPr marL="0" lvl="0" indent="0" algn="l" rtl="0">
               <a:spcBef>
                 <a:spcPts val="0"/>
               </a:spcBef>
@@ -6837,17 +7189,14 @@
               </a:spcAft>
               <a:buNone/>
             </a:pPr>
-            <a:r>
-              <a:t/>
-            </a:r>
-            <a:endParaRPr>
+            <a:endParaRPr dirty="0">
               <a:solidFill>
                 <a:schemeClr val="dk2"/>
               </a:solidFill>
             </a:endParaRPr>
           </a:p>
           <a:p>
-            <a:pPr indent="0" lvl="0" marL="0" rtl="0" algn="l">
+            <a:pPr marL="0" lvl="0" indent="0" algn="l" rtl="0">
               <a:spcBef>
                 <a:spcPts val="0"/>
               </a:spcBef>
@@ -6857,21 +7206,21 @@
               <a:buNone/>
             </a:pPr>
             <a:r>
-              <a:rPr lang="en">
+              <a:rPr lang="en" dirty="0">
                 <a:solidFill>
                   <a:schemeClr val="dk2"/>
                 </a:solidFill>
               </a:rPr>
-              <a:t>8 x 8:</a:t>
+              <a:t>8 x 8: 17.27%</a:t>
             </a:r>
-            <a:endParaRPr>
+            <a:endParaRPr dirty="0">
               <a:solidFill>
                 <a:schemeClr val="dk2"/>
               </a:solidFill>
             </a:endParaRPr>
           </a:p>
           <a:p>
-            <a:pPr indent="0" lvl="0" marL="0" rtl="0" algn="l">
+            <a:pPr marL="0" lvl="0" indent="0" algn="l" rtl="0">
               <a:spcBef>
                 <a:spcPts val="0"/>
               </a:spcBef>
@@ -6880,17 +7229,14 @@
               </a:spcAft>
               <a:buNone/>
             </a:pPr>
-            <a:r>
-              <a:t/>
-            </a:r>
-            <a:endParaRPr>
+            <a:endParaRPr dirty="0">
               <a:solidFill>
                 <a:schemeClr val="dk2"/>
               </a:solidFill>
             </a:endParaRPr>
           </a:p>
           <a:p>
-            <a:pPr indent="0" lvl="0" marL="0" rtl="0" algn="l">
+            <a:pPr marL="0" lvl="0" indent="0" algn="l" rtl="0">
               <a:spcBef>
                 <a:spcPts val="0"/>
               </a:spcBef>
@@ -6900,21 +7246,21 @@
               <a:buNone/>
             </a:pPr>
             <a:r>
-              <a:rPr lang="en">
+              <a:rPr lang="en" dirty="0">
                 <a:solidFill>
                   <a:schemeClr val="dk2"/>
                 </a:solidFill>
               </a:rPr>
-              <a:t>16 x 16:</a:t>
+              <a:t>16 x 16: 16.40%</a:t>
             </a:r>
-            <a:endParaRPr>
+            <a:endParaRPr dirty="0">
               <a:solidFill>
                 <a:schemeClr val="dk2"/>
               </a:solidFill>
             </a:endParaRPr>
           </a:p>
           <a:p>
-            <a:pPr indent="0" lvl="0" marL="0" rtl="0" algn="l">
+            <a:pPr marL="0" lvl="0" indent="0" algn="l" rtl="0">
               <a:spcBef>
                 <a:spcPts val="0"/>
               </a:spcBef>
@@ -6923,17 +7269,14 @@
               </a:spcAft>
               <a:buNone/>
             </a:pPr>
-            <a:r>
-              <a:t/>
-            </a:r>
-            <a:endParaRPr>
+            <a:endParaRPr dirty="0">
               <a:solidFill>
                 <a:schemeClr val="dk2"/>
               </a:solidFill>
             </a:endParaRPr>
           </a:p>
           <a:p>
-            <a:pPr indent="0" lvl="0" marL="0" rtl="0" algn="l">
+            <a:pPr marL="0" lvl="0" indent="0" algn="l" rtl="0">
               <a:spcBef>
                 <a:spcPts val="0"/>
               </a:spcBef>
@@ -6943,14 +7286,14 @@
               <a:buNone/>
             </a:pPr>
             <a:r>
-              <a:rPr lang="en">
+              <a:rPr lang="en" dirty="0">
                 <a:solidFill>
                   <a:schemeClr val="dk2"/>
                 </a:solidFill>
               </a:rPr>
-              <a:t>32 x 32:</a:t>
+              <a:t>32 x 32: 14.73%</a:t>
             </a:r>
-            <a:endParaRPr>
+            <a:endParaRPr dirty="0">
               <a:solidFill>
                 <a:schemeClr val="dk2"/>
               </a:solidFill>
@@ -6978,12 +7321,12 @@
           </a:ln>
         </p:spPr>
         <p:txBody>
-          <a:bodyPr anchorCtr="0" anchor="t" bIns="91425" lIns="91425" spcFirstLastPara="1" rIns="91425" wrap="square" tIns="91425">
+          <a:bodyPr spcFirstLastPara="1" wrap="square" lIns="91425" tIns="91425" rIns="91425" bIns="91425" anchor="t" anchorCtr="0">
             <a:noAutofit/>
           </a:bodyPr>
           <a:lstStyle/>
           <a:p>
-            <a:pPr indent="0" lvl="0" marL="0" rtl="0" algn="l">
+            <a:pPr marL="0" lvl="0" indent="0" algn="l" rtl="0">
               <a:spcBef>
                 <a:spcPts val="0"/>
               </a:spcBef>
@@ -6993,29 +7336,77 @@
               <a:buNone/>
             </a:pPr>
             <a:r>
-              <a:rPr lang="en">
+              <a:rPr lang="en" dirty="0">
                 <a:solidFill>
                   <a:schemeClr val="dk2"/>
                 </a:solidFill>
               </a:rPr>
-              <a:t>k</a:t>
+              <a:t>k:</a:t>
             </a:r>
+            <a:endParaRPr dirty="0">
+              <a:solidFill>
+                <a:schemeClr val="dk2"/>
+              </a:solidFill>
+            </a:endParaRPr>
+          </a:p>
+          <a:p>
+            <a:pPr marL="0" lvl="0" indent="0" algn="l" rtl="0">
+              <a:spcBef>
+                <a:spcPts val="0"/>
+              </a:spcBef>
+              <a:spcAft>
+                <a:spcPts val="0"/>
+              </a:spcAft>
+              <a:buNone/>
+            </a:pPr>
+            <a:endParaRPr dirty="0">
+              <a:solidFill>
+                <a:schemeClr val="dk2"/>
+              </a:solidFill>
+            </a:endParaRPr>
+          </a:p>
+          <a:p>
+            <a:pPr marL="0" lvl="0" indent="0" algn="l" rtl="0">
+              <a:spcBef>
+                <a:spcPts val="0"/>
+              </a:spcBef>
+              <a:spcAft>
+                <a:spcPts val="0"/>
+              </a:spcAft>
+              <a:buNone/>
+            </a:pPr>
+            <a:endParaRPr dirty="0">
+              <a:solidFill>
+                <a:schemeClr val="dk2"/>
+              </a:solidFill>
+            </a:endParaRPr>
+          </a:p>
+          <a:p>
+            <a:pPr marL="0" lvl="0" indent="0" algn="l" rtl="0">
+              <a:spcBef>
+                <a:spcPts val="0"/>
+              </a:spcBef>
+              <a:spcAft>
+                <a:spcPts val="0"/>
+              </a:spcAft>
+              <a:buNone/>
+            </a:pPr>
             <a:r>
-              <a:rPr lang="en">
+              <a:rPr lang="en" dirty="0">
                 <a:solidFill>
                   <a:schemeClr val="dk2"/>
                 </a:solidFill>
               </a:rPr>
-              <a:t>:</a:t>
+              <a:t>1: 14.73%</a:t>
             </a:r>
-            <a:endParaRPr>
+            <a:endParaRPr dirty="0">
               <a:solidFill>
                 <a:schemeClr val="dk2"/>
               </a:solidFill>
             </a:endParaRPr>
           </a:p>
           <a:p>
-            <a:pPr indent="0" lvl="0" marL="0" rtl="0" algn="l">
+            <a:pPr marL="0" lvl="0" indent="0" algn="l" rtl="0">
               <a:spcBef>
                 <a:spcPts val="0"/>
               </a:spcBef>
@@ -7024,17 +7415,14 @@
               </a:spcAft>
               <a:buNone/>
             </a:pPr>
-            <a:r>
-              <a:t/>
-            </a:r>
-            <a:endParaRPr>
+            <a:endParaRPr dirty="0">
               <a:solidFill>
                 <a:schemeClr val="dk2"/>
               </a:solidFill>
             </a:endParaRPr>
           </a:p>
           <a:p>
-            <a:pPr indent="0" lvl="0" marL="0" rtl="0" algn="l">
+            <a:pPr marL="0" lvl="0" indent="0" algn="l" rtl="0">
               <a:spcBef>
                 <a:spcPts val="0"/>
               </a:spcBef>
@@ -7044,16 +7432,37 @@
               <a:buNone/>
             </a:pPr>
             <a:r>
-              <a:t/>
+              <a:rPr lang="en" dirty="0">
+                <a:solidFill>
+                  <a:schemeClr val="dk2"/>
+                </a:solidFill>
+              </a:rPr>
+              <a:t>3: 16.40%</a:t>
             </a:r>
-            <a:endParaRPr>
+            <a:endParaRPr dirty="0">
               <a:solidFill>
                 <a:schemeClr val="dk2"/>
               </a:solidFill>
             </a:endParaRPr>
           </a:p>
           <a:p>
-            <a:pPr indent="0" lvl="0" marL="0" rtl="0" algn="l">
+            <a:pPr marL="0" lvl="0" indent="0" algn="l" rtl="0">
+              <a:spcBef>
+                <a:spcPts val="0"/>
+              </a:spcBef>
+              <a:spcAft>
+                <a:spcPts val="0"/>
+              </a:spcAft>
+              <a:buNone/>
+            </a:pPr>
+            <a:endParaRPr dirty="0">
+              <a:solidFill>
+                <a:schemeClr val="dk2"/>
+              </a:solidFill>
+            </a:endParaRPr>
+          </a:p>
+          <a:p>
+            <a:pPr marL="0" lvl="0" indent="0" algn="l" rtl="0">
               <a:spcBef>
                 <a:spcPts val="0"/>
               </a:spcBef>
@@ -7063,21 +7472,21 @@
               <a:buNone/>
             </a:pPr>
             <a:r>
-              <a:rPr lang="en">
+              <a:rPr lang="en" dirty="0">
                 <a:solidFill>
                   <a:schemeClr val="dk2"/>
                 </a:solidFill>
               </a:rPr>
-              <a:t>1:</a:t>
+              <a:t>5: 16.20%</a:t>
             </a:r>
-            <a:endParaRPr>
+            <a:endParaRPr dirty="0">
               <a:solidFill>
                 <a:schemeClr val="dk2"/>
               </a:solidFill>
             </a:endParaRPr>
           </a:p>
           <a:p>
-            <a:pPr indent="0" lvl="0" marL="0" rtl="0" algn="l">
+            <a:pPr marL="0" lvl="0" indent="0" algn="l" rtl="0">
               <a:spcBef>
                 <a:spcPts val="0"/>
               </a:spcBef>
@@ -7086,17 +7495,14 @@
               </a:spcAft>
               <a:buNone/>
             </a:pPr>
-            <a:r>
-              <a:t/>
-            </a:r>
-            <a:endParaRPr>
+            <a:endParaRPr dirty="0">
               <a:solidFill>
                 <a:schemeClr val="dk2"/>
               </a:solidFill>
             </a:endParaRPr>
           </a:p>
           <a:p>
-            <a:pPr indent="0" lvl="0" marL="0" rtl="0" algn="l">
+            <a:pPr marL="0" lvl="0" indent="0" algn="l" rtl="0">
               <a:spcBef>
                 <a:spcPts val="0"/>
               </a:spcBef>
@@ -7106,21 +7512,21 @@
               <a:buNone/>
             </a:pPr>
             <a:r>
-              <a:rPr lang="en">
+              <a:rPr lang="en" dirty="0">
                 <a:solidFill>
                   <a:schemeClr val="dk2"/>
                 </a:solidFill>
               </a:rPr>
-              <a:t>3:</a:t>
+              <a:t>10: 14.93%</a:t>
             </a:r>
-            <a:endParaRPr>
+            <a:endParaRPr dirty="0">
               <a:solidFill>
                 <a:schemeClr val="dk2"/>
               </a:solidFill>
             </a:endParaRPr>
           </a:p>
           <a:p>
-            <a:pPr indent="0" lvl="0" marL="0" rtl="0" algn="l">
+            <a:pPr marL="0" lvl="0" indent="0" algn="l" rtl="0">
               <a:spcBef>
                 <a:spcPts val="0"/>
               </a:spcBef>
@@ -7129,17 +7535,14 @@
               </a:spcAft>
               <a:buNone/>
             </a:pPr>
-            <a:r>
-              <a:t/>
-            </a:r>
-            <a:endParaRPr>
+            <a:endParaRPr dirty="0">
               <a:solidFill>
                 <a:schemeClr val="dk2"/>
               </a:solidFill>
             </a:endParaRPr>
           </a:p>
           <a:p>
-            <a:pPr indent="0" lvl="0" marL="0" rtl="0" algn="l">
+            <a:pPr marL="0" lvl="0" indent="0" algn="l" rtl="0">
               <a:spcBef>
                 <a:spcPts val="0"/>
               </a:spcBef>
@@ -7149,100 +7552,14 @@
               <a:buNone/>
             </a:pPr>
             <a:r>
-              <a:rPr lang="en">
+              <a:rPr lang="en" dirty="0">
                 <a:solidFill>
                   <a:schemeClr val="dk2"/>
                 </a:solidFill>
               </a:rPr>
-              <a:t>5:</a:t>
+              <a:t>15: 14.27%</a:t>
             </a:r>
-            <a:endParaRPr>
-              <a:solidFill>
-                <a:schemeClr val="dk2"/>
-              </a:solidFill>
-            </a:endParaRPr>
-          </a:p>
-          <a:p>
-            <a:pPr indent="0" lvl="0" marL="0" rtl="0" algn="l">
-              <a:spcBef>
-                <a:spcPts val="0"/>
-              </a:spcBef>
-              <a:spcAft>
-                <a:spcPts val="0"/>
-              </a:spcAft>
-              <a:buNone/>
-            </a:pPr>
-            <a:r>
-              <a:t/>
-            </a:r>
-            <a:endParaRPr>
-              <a:solidFill>
-                <a:schemeClr val="dk2"/>
-              </a:solidFill>
-            </a:endParaRPr>
-          </a:p>
-          <a:p>
-            <a:pPr indent="0" lvl="0" marL="0" rtl="0" algn="l">
-              <a:spcBef>
-                <a:spcPts val="0"/>
-              </a:spcBef>
-              <a:spcAft>
-                <a:spcPts val="0"/>
-              </a:spcAft>
-              <a:buNone/>
-            </a:pPr>
-            <a:r>
-              <a:rPr lang="en">
-                <a:solidFill>
-                  <a:schemeClr val="dk2"/>
-                </a:solidFill>
-              </a:rPr>
-              <a:t>10:</a:t>
-            </a:r>
-            <a:endParaRPr>
-              <a:solidFill>
-                <a:schemeClr val="dk2"/>
-              </a:solidFill>
-            </a:endParaRPr>
-          </a:p>
-          <a:p>
-            <a:pPr indent="0" lvl="0" marL="0" rtl="0" algn="l">
-              <a:spcBef>
-                <a:spcPts val="0"/>
-              </a:spcBef>
-              <a:spcAft>
-                <a:spcPts val="0"/>
-              </a:spcAft>
-              <a:buNone/>
-            </a:pPr>
-            <a:r>
-              <a:t/>
-            </a:r>
-            <a:endParaRPr>
-              <a:solidFill>
-                <a:schemeClr val="dk2"/>
-              </a:solidFill>
-            </a:endParaRPr>
-          </a:p>
-          <a:p>
-            <a:pPr indent="0" lvl="0" marL="0" rtl="0" algn="l">
-              <a:spcBef>
-                <a:spcPts val="0"/>
-              </a:spcBef>
-              <a:spcAft>
-                <a:spcPts val="0"/>
-              </a:spcAft>
-              <a:buNone/>
-            </a:pPr>
-            <a:r>
-              <a:rPr lang="en">
-                <a:solidFill>
-                  <a:schemeClr val="dk2"/>
-                </a:solidFill>
-              </a:rPr>
-              <a:t>15:</a:t>
-            </a:r>
-            <a:endParaRPr>
+            <a:endParaRPr dirty="0">
               <a:solidFill>
                 <a:schemeClr val="dk2"/>
               </a:solidFill>
@@ -7259,11 +7576,11 @@
 </file>
 
 <file path=ppt/slides/slide4.xml><?xml version="1.0" encoding="utf-8"?>
-<p:sld xmlns:a="http://schemas.openxmlformats.org/drawingml/2006/main" xmlns:r="http://schemas.openxmlformats.org/officeDocument/2006/relationships" xmlns:mc="http://schemas.openxmlformats.org/markup-compatibility/2006" xmlns:mv="urn:schemas-microsoft-com:mac:vml" xmlns:p="http://schemas.openxmlformats.org/presentationml/2006/main" xmlns:c="http://schemas.openxmlformats.org/drawingml/2006/chart" xmlns:dgm="http://schemas.openxmlformats.org/drawingml/2006/diagram" xmlns:o="urn:schemas-microsoft-com:office:office" xmlns:v="urn:schemas-microsoft-com:vml" xmlns:pvml="urn:schemas-microsoft-com:office:powerpoint" xmlns:com="http://schemas.openxmlformats.org/drawingml/2006/compatibility" xmlns:p14="http://schemas.microsoft.com/office/powerpoint/2010/main" xmlns:p15="http://schemas.microsoft.com/office/powerpoint/2012/main">
+<p:sld xmlns:a="http://schemas.openxmlformats.org/drawingml/2006/main" xmlns:r="http://schemas.openxmlformats.org/officeDocument/2006/relationships" xmlns:p="http://schemas.openxmlformats.org/presentationml/2006/main">
   <p:cSld>
     <p:spTree>
       <p:nvGrpSpPr>
-        <p:cNvPr id="71" name="Shape 71"/>
+        <p:cNvPr id="1" name="Shape 71"/>
         <p:cNvGrpSpPr/>
         <p:nvPr/>
       </p:nvGrpSpPr>
@@ -7278,9 +7595,11 @@
       <p:sp>
         <p:nvSpPr>
           <p:cNvPr id="72" name="Google Shape;72;p16"/>
-          <p:cNvSpPr txBox="1"/>
+          <p:cNvSpPr txBox="1">
+            <a:spLocks noGrp="1"/>
+          </p:cNvSpPr>
           <p:nvPr>
-            <p:ph idx="1" type="body"/>
+            <p:ph type="body" idx="1"/>
           </p:nvPr>
         </p:nvSpPr>
         <p:spPr>
@@ -7293,12 +7612,12 @@
           </a:prstGeom>
         </p:spPr>
         <p:txBody>
-          <a:bodyPr anchorCtr="0" anchor="t" bIns="91425" lIns="91425" spcFirstLastPara="1" rIns="91425" wrap="square" tIns="91425">
+          <a:bodyPr spcFirstLastPara="1" wrap="square" lIns="91425" tIns="91425" rIns="91425" bIns="91425" anchor="t" anchorCtr="0">
             <a:noAutofit/>
           </a:bodyPr>
           <a:lstStyle/>
           <a:p>
-            <a:pPr indent="0" lvl="0" marL="0" rtl="0" algn="l">
+            <a:pPr marL="0" lvl="0" indent="0" algn="l" rtl="0">
               <a:spcBef>
                 <a:spcPts val="0"/>
               </a:spcBef>
@@ -7308,21 +7627,21 @@
               <a:buNone/>
             </a:pPr>
             <a:r>
-              <a:rPr b="1" lang="en"/>
+              <a:rPr lang="en" b="1" dirty="0"/>
               <a:t>Part 1: Reflection: when tuning the parameters, what have you observed about the </a:t>
             </a:r>
             <a:r>
-              <a:rPr b="1" i="1" lang="en"/>
+              <a:rPr lang="en" b="1" i="1" dirty="0"/>
               <a:t>processing time and accuracy</a:t>
             </a:r>
             <a:r>
-              <a:rPr b="1" lang="en"/>
+              <a:rPr lang="en" b="1" dirty="0"/>
               <a:t>? What do you think might lead to this observation?</a:t>
             </a:r>
-            <a:endParaRPr b="1"/>
-          </a:p>
-          <a:p>
-            <a:pPr indent="0" lvl="0" marL="0" rtl="0" algn="l">
+            <a:endParaRPr b="1" dirty="0"/>
+          </a:p>
+          <a:p>
+            <a:pPr marL="0" lvl="0" indent="0" algn="l" rtl="0">
               <a:spcBef>
                 <a:spcPts val="1600"/>
               </a:spcBef>
@@ -7332,10 +7651,56 @@
               <a:buNone/>
             </a:pPr>
             <a:r>
-              <a:rPr lang="en"/>
-              <a:t>&lt;Text solution here&gt;</a:t>
+              <a:rPr lang="en-SG" dirty="0"/>
+              <a:t>Larger image size and larger K resulted in a longer processing time. A larger image size resulted in a lower accuracy, and increasing K initially increased the accuracy, but it decreases if it is increased too much. </a:t>
             </a:r>
-            <a:endParaRPr/>
+          </a:p>
+          <a:p>
+            <a:pPr marL="0" lvl="0" indent="0" algn="l" rtl="0">
+              <a:spcBef>
+                <a:spcPts val="1600"/>
+              </a:spcBef>
+              <a:spcAft>
+                <a:spcPts val="1600"/>
+              </a:spcAft>
+              <a:buNone/>
+            </a:pPr>
+            <a:r>
+              <a:rPr lang="en-SG" dirty="0"/>
+              <a:t>For K, if the value is too low, the model is probably overfitting. If value is too high, the model is probably underfitting. Therefore, it performs worst when not the at “optimal” range of K when the model is neither overfitting nor underfitting.</a:t>
+            </a:r>
+          </a:p>
+          <a:p>
+            <a:pPr marL="0" lvl="0" indent="0" algn="l" rtl="0">
+              <a:spcBef>
+                <a:spcPts val="1600"/>
+              </a:spcBef>
+              <a:spcAft>
+                <a:spcPts val="1600"/>
+              </a:spcAft>
+              <a:buNone/>
+            </a:pPr>
+            <a:r>
+              <a:rPr lang="en-SG" dirty="0">
+                <a:solidFill>
+                  <a:schemeClr val="tx1"/>
+                </a:solidFill>
+              </a:rPr>
+              <a:t>For image size, having a larger image will result in a longer time required to calculate distance between pairs. Accuracy also reduced if image gets larger as it is less likely for images with same label to be similar to </a:t>
+            </a:r>
+            <a:r>
+              <a:rPr lang="en-SG">
+                <a:solidFill>
+                  <a:schemeClr val="tx1"/>
+                </a:solidFill>
+              </a:rPr>
+              <a:t>each other.</a:t>
+            </a:r>
+            <a:endParaRPr lang="en-SG" dirty="0">
+              <a:solidFill>
+                <a:schemeClr val="tx1"/>
+              </a:solidFill>
+            </a:endParaRPr>
           </a:p>
         </p:txBody>
       </p:sp>
@@ -7348,11 +7713,11 @@
 </file>
 
 <file path=ppt/slides/slide5.xml><?xml version="1.0" encoding="utf-8"?>
-<p:sld xmlns:a="http://schemas.openxmlformats.org/drawingml/2006/main" xmlns:r="http://schemas.openxmlformats.org/officeDocument/2006/relationships" xmlns:mc="http://schemas.openxmlformats.org/markup-compatibility/2006" xmlns:mv="urn:schemas-microsoft-com:mac:vml" xmlns:p="http://schemas.openxmlformats.org/presentationml/2006/main" xmlns:c="http://schemas.openxmlformats.org/drawingml/2006/chart" xmlns:dgm="http://schemas.openxmlformats.org/drawingml/2006/diagram" xmlns:o="urn:schemas-microsoft-com:office:office" xmlns:v="urn:schemas-microsoft-com:vml" xmlns:pvml="urn:schemas-microsoft-com:office:powerpoint" xmlns:com="http://schemas.openxmlformats.org/drawingml/2006/compatibility" xmlns:p14="http://schemas.microsoft.com/office/powerpoint/2010/main" xmlns:p15="http://schemas.microsoft.com/office/powerpoint/2012/main">
+<p:sld xmlns:a="http://schemas.openxmlformats.org/drawingml/2006/main" xmlns:r="http://schemas.openxmlformats.org/officeDocument/2006/relationships" xmlns:p="http://schemas.openxmlformats.org/presentationml/2006/main">
   <p:cSld>
     <p:spTree>
       <p:nvGrpSpPr>
-        <p:cNvPr id="76" name="Shape 76"/>
+        <p:cNvPr id="1" name="Shape 76"/>
         <p:cNvGrpSpPr/>
         <p:nvPr/>
       </p:nvGrpSpPr>
@@ -7367,9 +7732,11 @@
       <p:sp>
         <p:nvSpPr>
           <p:cNvPr id="77" name="Google Shape;77;p17"/>
-          <p:cNvSpPr txBox="1"/>
+          <p:cNvSpPr txBox="1">
+            <a:spLocks noGrp="1"/>
+          </p:cNvSpPr>
           <p:nvPr>
-            <p:ph idx="1" type="body"/>
+            <p:ph type="body" idx="1"/>
           </p:nvPr>
         </p:nvSpPr>
         <p:spPr>
@@ -7382,12 +7749,12 @@
           </a:prstGeom>
         </p:spPr>
         <p:txBody>
-          <a:bodyPr anchorCtr="0" anchor="t" bIns="91425" lIns="91425" spcFirstLastPara="1" rIns="91425" wrap="square" tIns="91425">
+          <a:bodyPr spcFirstLastPara="1" wrap="square" lIns="91425" tIns="91425" rIns="91425" bIns="91425" anchor="t" anchorCtr="0">
             <a:noAutofit/>
           </a:bodyPr>
           <a:lstStyle/>
           <a:p>
-            <a:pPr indent="0" lvl="0" marL="0" rtl="0" algn="l">
+            <a:pPr marL="0" lvl="0" indent="0" algn="l" rtl="0">
               <a:spcBef>
                 <a:spcPts val="0"/>
               </a:spcBef>
@@ -7397,13 +7764,13 @@
               <a:buNone/>
             </a:pPr>
             <a:r>
-              <a:rPr b="1" lang="en"/>
+              <a:rPr lang="en" b="1" dirty="0"/>
               <a:t>Part 2: Your best confusion matrix, together with the accuracy for Part 2. Also report your param settings to get this result.</a:t>
             </a:r>
-            <a:endParaRPr b="1"/>
-          </a:p>
-          <a:p>
-            <a:pPr indent="0" lvl="0" marL="0" rtl="0" algn="l">
+            <a:endParaRPr b="1" dirty="0"/>
+          </a:p>
+          <a:p>
+            <a:pPr marL="0" lvl="0" indent="0" algn="l" rtl="0">
               <a:spcBef>
                 <a:spcPts val="1600"/>
               </a:spcBef>
@@ -7413,10 +7780,10 @@
               <a:buNone/>
             </a:pPr>
             <a:r>
-              <a:rPr lang="en"/>
+              <a:rPr lang="en" dirty="0"/>
               <a:t>&lt;Plot here&gt;</a:t>
             </a:r>
-            <a:endParaRPr/>
+            <a:endParaRPr dirty="0"/>
           </a:p>
         </p:txBody>
       </p:sp>
@@ -7440,12 +7807,12 @@
           </a:ln>
         </p:spPr>
         <p:txBody>
-          <a:bodyPr anchorCtr="0" anchor="t" bIns="91425" lIns="91425" spcFirstLastPara="1" rIns="91425" wrap="square" tIns="91425">
+          <a:bodyPr spcFirstLastPara="1" wrap="square" lIns="91425" tIns="91425" rIns="91425" bIns="91425" anchor="t" anchorCtr="0">
             <a:noAutofit/>
           </a:bodyPr>
           <a:lstStyle/>
           <a:p>
-            <a:pPr indent="0" lvl="0" marL="0" rtl="0" algn="l">
+            <a:pPr marL="0" lvl="0" indent="0" algn="l" rtl="0">
               <a:spcBef>
                 <a:spcPts val="0"/>
               </a:spcBef>
@@ -7455,21 +7822,21 @@
               <a:buNone/>
             </a:pPr>
             <a:r>
-              <a:rPr lang="en">
+              <a:rPr lang="en" dirty="0">
                 <a:solidFill>
                   <a:schemeClr val="dk2"/>
                 </a:solidFill>
               </a:rPr>
               <a:t>Param settings:</a:t>
             </a:r>
-            <a:endParaRPr>
+            <a:endParaRPr dirty="0">
               <a:solidFill>
                 <a:schemeClr val="dk2"/>
               </a:solidFill>
             </a:endParaRPr>
           </a:p>
           <a:p>
-            <a:pPr indent="0" lvl="0" marL="0" rtl="0" algn="l">
+            <a:pPr marL="0" lvl="0" indent="0" algn="l" rtl="0">
               <a:spcBef>
                 <a:spcPts val="0"/>
               </a:spcBef>
@@ -7478,17 +7845,14 @@
               </a:spcAft>
               <a:buNone/>
             </a:pPr>
-            <a:r>
-              <a:t/>
-            </a:r>
-            <a:endParaRPr>
+            <a:endParaRPr dirty="0">
               <a:solidFill>
                 <a:schemeClr val="dk2"/>
               </a:solidFill>
             </a:endParaRPr>
           </a:p>
           <a:p>
-            <a:pPr indent="0" lvl="0" marL="0" rtl="0" algn="l">
+            <a:pPr marL="0" lvl="0" indent="0" algn="l" rtl="0">
               <a:spcBef>
                 <a:spcPts val="0"/>
               </a:spcBef>
@@ -7497,17 +7861,14 @@
               </a:spcAft>
               <a:buNone/>
             </a:pPr>
-            <a:r>
-              <a:t/>
-            </a:r>
-            <a:endParaRPr>
+            <a:endParaRPr dirty="0">
               <a:solidFill>
                 <a:schemeClr val="dk2"/>
               </a:solidFill>
             </a:endParaRPr>
           </a:p>
           <a:p>
-            <a:pPr indent="0" lvl="0" marL="0" rtl="0" algn="l">
+            <a:pPr marL="0" lvl="0" indent="0" algn="l" rtl="0">
               <a:spcBef>
                 <a:spcPts val="0"/>
               </a:spcBef>
@@ -7517,21 +7878,21 @@
               <a:buNone/>
             </a:pPr>
             <a:r>
-              <a:rPr lang="en">
+              <a:rPr lang="en" dirty="0">
                 <a:solidFill>
                   <a:schemeClr val="dk2"/>
                 </a:solidFill>
               </a:rPr>
-              <a:t>vocab_size:</a:t>
+              <a:t>vocab_size: 100</a:t>
             </a:r>
-            <a:endParaRPr>
+            <a:endParaRPr dirty="0">
               <a:solidFill>
                 <a:schemeClr val="dk2"/>
               </a:solidFill>
             </a:endParaRPr>
           </a:p>
           <a:p>
-            <a:pPr indent="0" lvl="0" marL="0" rtl="0" algn="l">
+            <a:pPr marL="0" lvl="0" indent="0" algn="l" rtl="0">
               <a:spcBef>
                 <a:spcPts val="0"/>
               </a:spcBef>
@@ -7540,17 +7901,14 @@
               </a:spcAft>
               <a:buNone/>
             </a:pPr>
-            <a:r>
-              <a:t/>
-            </a:r>
-            <a:endParaRPr>
+            <a:endParaRPr dirty="0">
               <a:solidFill>
                 <a:schemeClr val="dk2"/>
               </a:solidFill>
             </a:endParaRPr>
           </a:p>
           <a:p>
-            <a:pPr indent="0" lvl="0" marL="0" rtl="0" algn="l">
+            <a:pPr marL="0" lvl="0" indent="0" algn="l" rtl="0">
               <a:spcBef>
                 <a:spcPts val="0"/>
               </a:spcBef>
@@ -7560,21 +7918,21 @@
               <a:buNone/>
             </a:pPr>
             <a:r>
-              <a:rPr lang="en">
+              <a:rPr lang="en" dirty="0">
                 <a:solidFill>
                   <a:schemeClr val="dk2"/>
                 </a:solidFill>
               </a:rPr>
-              <a:t>stride (build_vocab):</a:t>
+              <a:t>stride (build_vocab): 20</a:t>
             </a:r>
-            <a:endParaRPr>
+            <a:endParaRPr dirty="0">
               <a:solidFill>
                 <a:schemeClr val="dk2"/>
               </a:solidFill>
             </a:endParaRPr>
           </a:p>
           <a:p>
-            <a:pPr indent="0" lvl="0" marL="0" rtl="0" algn="l">
+            <a:pPr marL="0" lvl="0" indent="0" algn="l" rtl="0">
               <a:spcBef>
                 <a:spcPts val="0"/>
               </a:spcBef>
@@ -7583,17 +7941,14 @@
               </a:spcAft>
               <a:buNone/>
             </a:pPr>
-            <a:r>
-              <a:t/>
-            </a:r>
-            <a:endParaRPr>
+            <a:endParaRPr dirty="0">
               <a:solidFill>
                 <a:schemeClr val="dk2"/>
               </a:solidFill>
             </a:endParaRPr>
           </a:p>
           <a:p>
-            <a:pPr indent="0" lvl="0" marL="0" rtl="0" algn="l">
+            <a:pPr marL="0" lvl="0" indent="0" algn="l" rtl="0">
               <a:spcBef>
                 <a:spcPts val="0"/>
               </a:spcBef>
@@ -7603,21 +7958,21 @@
               <a:buNone/>
             </a:pPr>
             <a:r>
-              <a:rPr lang="en">
+              <a:rPr lang="en" dirty="0">
                 <a:solidFill>
                   <a:schemeClr val="dk2"/>
                 </a:solidFill>
               </a:rPr>
-              <a:t>step_size(get_bags_of_sifts):</a:t>
+              <a:t>step_size(get_bags_of_sifts): 5</a:t>
             </a:r>
-            <a:endParaRPr>
+            <a:endParaRPr dirty="0">
               <a:solidFill>
                 <a:schemeClr val="dk2"/>
               </a:solidFill>
             </a:endParaRPr>
           </a:p>
           <a:p>
-            <a:pPr indent="0" lvl="0" marL="0" rtl="0" algn="l">
+            <a:pPr marL="0" lvl="0" indent="0" algn="l" rtl="0">
               <a:spcBef>
                 <a:spcPts val="0"/>
               </a:spcBef>
@@ -7626,17 +7981,14 @@
               </a:spcAft>
               <a:buNone/>
             </a:pPr>
-            <a:r>
-              <a:t/>
-            </a:r>
-            <a:endParaRPr>
+            <a:endParaRPr dirty="0">
               <a:solidFill>
                 <a:schemeClr val="dk2"/>
               </a:solidFill>
             </a:endParaRPr>
           </a:p>
           <a:p>
-            <a:pPr indent="0" lvl="0" marL="0" rtl="0" algn="l">
+            <a:pPr marL="0" lvl="0" indent="0" algn="l" rtl="0">
               <a:spcBef>
                 <a:spcPts val="0"/>
               </a:spcBef>
@@ -7646,21 +7998,21 @@
               <a:buNone/>
             </a:pPr>
             <a:r>
-              <a:rPr lang="en">
+              <a:rPr lang="en" dirty="0">
                 <a:solidFill>
                   <a:schemeClr val="dk2"/>
                 </a:solidFill>
               </a:rPr>
-              <a:t>max_iter (k-means):</a:t>
+              <a:t>max_iter (k-means): 100</a:t>
             </a:r>
-            <a:endParaRPr>
+            <a:endParaRPr dirty="0">
               <a:solidFill>
                 <a:schemeClr val="dk2"/>
               </a:solidFill>
             </a:endParaRPr>
           </a:p>
           <a:p>
-            <a:pPr indent="0" lvl="0" marL="0" rtl="0" algn="l">
+            <a:pPr marL="0" lvl="0" indent="0" algn="l" rtl="0">
               <a:spcBef>
                 <a:spcPts val="0"/>
               </a:spcBef>
@@ -7669,17 +8021,14 @@
               </a:spcAft>
               <a:buNone/>
             </a:pPr>
-            <a:r>
-              <a:t/>
-            </a:r>
-            <a:endParaRPr>
+            <a:endParaRPr dirty="0">
               <a:solidFill>
                 <a:schemeClr val="dk2"/>
               </a:solidFill>
             </a:endParaRPr>
           </a:p>
           <a:p>
-            <a:pPr indent="0" lvl="0" marL="0" rtl="0" algn="l">
+            <a:pPr marL="0" lvl="0" indent="0" algn="l" rtl="0">
               <a:spcBef>
                 <a:spcPts val="0"/>
               </a:spcBef>
@@ -7689,14 +8038,14 @@
               <a:buNone/>
             </a:pPr>
             <a:r>
-              <a:rPr lang="en">
+              <a:rPr lang="en" dirty="0">
                 <a:solidFill>
                   <a:schemeClr val="dk2"/>
                 </a:solidFill>
               </a:rPr>
-              <a:t>k (kNN):</a:t>
+              <a:t>k (kNN): 3</a:t>
             </a:r>
-            <a:endParaRPr>
+            <a:endParaRPr dirty="0">
               <a:solidFill>
                 <a:schemeClr val="dk2"/>
               </a:solidFill>
@@ -7704,6 +8053,36 @@
           </a:p>
         </p:txBody>
       </p:sp>
+      <p:pic>
+        <p:nvPicPr>
+          <p:cNvPr id="4" name="Picture 3">
+            <a:extLst>
+              <a:ext uri="{FF2B5EF4-FFF2-40B4-BE49-F238E27FC236}">
+                <a16:creationId xmlns:a16="http://schemas.microsoft.com/office/drawing/2014/main" id="{B4DFB655-9AAC-4541-97A7-E95B0AE11DC4}"/>
+              </a:ext>
+            </a:extLst>
+          </p:cNvPr>
+          <p:cNvPicPr>
+            <a:picLocks noChangeAspect="1"/>
+          </p:cNvPicPr>
+          <p:nvPr/>
+        </p:nvPicPr>
+        <p:blipFill>
+          <a:blip r:embed="rId3"/>
+          <a:stretch>
+            <a:fillRect/>
+          </a:stretch>
+        </p:blipFill>
+        <p:spPr>
+          <a:xfrm>
+            <a:off x="265501" y="1210775"/>
+            <a:ext cx="3876675" cy="3124200"/>
+          </a:xfrm>
+          <a:prstGeom prst="rect">
+            <a:avLst/>
+          </a:prstGeom>
+        </p:spPr>
+      </p:pic>
     </p:spTree>
   </p:cSld>
   <p:clrMapOvr>
@@ -7713,11 +8092,11 @@
 </file>
 
 <file path=ppt/slides/slide6.xml><?xml version="1.0" encoding="utf-8"?>
-<p:sld xmlns:a="http://schemas.openxmlformats.org/drawingml/2006/main" xmlns:r="http://schemas.openxmlformats.org/officeDocument/2006/relationships" xmlns:mc="http://schemas.openxmlformats.org/markup-compatibility/2006" xmlns:mv="urn:schemas-microsoft-com:mac:vml" xmlns:p="http://schemas.openxmlformats.org/presentationml/2006/main" xmlns:c="http://schemas.openxmlformats.org/drawingml/2006/chart" xmlns:dgm="http://schemas.openxmlformats.org/drawingml/2006/diagram" xmlns:o="urn:schemas-microsoft-com:office:office" xmlns:v="urn:schemas-microsoft-com:vml" xmlns:pvml="urn:schemas-microsoft-com:office:powerpoint" xmlns:com="http://schemas.openxmlformats.org/drawingml/2006/compatibility" xmlns:p14="http://schemas.microsoft.com/office/powerpoint/2010/main" xmlns:p15="http://schemas.microsoft.com/office/powerpoint/2012/main">
+<p:sld xmlns:a="http://schemas.openxmlformats.org/drawingml/2006/main" xmlns:r="http://schemas.openxmlformats.org/officeDocument/2006/relationships" xmlns:p="http://schemas.openxmlformats.org/presentationml/2006/main">
   <p:cSld>
     <p:spTree>
       <p:nvGrpSpPr>
-        <p:cNvPr id="82" name="Shape 82"/>
+        <p:cNvPr id="1" name="Shape 82"/>
         <p:cNvGrpSpPr/>
         <p:nvPr/>
       </p:nvGrpSpPr>
@@ -7732,9 +8111,11 @@
       <p:sp>
         <p:nvSpPr>
           <p:cNvPr id="83" name="Google Shape;83;p18"/>
-          <p:cNvSpPr txBox="1"/>
+          <p:cNvSpPr txBox="1">
+            <a:spLocks noGrp="1"/>
+          </p:cNvSpPr>
           <p:nvPr>
-            <p:ph idx="1" type="body"/>
+            <p:ph type="body" idx="1"/>
           </p:nvPr>
         </p:nvSpPr>
         <p:spPr>
@@ -7747,12 +8128,12 @@
           </a:prstGeom>
         </p:spPr>
         <p:txBody>
-          <a:bodyPr anchorCtr="0" anchor="t" bIns="91425" lIns="91425" spcFirstLastPara="1" rIns="91425" wrap="square" tIns="91425">
+          <a:bodyPr spcFirstLastPara="1" wrap="square" lIns="91425" tIns="91425" rIns="91425" bIns="91425" anchor="t" anchorCtr="0">
             <a:noAutofit/>
           </a:bodyPr>
           <a:lstStyle/>
           <a:p>
-            <a:pPr indent="0" lvl="0" marL="0" rtl="0" algn="l">
+            <a:pPr marL="0" lvl="0" indent="0" algn="l" rtl="0">
               <a:spcBef>
                 <a:spcPts val="0"/>
               </a:spcBef>
@@ -7762,13 +8143,13 @@
               <a:buNone/>
             </a:pPr>
             <a:r>
-              <a:rPr b="1" lang="en"/>
+              <a:rPr lang="en" b="1" dirty="0"/>
               <a:t>Part 2: Reflection: when experimenting with the value k in kNN, what have you observed? Compare this performance difference with the k value experiment in Part 1, what can you tell from this?</a:t>
             </a:r>
-            <a:endParaRPr b="1"/>
-          </a:p>
-          <a:p>
-            <a:pPr indent="0" lvl="0" marL="0" rtl="0" algn="l">
+            <a:endParaRPr b="1" dirty="0"/>
+          </a:p>
+          <a:p>
+            <a:pPr marL="0" lvl="0" indent="0" algn="l" rtl="0">
               <a:spcBef>
                 <a:spcPts val="1600"/>
               </a:spcBef>
@@ -7778,10 +8159,44 @@
               <a:buNone/>
             </a:pPr>
             <a:r>
-              <a:rPr lang="en"/>
-              <a:t>&lt;Text solution here&gt;</a:t>
+              <a:rPr lang="en-SG" dirty="0"/>
+              <a:t>The performance is best when K is at 2 and 3, and drops when K is smaller than 2 or larger than 3. </a:t>
             </a:r>
-            <a:endParaRPr/>
+          </a:p>
+          <a:p>
+            <a:pPr marL="0" lvl="0" indent="0" algn="l" rtl="0">
+              <a:spcBef>
+                <a:spcPts val="1600"/>
+              </a:spcBef>
+              <a:spcAft>
+                <a:spcPts val="1600"/>
+              </a:spcAft>
+              <a:buNone/>
+            </a:pPr>
+            <a:r>
+              <a:rPr lang="en-SG" dirty="0"/>
+              <a:t>When compared together with part 1, it shows the same trend, where the performance increases at around 3, and decreases after 3. </a:t>
+            </a:r>
+          </a:p>
+          <a:p>
+            <a:pPr marL="0" lvl="0" indent="0" algn="l" rtl="0">
+              <a:spcBef>
+                <a:spcPts val="1600"/>
+              </a:spcBef>
+              <a:spcAft>
+                <a:spcPts val="1600"/>
+              </a:spcAft>
+              <a:buNone/>
+            </a:pPr>
+            <a:r>
+              <a:rPr lang="en-SG" dirty="0"/>
+              <a:t>This tells me that for k nearest neighbour, the optimal value of K seems be around 3 no matter the dataset we </a:t>
+            </a:r>
+            <a:r>
+              <a:rPr lang="en-SG"/>
+              <a:t>are using.</a:t>
+            </a:r>
+            <a:endParaRPr dirty="0"/>
           </a:p>
         </p:txBody>
       </p:sp>
@@ -7794,11 +8209,11 @@
 </file>
 
 <file path=ppt/slides/slide7.xml><?xml version="1.0" encoding="utf-8"?>
-<p:sld xmlns:a="http://schemas.openxmlformats.org/drawingml/2006/main" xmlns:r="http://schemas.openxmlformats.org/officeDocument/2006/relationships" xmlns:mc="http://schemas.openxmlformats.org/markup-compatibility/2006" xmlns:mv="urn:schemas-microsoft-com:mac:vml" xmlns:p="http://schemas.openxmlformats.org/presentationml/2006/main" xmlns:c="http://schemas.openxmlformats.org/drawingml/2006/chart" xmlns:dgm="http://schemas.openxmlformats.org/drawingml/2006/diagram" xmlns:o="urn:schemas-microsoft-com:office:office" xmlns:v="urn:schemas-microsoft-com:vml" xmlns:pvml="urn:schemas-microsoft-com:office:powerpoint" xmlns:com="http://schemas.openxmlformats.org/drawingml/2006/compatibility" xmlns:p14="http://schemas.microsoft.com/office/powerpoint/2010/main" xmlns:p15="http://schemas.microsoft.com/office/powerpoint/2012/main">
+<p:sld xmlns:a="http://schemas.openxmlformats.org/drawingml/2006/main" xmlns:r="http://schemas.openxmlformats.org/officeDocument/2006/relationships" xmlns:p="http://schemas.openxmlformats.org/presentationml/2006/main">
   <p:cSld>
     <p:spTree>
       <p:nvGrpSpPr>
-        <p:cNvPr id="87" name="Shape 87"/>
+        <p:cNvPr id="1" name="Shape 87"/>
         <p:cNvGrpSpPr/>
         <p:nvPr/>
       </p:nvGrpSpPr>
@@ -7813,7 +8228,9 @@
       <p:sp>
         <p:nvSpPr>
           <p:cNvPr id="88" name="Google Shape;88;p19"/>
-          <p:cNvSpPr txBox="1"/>
+          <p:cNvSpPr txBox="1">
+            <a:spLocks noGrp="1"/>
+          </p:cNvSpPr>
           <p:nvPr>
             <p:ph type="title"/>
           </p:nvPr>
@@ -7828,12 +8245,12 @@
           </a:prstGeom>
         </p:spPr>
         <p:txBody>
-          <a:bodyPr anchorCtr="0" anchor="t" bIns="91425" lIns="91425" spcFirstLastPara="1" rIns="91425" wrap="square" tIns="91425">
+          <a:bodyPr spcFirstLastPara="1" wrap="square" lIns="91425" tIns="91425" rIns="91425" bIns="91425" anchor="t" anchorCtr="0">
             <a:noAutofit/>
           </a:bodyPr>
           <a:lstStyle/>
           <a:p>
-            <a:pPr indent="0" lvl="0" marL="0" rtl="0" algn="l">
+            <a:pPr marL="0" lvl="0" indent="0" algn="l" rtl="0">
               <a:spcBef>
                 <a:spcPts val="0"/>
               </a:spcBef>
@@ -7853,9 +8270,11 @@
       <p:sp>
         <p:nvSpPr>
           <p:cNvPr id="89" name="Google Shape;89;p19"/>
-          <p:cNvSpPr txBox="1"/>
+          <p:cNvSpPr txBox="1">
+            <a:spLocks noGrp="1"/>
+          </p:cNvSpPr>
           <p:nvPr>
-            <p:ph idx="1" type="body"/>
+            <p:ph type="body" idx="1"/>
           </p:nvPr>
         </p:nvSpPr>
         <p:spPr>
@@ -7868,12 +8287,12 @@
           </a:prstGeom>
         </p:spPr>
         <p:txBody>
-          <a:bodyPr anchorCtr="0" anchor="t" bIns="91425" lIns="91425" spcFirstLastPara="1" rIns="91425" wrap="square" tIns="91425">
+          <a:bodyPr spcFirstLastPara="1" wrap="square" lIns="91425" tIns="91425" rIns="91425" bIns="91425" anchor="t" anchorCtr="0">
             <a:noAutofit/>
           </a:bodyPr>
           <a:lstStyle/>
           <a:p>
-            <a:pPr indent="0" lvl="0" marL="0" rtl="0" algn="l">
+            <a:pPr marL="0" lvl="0" indent="0" algn="l" rtl="0">
               <a:spcBef>
                 <a:spcPts val="0"/>
               </a:spcBef>
@@ -7883,19 +8302,21 @@
               <a:buNone/>
             </a:pPr>
             <a:r>
-              <a:rPr lang="en"/>
-              <a:t>&lt;your response&gt;</a:t>
+              <a:rPr lang="en-SG" dirty="0"/>
+              <a:t>Tiny images resize the image to a smaller resolution. This results in a loss of data. In bag of words, we are using the entire image to form the features. Therefore, it makes sense that bag of words performs better as it actually utilises most of the data, unlike tiny images which lost a lot of data due to resizing. </a:t>
             </a:r>
-            <a:endParaRPr/>
+            <a:endParaRPr dirty="0"/>
           </a:p>
         </p:txBody>
       </p:sp>
       <p:sp>
         <p:nvSpPr>
           <p:cNvPr id="90" name="Google Shape;90;p19"/>
-          <p:cNvSpPr txBox="1"/>
+          <p:cNvSpPr txBox="1">
+            <a:spLocks noGrp="1"/>
+          </p:cNvSpPr>
           <p:nvPr>
-            <p:ph idx="2" type="body"/>
+            <p:ph type="body" idx="2"/>
           </p:nvPr>
         </p:nvSpPr>
         <p:spPr>
@@ -7908,12 +8329,12 @@
           </a:prstGeom>
         </p:spPr>
         <p:txBody>
-          <a:bodyPr anchorCtr="0" anchor="t" bIns="91425" lIns="91425" spcFirstLastPara="1" rIns="91425" wrap="square" tIns="91425">
+          <a:bodyPr spcFirstLastPara="1" wrap="square" lIns="91425" tIns="91425" rIns="91425" bIns="91425" anchor="t" anchorCtr="0">
             <a:noAutofit/>
           </a:bodyPr>
           <a:lstStyle/>
           <a:p>
-            <a:pPr indent="0" lvl="0" marL="0" rtl="0" algn="l">
+            <a:pPr marL="0" lvl="0" indent="0" algn="l" rtl="0">
               <a:spcBef>
                 <a:spcPts val="0"/>
               </a:spcBef>
@@ -7923,10 +8344,10 @@
               <a:buNone/>
             </a:pPr>
             <a:r>
-              <a:rPr lang="en"/>
+              <a:rPr lang="en" dirty="0"/>
               <a:t>Why do you think that the tiny image representation gives a much worse accuracy than bag of words? As such, why is Bag of Words better in this case?</a:t>
             </a:r>
-            <a:endParaRPr/>
+            <a:endParaRPr dirty="0"/>
           </a:p>
         </p:txBody>
       </p:sp>
@@ -7939,11 +8360,11 @@
 </file>
 
 <file path=ppt/slides/slide8.xml><?xml version="1.0" encoding="utf-8"?>
-<p:sld xmlns:a="http://schemas.openxmlformats.org/drawingml/2006/main" xmlns:r="http://schemas.openxmlformats.org/officeDocument/2006/relationships" xmlns:mc="http://schemas.openxmlformats.org/markup-compatibility/2006" xmlns:mv="urn:schemas-microsoft-com:mac:vml" xmlns:p="http://schemas.openxmlformats.org/presentationml/2006/main" xmlns:c="http://schemas.openxmlformats.org/drawingml/2006/chart" xmlns:dgm="http://schemas.openxmlformats.org/drawingml/2006/diagram" xmlns:o="urn:schemas-microsoft-com:office:office" xmlns:v="urn:schemas-microsoft-com:vml" xmlns:pvml="urn:schemas-microsoft-com:office:powerpoint" xmlns:com="http://schemas.openxmlformats.org/drawingml/2006/compatibility" xmlns:p14="http://schemas.microsoft.com/office/powerpoint/2010/main" xmlns:p15="http://schemas.microsoft.com/office/powerpoint/2012/main">
+<p:sld xmlns:a="http://schemas.openxmlformats.org/drawingml/2006/main" xmlns:r="http://schemas.openxmlformats.org/officeDocument/2006/relationships" xmlns:p="http://schemas.openxmlformats.org/presentationml/2006/main">
   <p:cSld>
     <p:spTree>
       <p:nvGrpSpPr>
-        <p:cNvPr id="94" name="Shape 94"/>
+        <p:cNvPr id="1" name="Shape 94"/>
         <p:cNvGrpSpPr/>
         <p:nvPr/>
       </p:nvGrpSpPr>
@@ -7958,9 +8379,11 @@
       <p:sp>
         <p:nvSpPr>
           <p:cNvPr id="95" name="Google Shape;95;p20"/>
-          <p:cNvSpPr txBox="1"/>
+          <p:cNvSpPr txBox="1">
+            <a:spLocks noGrp="1"/>
+          </p:cNvSpPr>
           <p:nvPr>
-            <p:ph idx="1" type="body"/>
+            <p:ph type="body" idx="1"/>
           </p:nvPr>
         </p:nvSpPr>
         <p:spPr>
@@ -7973,12 +8396,12 @@
           </a:prstGeom>
         </p:spPr>
         <p:txBody>
-          <a:bodyPr anchorCtr="0" anchor="t" bIns="91425" lIns="91425" spcFirstLastPara="1" rIns="91425" wrap="square" tIns="91425">
+          <a:bodyPr spcFirstLastPara="1" wrap="square" lIns="91425" tIns="91425" rIns="91425" bIns="91425" anchor="t" anchorCtr="0">
             <a:noAutofit/>
           </a:bodyPr>
           <a:lstStyle/>
           <a:p>
-            <a:pPr indent="0" lvl="0" marL="0" rtl="0" algn="l">
+            <a:pPr marL="0" lvl="0" indent="0" algn="l" rtl="0">
               <a:spcBef>
                 <a:spcPts val="0"/>
               </a:spcBef>
@@ -7988,13 +8411,13 @@
               <a:buNone/>
             </a:pPr>
             <a:r>
-              <a:rPr b="1" lang="en"/>
+              <a:rPr lang="en" b="1" dirty="0"/>
               <a:t>Conclusion: briefly discuss what you have learned from this project.</a:t>
             </a:r>
-            <a:endParaRPr b="1"/>
-          </a:p>
-          <a:p>
-            <a:pPr indent="0" lvl="0" marL="0" rtl="0" algn="l">
+            <a:endParaRPr b="1" dirty="0"/>
+          </a:p>
+          <a:p>
+            <a:pPr marL="0" lvl="0" indent="0" algn="l" rtl="0">
               <a:spcBef>
                 <a:spcPts val="1600"/>
               </a:spcBef>
@@ -8004,10 +8427,25 @@
               <a:buNone/>
             </a:pPr>
             <a:r>
-              <a:rPr lang="en"/>
-              <a:t>&lt;Text solution here&gt;</a:t>
+              <a:rPr lang="en-SG" dirty="0"/>
+              <a:t>I have learned how does k-means and k nearest neighbour algorithm works.</a:t>
             </a:r>
-            <a:endParaRPr/>
+          </a:p>
+          <a:p>
+            <a:pPr marL="0" lvl="0" indent="0" algn="l" rtl="0">
+              <a:spcBef>
+                <a:spcPts val="1600"/>
+              </a:spcBef>
+              <a:spcAft>
+                <a:spcPts val="1600"/>
+              </a:spcAft>
+              <a:buNone/>
+            </a:pPr>
+            <a:r>
+              <a:rPr lang="en-SG" dirty="0"/>
+              <a:t>I have also learned more about Tiny Image representation &amp; nearest-neighbour classification and also on Bags of SIFT features. I gained more insight on how these algorithms works and what are some of the reasons as to why it doesn’t work very well. </a:t>
+            </a:r>
+            <a:endParaRPr dirty="0"/>
           </a:p>
         </p:txBody>
       </p:sp>
@@ -8020,11 +8458,11 @@
 </file>
 
 <file path=ppt/slides/slide9.xml><?xml version="1.0" encoding="utf-8"?>
-<p:sld xmlns:a="http://schemas.openxmlformats.org/drawingml/2006/main" xmlns:r="http://schemas.openxmlformats.org/officeDocument/2006/relationships" xmlns:mc="http://schemas.openxmlformats.org/markup-compatibility/2006" xmlns:mv="urn:schemas-microsoft-com:mac:vml" xmlns:p="http://schemas.openxmlformats.org/presentationml/2006/main" xmlns:c="http://schemas.openxmlformats.org/drawingml/2006/chart" xmlns:dgm="http://schemas.openxmlformats.org/drawingml/2006/diagram" xmlns:o="urn:schemas-microsoft-com:office:office" xmlns:v="urn:schemas-microsoft-com:vml" xmlns:pvml="urn:schemas-microsoft-com:office:powerpoint" xmlns:com="http://schemas.openxmlformats.org/drawingml/2006/compatibility" xmlns:p14="http://schemas.microsoft.com/office/powerpoint/2010/main" xmlns:p15="http://schemas.microsoft.com/office/powerpoint/2012/main">
+<p:sld xmlns:a="http://schemas.openxmlformats.org/drawingml/2006/main" xmlns:r="http://schemas.openxmlformats.org/officeDocument/2006/relationships" xmlns:p="http://schemas.openxmlformats.org/presentationml/2006/main">
   <p:cSld>
     <p:spTree>
       <p:nvGrpSpPr>
-        <p:cNvPr id="99" name="Shape 99"/>
+        <p:cNvPr id="1" name="Shape 99"/>
         <p:cNvGrpSpPr/>
         <p:nvPr/>
       </p:nvGrpSpPr>
@@ -8039,7 +8477,9 @@
       <p:sp>
         <p:nvSpPr>
           <p:cNvPr id="100" name="Google Shape;100;p21"/>
-          <p:cNvSpPr txBox="1"/>
+          <p:cNvSpPr txBox="1">
+            <a:spLocks noGrp="1"/>
+          </p:cNvSpPr>
           <p:nvPr>
             <p:ph type="title"/>
           </p:nvPr>
@@ -8054,12 +8494,12 @@
           </a:prstGeom>
         </p:spPr>
         <p:txBody>
-          <a:bodyPr anchorCtr="0" anchor="t" bIns="91425" lIns="91425" spcFirstLastPara="1" rIns="91425" wrap="square" tIns="91425">
+          <a:bodyPr spcFirstLastPara="1" wrap="square" lIns="91425" tIns="91425" rIns="91425" bIns="91425" anchor="t" anchorCtr="0">
             <a:noAutofit/>
           </a:bodyPr>
           <a:lstStyle/>
           <a:p>
-            <a:pPr indent="0" lvl="0" marL="0" rtl="0" algn="l">
+            <a:pPr marL="0" lvl="0" indent="0" algn="l" rtl="0">
               <a:spcBef>
                 <a:spcPts val="0"/>
               </a:spcBef>
@@ -8096,12 +8536,12 @@
           </a:ln>
         </p:spPr>
         <p:txBody>
-          <a:bodyPr anchorCtr="0" anchor="t" bIns="91425" lIns="91425" spcFirstLastPara="1" rIns="91425" wrap="square" tIns="91425">
+          <a:bodyPr spcFirstLastPara="1" wrap="square" lIns="91425" tIns="91425" rIns="91425" bIns="91425" anchor="t" anchorCtr="0">
             <a:noAutofit/>
           </a:bodyPr>
           <a:lstStyle/>
           <a:p>
-            <a:pPr indent="0" lvl="0" marL="0" rtl="0" algn="l">
+            <a:pPr marL="0" lvl="0" indent="0" algn="l" rtl="0">
               <a:spcBef>
                 <a:spcPts val="0"/>
               </a:spcBef>
@@ -8138,12 +8578,12 @@
           </a:ln>
         </p:spPr>
         <p:txBody>
-          <a:bodyPr anchorCtr="0" anchor="t" bIns="91425" lIns="91425" spcFirstLastPara="1" rIns="91425" wrap="square" tIns="91425">
+          <a:bodyPr spcFirstLastPara="1" wrap="square" lIns="91425" tIns="91425" rIns="91425" bIns="91425" anchor="t" anchorCtr="0">
             <a:noAutofit/>
           </a:bodyPr>
           <a:lstStyle/>
           <a:p>
-            <a:pPr indent="0" lvl="0" marL="0" rtl="0" algn="l">
+            <a:pPr marL="0" lvl="0" indent="0" algn="l" rtl="0">
               <a:spcBef>
                 <a:spcPts val="0"/>
               </a:spcBef>
@@ -8180,12 +8620,12 @@
           </a:ln>
         </p:spPr>
         <p:txBody>
-          <a:bodyPr anchorCtr="0" anchor="t" bIns="91425" lIns="91425" spcFirstLastPara="1" rIns="91425" wrap="square" tIns="91425">
+          <a:bodyPr spcFirstLastPara="1" wrap="square" lIns="91425" tIns="91425" rIns="91425" bIns="91425" anchor="t" anchorCtr="0">
             <a:noAutofit/>
           </a:bodyPr>
           <a:lstStyle/>
           <a:p>
-            <a:pPr indent="0" lvl="0" marL="0" rtl="0" algn="l">
+            <a:pPr marL="0" lvl="0" indent="0" algn="l" rtl="0">
               <a:spcBef>
                 <a:spcPts val="0"/>
               </a:spcBef>
@@ -8222,12 +8662,12 @@
           </a:ln>
         </p:spPr>
         <p:txBody>
-          <a:bodyPr anchorCtr="0" anchor="t" bIns="91425" lIns="91425" spcFirstLastPara="1" rIns="91425" wrap="square" tIns="91425">
+          <a:bodyPr spcFirstLastPara="1" wrap="square" lIns="91425" tIns="91425" rIns="91425" bIns="91425" anchor="t" anchorCtr="0">
             <a:noAutofit/>
           </a:bodyPr>
           <a:lstStyle/>
           <a:p>
-            <a:pPr indent="0" lvl="0" marL="0" rtl="0" algn="l">
+            <a:pPr marL="0" lvl="0" indent="0" algn="l" rtl="0">
               <a:spcBef>
                 <a:spcPts val="0"/>
               </a:spcBef>
@@ -8253,7 +8693,7 @@
 </file>
 
 <file path=ppt/theme/theme1.xml><?xml version="1.0" encoding="utf-8"?>
-<a:theme xmlns:a="http://schemas.openxmlformats.org/drawingml/2006/main" xmlns:r="http://schemas.openxmlformats.org/officeDocument/2006/relationships" name="Simple Light">
+<a:theme xmlns:a="http://schemas.openxmlformats.org/drawingml/2006/main" name="Simple Light">
   <a:themeElements>
     <a:clrScheme name="Simple Light">
       <a:dk1>
@@ -8528,11 +8968,13 @@
       </a:bgFillStyleLst>
     </a:fmtScheme>
   </a:themeElements>
+  <a:objectDefaults/>
+  <a:extraClrSchemeLst/>
 </a:theme>
 </file>
 
 <file path=ppt/theme/theme2.xml><?xml version="1.0" encoding="utf-8"?>
-<a:theme xmlns:a="http://schemas.openxmlformats.org/drawingml/2006/main" xmlns:r="http://schemas.openxmlformats.org/officeDocument/2006/relationships">
+<a:theme xmlns:a="http://schemas.openxmlformats.org/drawingml/2006/main">
   <a:themeElements>
     <a:clrScheme name="Default">
       <a:dk1>
@@ -8807,5 +9249,7 @@
       </a:bgFillStyleLst>
     </a:fmtScheme>
   </a:themeElements>
+  <a:objectDefaults/>
+  <a:extraClrSchemeLst/>
 </a:theme>
 </file>